--- a/Fall_2019/Slides/11-Distributed_Concurrency_Control-2.pptx
+++ b/Fall_2019/Slides/11-Distributed_Concurrency_Control-2.pptx
@@ -5,10 +5,10 @@
     <p:sldMasterId id="2147483696" r:id="rId1"/>
   </p:sldMasterIdLst>
   <p:notesMasterIdLst>
-    <p:notesMasterId r:id="rId66"/>
+    <p:notesMasterId r:id="rId72"/>
   </p:notesMasterIdLst>
   <p:handoutMasterIdLst>
-    <p:handoutMasterId r:id="rId67"/>
+    <p:handoutMasterId r:id="rId73"/>
   </p:handoutMasterIdLst>
   <p:sldIdLst>
     <p:sldId id="256" r:id="rId2"/>
@@ -60,21 +60,27 @@
     <p:sldId id="620" r:id="rId48"/>
     <p:sldId id="621" r:id="rId49"/>
     <p:sldId id="589" r:id="rId50"/>
-    <p:sldId id="622" r:id="rId51"/>
-    <p:sldId id="623" r:id="rId52"/>
-    <p:sldId id="624" r:id="rId53"/>
-    <p:sldId id="591" r:id="rId54"/>
-    <p:sldId id="590" r:id="rId55"/>
-    <p:sldId id="593" r:id="rId56"/>
-    <p:sldId id="594" r:id="rId57"/>
-    <p:sldId id="595" r:id="rId58"/>
-    <p:sldId id="596" r:id="rId59"/>
-    <p:sldId id="598" r:id="rId60"/>
-    <p:sldId id="597" r:id="rId61"/>
-    <p:sldId id="599" r:id="rId62"/>
-    <p:sldId id="600" r:id="rId63"/>
-    <p:sldId id="601" r:id="rId64"/>
-    <p:sldId id="602" r:id="rId65"/>
+    <p:sldId id="623" r:id="rId51"/>
+    <p:sldId id="624" r:id="rId52"/>
+    <p:sldId id="591" r:id="rId53"/>
+    <p:sldId id="590" r:id="rId54"/>
+    <p:sldId id="593" r:id="rId55"/>
+    <p:sldId id="594" r:id="rId56"/>
+    <p:sldId id="595" r:id="rId57"/>
+    <p:sldId id="596" r:id="rId58"/>
+    <p:sldId id="598" r:id="rId59"/>
+    <p:sldId id="597" r:id="rId60"/>
+    <p:sldId id="599" r:id="rId61"/>
+    <p:sldId id="600" r:id="rId62"/>
+    <p:sldId id="601" r:id="rId63"/>
+    <p:sldId id="625" r:id="rId64"/>
+    <p:sldId id="626" r:id="rId65"/>
+    <p:sldId id="627" r:id="rId66"/>
+    <p:sldId id="628" r:id="rId67"/>
+    <p:sldId id="629" r:id="rId68"/>
+    <p:sldId id="630" r:id="rId69"/>
+    <p:sldId id="631" r:id="rId70"/>
+    <p:sldId id="632" r:id="rId71"/>
   </p:sldIdLst>
   <p:sldSz cx="9144000" cy="6858000" type="screen4x3"/>
   <p:notesSz cx="6858000" cy="9144000"/>
@@ -313,7 +319,7 @@
               <a:pPr>
                 <a:defRPr/>
               </a:pPr>
-              <a:t>11/15/18</a:t>
+              <a:t>11/26/19</a:t>
             </a:fld>
             <a:endParaRPr lang="en-US"/>
           </a:p>
@@ -509,7 +515,7 @@
               <a:pPr>
                 <a:defRPr/>
               </a:pPr>
-              <a:t>2018/11/15</a:t>
+              <a:t>2019/11/26</a:t>
             </a:fld>
             <a:endParaRPr lang="zh-CN" altLang="en-US"/>
           </a:p>
@@ -1499,7 +1505,7 @@
             </a:pPr>
             <a:fld id="{B400D5AD-3190-2D45-B12D-B62AC466A547}" type="datetime5">
               <a:rPr lang="en-SG" altLang="zh-CN" smtClean="0"/>
-              <a:t>15-Nov-18</a:t>
+              <a:t>26-Nov-19</a:t>
             </a:fld>
             <a:endParaRPr lang="zh-CN" altLang="en-US"/>
           </a:p>
@@ -1702,7 +1708,7 @@
             </a:pPr>
             <a:fld id="{77EB3E00-1D0F-F642-9FE2-832D47692761}" type="datetime5">
               <a:rPr lang="en-SG" altLang="zh-CN" smtClean="0"/>
-              <a:t>15-Nov-18</a:t>
+              <a:t>26-Nov-19</a:t>
             </a:fld>
             <a:endParaRPr lang="zh-CN" altLang="en-US"/>
           </a:p>
@@ -1914,7 +1920,7 @@
             </a:pPr>
             <a:fld id="{5D1E53D3-3E15-D24D-B9DF-1A304B83154B}" type="datetime5">
               <a:rPr lang="en-SG" altLang="zh-CN" smtClean="0"/>
-              <a:t>15-Nov-18</a:t>
+              <a:t>26-Nov-19</a:t>
             </a:fld>
             <a:endParaRPr lang="zh-CN" altLang="en-US"/>
           </a:p>
@@ -2116,7 +2122,7 @@
             </a:pPr>
             <a:fld id="{5BC5D77F-D2F8-F748-AA66-FBE2CAFB2F88}" type="datetime5">
               <a:rPr lang="en-SG" altLang="zh-CN" smtClean="0"/>
-              <a:t>15-Nov-18</a:t>
+              <a:t>26-Nov-19</a:t>
             </a:fld>
             <a:endParaRPr lang="zh-CN" altLang="en-US"/>
           </a:p>
@@ -2641,7 +2647,7 @@
             </a:pPr>
             <a:fld id="{017EAEC9-1B07-644C-B8F9-461D16761E24}" type="datetime5">
               <a:rPr lang="en-SG" altLang="zh-CN" smtClean="0"/>
-              <a:t>15-Nov-18</a:t>
+              <a:t>26-Nov-19</a:t>
             </a:fld>
             <a:endParaRPr lang="zh-CN" altLang="en-US"/>
           </a:p>
@@ -2943,7 +2949,7 @@
             </a:pPr>
             <a:fld id="{A78F5DB4-B0BC-CD4C-8500-F67F9D146CA2}" type="datetime5">
               <a:rPr lang="en-SG" altLang="zh-CN" smtClean="0"/>
-              <a:t>15-Nov-18</a:t>
+              <a:t>26-Nov-19</a:t>
             </a:fld>
             <a:endParaRPr lang="zh-CN" altLang="en-US"/>
           </a:p>
@@ -3460,7 +3466,7 @@
             </a:pPr>
             <a:fld id="{9AFB623B-4CDE-BE48-A21E-0B941160BA7B}" type="datetime5">
               <a:rPr lang="en-SG" altLang="zh-CN" smtClean="0"/>
-              <a:t>15-Nov-18</a:t>
+              <a:t>26-Nov-19</a:t>
             </a:fld>
             <a:endParaRPr lang="zh-CN" altLang="en-US"/>
           </a:p>
@@ -3614,7 +3620,7 @@
             </a:pPr>
             <a:fld id="{3CB25BA1-F661-7146-82EB-6DE5B77C68B3}" type="datetime5">
               <a:rPr lang="en-SG" altLang="zh-CN" smtClean="0"/>
-              <a:t>15-Nov-18</a:t>
+              <a:t>26-Nov-19</a:t>
             </a:fld>
             <a:endParaRPr lang="zh-CN" altLang="en-US"/>
           </a:p>
@@ -3861,7 +3867,7 @@
             </a:pPr>
             <a:fld id="{82495C74-3BAB-244C-923A-4A5689831C5D}" type="datetime5">
               <a:rPr lang="en-SG" altLang="zh-CN" smtClean="0"/>
-              <a:t>15-Nov-18</a:t>
+              <a:t>26-Nov-19</a:t>
             </a:fld>
             <a:endParaRPr lang="zh-CN" altLang="en-US"/>
           </a:p>
@@ -4156,7 +4162,7 @@
             </a:pPr>
             <a:fld id="{3B28BA75-4699-EB45-8205-4FEC28EDE7D1}" type="datetime5">
               <a:rPr lang="en-SG" altLang="zh-CN" smtClean="0"/>
-              <a:t>15-Nov-18</a:t>
+              <a:t>26-Nov-19</a:t>
             </a:fld>
             <a:endParaRPr lang="zh-CN" altLang="en-US"/>
           </a:p>
@@ -4625,7 +4631,7 @@
             </a:pPr>
             <a:fld id="{32EC7F65-5A50-4842-96CE-6A851C71A346}" type="datetime5">
               <a:rPr lang="en-SG" altLang="zh-CN" smtClean="0"/>
-              <a:t>15-Nov-18</a:t>
+              <a:t>26-Nov-19</a:t>
             </a:fld>
             <a:endParaRPr lang="zh-CN" altLang="en-US"/>
           </a:p>
@@ -5194,7 +5200,7 @@
             </a:pPr>
             <a:fld id="{D75B8DA1-4CAE-BD4D-8E33-783A4C308E03}" type="datetime5">
               <a:rPr lang="en-SG" altLang="zh-CN" smtClean="0"/>
-              <a:t>15-Nov-18</a:t>
+              <a:t>26-Nov-19</a:t>
             </a:fld>
             <a:endParaRPr lang="zh-CN" altLang="en-US"/>
           </a:p>
@@ -5924,7 +5930,11 @@
             </a:pPr>
             <a:r>
               <a:rPr lang="en-US" altLang="zh-CN" sz="2800" dirty="0" smtClean="0"/>
-              <a:t>Autumn, 2017</a:t>
+              <a:t>Autumn</a:t>
+            </a:r>
+            <a:r>
+              <a:rPr lang="en-US" altLang="zh-CN" sz="2800" smtClean="0"/>
+              <a:t>, 2019</a:t>
             </a:r>
             <a:endParaRPr lang="zh-CN" altLang="en-US" sz="2800" dirty="0"/>
           </a:p>
@@ -16175,12 +16185,18 @@
               <a:t>to avoid cycles in wait-for graph (WFG) between </a:t>
             </a:r>
             <a:r>
-              <a:rPr lang="en-US" sz="2800" dirty="0" err="1"/>
-              <a:t>transactionsMany</a:t>
+              <a:rPr lang="en-US" sz="2800" dirty="0" smtClean="0"/>
+              <a:t>transactions</a:t>
+            </a:r>
+          </a:p>
+          <a:p>
+            <a:r>
+              <a:rPr lang="en-US" sz="2800" dirty="0" smtClean="0"/>
+              <a:t>Many </a:t>
             </a:r>
             <a:r>
               <a:rPr lang="en-US" sz="2800" dirty="0"/>
-              <a:t> deadlock </a:t>
+              <a:t>deadlock </a:t>
             </a:r>
             <a:r>
               <a:rPr lang="en-US" sz="2800" dirty="0" smtClean="0"/>
@@ -28360,36 +28376,6 @@
           <a:chExt cx="0" cy="0"/>
         </a:xfrm>
       </p:grpSpPr>
-      <p:pic>
-        <p:nvPicPr>
-          <p:cNvPr id="6" name="Picture 5"/>
-          <p:cNvPicPr>
-            <a:picLocks noChangeAspect="1"/>
-          </p:cNvPicPr>
-          <p:nvPr/>
-        </p:nvPicPr>
-        <p:blipFill>
-          <a:blip r:embed="rId2">
-            <a:extLst>
-              <a:ext uri="{28A0092B-C50C-407E-A947-70E740481C1C}">
-                <a14:useLocalDpi xmlns:a14="http://schemas.microsoft.com/office/drawing/2010/main" val="0"/>
-              </a:ext>
-            </a:extLst>
-          </a:blip>
-          <a:stretch>
-            <a:fillRect/>
-          </a:stretch>
-        </p:blipFill>
-        <p:spPr>
-          <a:xfrm>
-            <a:off x="2123728" y="3212976"/>
-            <a:ext cx="5207000" cy="2425700"/>
-          </a:xfrm>
-          <a:prstGeom prst="rect">
-            <a:avLst/>
-          </a:prstGeom>
-        </p:spPr>
-      </p:pic>
       <p:sp>
         <p:nvSpPr>
           <p:cNvPr id="2" name="Title 1"/>
@@ -28406,9 +28392,26 @@
           <a:lstStyle/>
           <a:p>
             <a:r>
-              <a:rPr lang="en-US" dirty="0"/>
-              <a:t>Thomas Write Rule</a:t>
-            </a:r>
+              <a:rPr lang="en-US" altLang="zh-CN" dirty="0" smtClean="0"/>
+              <a:t>2PL</a:t>
+            </a:r>
+            <a:r>
+              <a:rPr lang="zh-CN" altLang="en-US" dirty="0" smtClean="0"/>
+              <a:t> </a:t>
+            </a:r>
+            <a:r>
+              <a:rPr lang="en-US" altLang="zh-CN" dirty="0" smtClean="0"/>
+              <a:t>&lt;&gt;</a:t>
+            </a:r>
+            <a:r>
+              <a:rPr lang="zh-CN" altLang="en-US" dirty="0" smtClean="0"/>
+              <a:t> </a:t>
+            </a:r>
+            <a:r>
+              <a:rPr lang="en-US" altLang="zh-CN" dirty="0" smtClean="0"/>
+              <a:t>TO</a:t>
+            </a:r>
+            <a:endParaRPr lang="en-US" dirty="0"/>
           </a:p>
         </p:txBody>
       </p:sp>
@@ -28428,137 +28431,155 @@
           <a:lstStyle/>
           <a:p>
             <a:r>
-              <a:rPr lang="en-US" dirty="0" err="1"/>
-              <a:t>wi</a:t>
-            </a:r>
+              <a:rPr lang="mr-IN" dirty="0"/>
+              <a:t>T1 </a:t>
+            </a:r>
+            <a:r>
+              <a:rPr lang="zh-CN" altLang="en-US" dirty="0" smtClean="0"/>
+              <a:t>  </a:t>
+            </a:r>
+            <a:r>
+              <a:rPr lang="mr-IN" dirty="0" smtClean="0"/>
+              <a:t>w1[</a:t>
+            </a:r>
+            <a:r>
+              <a:rPr lang="mr-IN" dirty="0" err="1" smtClean="0"/>
+              <a:t>Y</a:t>
+            </a:r>
+            <a:r>
+              <a:rPr lang="mr-IN" dirty="0" smtClean="0"/>
+              <a:t>]</a:t>
+            </a:r>
+            <a:endParaRPr lang="en-US" dirty="0" smtClean="0"/>
+          </a:p>
+          <a:p>
+            <a:r>
+              <a:rPr lang="mr-IN" dirty="0" smtClean="0"/>
+              <a:t>T2 </a:t>
+            </a:r>
+            <a:r>
+              <a:rPr lang="zh-CN" altLang="en-US" dirty="0" smtClean="0"/>
+              <a:t>  </a:t>
+            </a:r>
+            <a:r>
+              <a:rPr lang="mr-IN" dirty="0" smtClean="0"/>
+              <a:t>r2[X] r2[</a:t>
+            </a:r>
+            <a:r>
+              <a:rPr lang="mr-IN" dirty="0" err="1" smtClean="0"/>
+              <a:t>Y</a:t>
+            </a:r>
+            <a:r>
+              <a:rPr lang="mr-IN" dirty="0" smtClean="0"/>
+              <a:t>] w2[</a:t>
+            </a:r>
+            <a:r>
+              <a:rPr lang="mr-IN" dirty="0" err="1" smtClean="0"/>
+              <a:t>Z</a:t>
+            </a:r>
+            <a:r>
+              <a:rPr lang="mr-IN" dirty="0" smtClean="0"/>
+              <a:t>]</a:t>
+            </a:r>
+            <a:endParaRPr lang="en-US" dirty="0" smtClean="0"/>
+          </a:p>
+          <a:p>
+            <a:r>
+              <a:rPr lang="mr-IN" dirty="0" smtClean="0"/>
+              <a:t>T3 </a:t>
+            </a:r>
+            <a:r>
+              <a:rPr lang="zh-CN" altLang="en-US" dirty="0" smtClean="0"/>
+              <a:t>  </a:t>
+            </a:r>
+            <a:r>
+              <a:rPr lang="mr-IN" dirty="0" smtClean="0"/>
+              <a:t>w3[X]</a:t>
+            </a:r>
+            <a:endParaRPr lang="en-US" dirty="0" smtClean="0"/>
+          </a:p>
+          <a:p>
+            <a:endParaRPr lang="en-US" dirty="0" smtClean="0"/>
+          </a:p>
+          <a:p>
+            <a:r>
+              <a:rPr lang="mr-IN" dirty="0" err="1"/>
+              <a:t>ts</a:t>
+            </a:r>
+            <a:r>
+              <a:rPr lang="mr-IN" dirty="0"/>
+              <a:t>(T1) &lt; </a:t>
+            </a:r>
+            <a:r>
+              <a:rPr lang="mr-IN" dirty="0" err="1"/>
+              <a:t>ts</a:t>
+            </a:r>
+            <a:r>
+              <a:rPr lang="mr-IN" dirty="0"/>
+              <a:t>(T2) &lt; </a:t>
+            </a:r>
+            <a:r>
+              <a:rPr lang="mr-IN" dirty="0" err="1"/>
+              <a:t>ts</a:t>
+            </a:r>
+            <a:r>
+              <a:rPr lang="mr-IN" dirty="0"/>
+              <a:t>(T3</a:t>
+            </a:r>
+            <a:r>
+              <a:rPr lang="mr-IN" dirty="0" smtClean="0"/>
+              <a:t>)</a:t>
+            </a:r>
+            <a:endParaRPr lang="en-US" dirty="0" smtClean="0"/>
+          </a:p>
+          <a:p>
+            <a:r>
+              <a:rPr lang="mr-IN" dirty="0" err="1" smtClean="0"/>
+              <a:t>S</a:t>
+            </a:r>
+            <a:r>
+              <a:rPr lang="mr-IN" dirty="0" smtClean="0"/>
+              <a:t> r2[X] w3[X] </a:t>
+            </a:r>
+            <a:r>
+              <a:rPr lang="mr-IN" dirty="0"/>
+              <a:t>w1 </a:t>
+            </a:r>
+            <a:r>
+              <a:rPr lang="mr-IN" dirty="0" smtClean="0"/>
+              <a:t>[</a:t>
+            </a:r>
+            <a:r>
+              <a:rPr lang="mr-IN" dirty="0" err="1" smtClean="0"/>
+              <a:t>Y</a:t>
+            </a:r>
+            <a:r>
+              <a:rPr lang="mr-IN" dirty="0" smtClean="0"/>
+              <a:t>] r2[</a:t>
+            </a:r>
+            <a:r>
+              <a:rPr lang="mr-IN" dirty="0" err="1" smtClean="0"/>
+              <a:t>Y</a:t>
+            </a:r>
+            <a:r>
+              <a:rPr lang="mr-IN" dirty="0" smtClean="0"/>
+              <a:t>] w2[</a:t>
+            </a:r>
+            <a:r>
+              <a:rPr lang="mr-IN" dirty="0" err="1" smtClean="0"/>
+              <a:t>Z</a:t>
+            </a:r>
+            <a:r>
+              <a:rPr lang="mr-IN" dirty="0" smtClean="0"/>
+              <a:t>] </a:t>
+            </a:r>
+            <a:endParaRPr lang="en-US" dirty="0"/>
+          </a:p>
+          <a:p>
             <a:r>
               <a:rPr lang="en-US" dirty="0"/>
-              <a:t>[X] arrives </a:t>
-            </a:r>
-            <a:endParaRPr lang="en-US" dirty="0" smtClean="0"/>
-          </a:p>
-          <a:p>
-            <a:pPr lvl="1"/>
-            <a:r>
-              <a:rPr lang="en-US" dirty="0" smtClean="0"/>
-              <a:t>if </a:t>
-            </a:r>
-            <a:r>
-              <a:rPr lang="en-US" dirty="0" err="1"/>
-              <a:t>ts</a:t>
-            </a:r>
-            <a:r>
-              <a:rPr lang="en-US" dirty="0"/>
-              <a:t>(</a:t>
-            </a:r>
-            <a:r>
-              <a:rPr lang="en-US" dirty="0" err="1"/>
-              <a:t>Ti</a:t>
-            </a:r>
-            <a:r>
-              <a:rPr lang="en-US" dirty="0"/>
-              <a:t>) &lt; </a:t>
-            </a:r>
-            <a:r>
-              <a:rPr lang="en-US" altLang="zh-CN" dirty="0" err="1" smtClean="0"/>
-              <a:t>rst</a:t>
-            </a:r>
-            <a:r>
-              <a:rPr lang="zh-CN" altLang="en-US" dirty="0" smtClean="0"/>
-              <a:t> </a:t>
-            </a:r>
-            <a:r>
-              <a:rPr lang="en-US" dirty="0" smtClean="0"/>
-              <a:t>[X</a:t>
-            </a:r>
-            <a:r>
-              <a:rPr lang="en-US" dirty="0"/>
-              <a:t>] then abort </a:t>
-            </a:r>
-            <a:r>
-              <a:rPr lang="en-US" dirty="0" err="1"/>
-              <a:t>Ti</a:t>
-            </a:r>
-            <a:r>
-              <a:rPr lang="en-US" dirty="0"/>
-              <a:t> </a:t>
-            </a:r>
-            <a:endParaRPr lang="en-US" dirty="0" smtClean="0"/>
-          </a:p>
-          <a:p>
-            <a:pPr lvl="1"/>
-            <a:r>
-              <a:rPr lang="en-US" dirty="0" smtClean="0"/>
-              <a:t>else </a:t>
-            </a:r>
-            <a:r>
-              <a:rPr lang="en-US" dirty="0"/>
-              <a:t>if </a:t>
-            </a:r>
-            <a:r>
-              <a:rPr lang="en-US" dirty="0" err="1"/>
-              <a:t>ts</a:t>
-            </a:r>
-            <a:r>
-              <a:rPr lang="en-US" dirty="0"/>
-              <a:t>(</a:t>
-            </a:r>
-            <a:r>
-              <a:rPr lang="en-US" dirty="0" err="1"/>
-              <a:t>Ti</a:t>
-            </a:r>
-            <a:r>
-              <a:rPr lang="en-US" dirty="0"/>
-              <a:t>) &lt; </a:t>
-            </a:r>
-            <a:r>
-              <a:rPr lang="en-US" altLang="zh-CN" dirty="0" err="1" smtClean="0"/>
-              <a:t>wts</a:t>
-            </a:r>
-            <a:r>
-              <a:rPr lang="zh-CN" altLang="en-US" dirty="0" smtClean="0"/>
-              <a:t> </a:t>
-            </a:r>
-            <a:r>
-              <a:rPr lang="en-US" dirty="0" smtClean="0"/>
-              <a:t>[X</a:t>
-            </a:r>
-            <a:r>
-              <a:rPr lang="en-US" dirty="0"/>
-              <a:t>] ignore write </a:t>
-            </a:r>
-            <a:endParaRPr lang="en-US" dirty="0" smtClean="0"/>
-          </a:p>
-          <a:p>
-            <a:pPr lvl="1"/>
-            <a:r>
-              <a:rPr lang="en-US" dirty="0" smtClean="0"/>
-              <a:t>else </a:t>
-            </a:r>
-            <a:r>
-              <a:rPr lang="en-US" dirty="0"/>
-              <a:t>// as </a:t>
-            </a:r>
-            <a:r>
-              <a:rPr lang="en-US" dirty="0" smtClean="0"/>
-              <a:t>before</a:t>
-            </a:r>
-          </a:p>
-          <a:p>
-            <a:pPr lvl="1"/>
-            <a:endParaRPr lang="en-US" dirty="0"/>
-          </a:p>
-          <a:p>
-            <a:pPr lvl="1"/>
-            <a:endParaRPr lang="en-US" dirty="0" smtClean="0"/>
-          </a:p>
-          <a:p>
-            <a:pPr lvl="1"/>
-            <a:endParaRPr lang="en-US" dirty="0"/>
-          </a:p>
-          <a:p>
-            <a:pPr lvl="1"/>
-            <a:endParaRPr lang="en-US" dirty="0" smtClean="0"/>
+              <a:t>S could be produced with TO but not with 2PL</a:t>
+            </a:r>
           </a:p>
         </p:txBody>
       </p:sp>
@@ -28620,7 +28641,7 @@
     </p:spTree>
     <p:extLst>
       <p:ext uri="{BB962C8B-B14F-4D97-AF65-F5344CB8AC3E}">
-        <p14:creationId xmlns:p14="http://schemas.microsoft.com/office/powerpoint/2010/main" val="1813353756"/>
+        <p14:creationId xmlns:p14="http://schemas.microsoft.com/office/powerpoint/2010/main" val="1344694254"/>
       </p:ext>
     </p:extLst>
   </p:cSld>
@@ -28693,305 +28714,6 @@
           </a:p>
         </p:txBody>
       </p:sp>
-      <p:sp>
-        <p:nvSpPr>
-          <p:cNvPr id="3" name="Content Placeholder 2"/>
-          <p:cNvSpPr>
-            <a:spLocks noGrp="1"/>
-          </p:cNvSpPr>
-          <p:nvPr>
-            <p:ph idx="1"/>
-          </p:nvPr>
-        </p:nvSpPr>
-        <p:spPr/>
-        <p:txBody>
-          <a:bodyPr/>
-          <a:lstStyle/>
-          <a:p>
-            <a:r>
-              <a:rPr lang="mr-IN" dirty="0"/>
-              <a:t>T1 </a:t>
-            </a:r>
-            <a:r>
-              <a:rPr lang="zh-CN" altLang="en-US" dirty="0" smtClean="0"/>
-              <a:t>  </a:t>
-            </a:r>
-            <a:r>
-              <a:rPr lang="mr-IN" dirty="0" smtClean="0"/>
-              <a:t>w1[</a:t>
-            </a:r>
-            <a:r>
-              <a:rPr lang="mr-IN" dirty="0" err="1" smtClean="0"/>
-              <a:t>Y</a:t>
-            </a:r>
-            <a:r>
-              <a:rPr lang="mr-IN" dirty="0" smtClean="0"/>
-              <a:t>]</a:t>
-            </a:r>
-            <a:endParaRPr lang="en-US" dirty="0" smtClean="0"/>
-          </a:p>
-          <a:p>
-            <a:r>
-              <a:rPr lang="mr-IN" dirty="0" smtClean="0"/>
-              <a:t>T2 </a:t>
-            </a:r>
-            <a:r>
-              <a:rPr lang="zh-CN" altLang="en-US" dirty="0" smtClean="0"/>
-              <a:t>  </a:t>
-            </a:r>
-            <a:r>
-              <a:rPr lang="mr-IN" dirty="0" smtClean="0"/>
-              <a:t>r2[X] r2[</a:t>
-            </a:r>
-            <a:r>
-              <a:rPr lang="mr-IN" dirty="0" err="1" smtClean="0"/>
-              <a:t>Y</a:t>
-            </a:r>
-            <a:r>
-              <a:rPr lang="mr-IN" dirty="0" smtClean="0"/>
-              <a:t>] w2[</a:t>
-            </a:r>
-            <a:r>
-              <a:rPr lang="mr-IN" dirty="0" err="1" smtClean="0"/>
-              <a:t>Z</a:t>
-            </a:r>
-            <a:r>
-              <a:rPr lang="mr-IN" dirty="0" smtClean="0"/>
-              <a:t>]</a:t>
-            </a:r>
-            <a:endParaRPr lang="en-US" dirty="0" smtClean="0"/>
-          </a:p>
-          <a:p>
-            <a:r>
-              <a:rPr lang="mr-IN" dirty="0" smtClean="0"/>
-              <a:t>T3 </a:t>
-            </a:r>
-            <a:r>
-              <a:rPr lang="zh-CN" altLang="en-US" dirty="0" smtClean="0"/>
-              <a:t>  </a:t>
-            </a:r>
-            <a:r>
-              <a:rPr lang="mr-IN" dirty="0" smtClean="0"/>
-              <a:t>w3[X]</a:t>
-            </a:r>
-            <a:endParaRPr lang="en-US" dirty="0" smtClean="0"/>
-          </a:p>
-          <a:p>
-            <a:endParaRPr lang="en-US" dirty="0" smtClean="0"/>
-          </a:p>
-          <a:p>
-            <a:r>
-              <a:rPr lang="mr-IN" dirty="0" err="1"/>
-              <a:t>ts</a:t>
-            </a:r>
-            <a:r>
-              <a:rPr lang="mr-IN" dirty="0"/>
-              <a:t>(T1) &lt; </a:t>
-            </a:r>
-            <a:r>
-              <a:rPr lang="mr-IN" dirty="0" err="1"/>
-              <a:t>ts</a:t>
-            </a:r>
-            <a:r>
-              <a:rPr lang="mr-IN" dirty="0"/>
-              <a:t>(T2) &lt; </a:t>
-            </a:r>
-            <a:r>
-              <a:rPr lang="mr-IN" dirty="0" err="1"/>
-              <a:t>ts</a:t>
-            </a:r>
-            <a:r>
-              <a:rPr lang="mr-IN" dirty="0"/>
-              <a:t>(T3</a:t>
-            </a:r>
-            <a:r>
-              <a:rPr lang="mr-IN" dirty="0" smtClean="0"/>
-              <a:t>)</a:t>
-            </a:r>
-            <a:endParaRPr lang="en-US" dirty="0" smtClean="0"/>
-          </a:p>
-          <a:p>
-            <a:r>
-              <a:rPr lang="mr-IN" dirty="0" err="1" smtClean="0"/>
-              <a:t>S</a:t>
-            </a:r>
-            <a:r>
-              <a:rPr lang="mr-IN" dirty="0" smtClean="0"/>
-              <a:t> r2[X] w3[X] </a:t>
-            </a:r>
-            <a:r>
-              <a:rPr lang="mr-IN" dirty="0"/>
-              <a:t>w1 </a:t>
-            </a:r>
-            <a:r>
-              <a:rPr lang="mr-IN" dirty="0" smtClean="0"/>
-              <a:t>[</a:t>
-            </a:r>
-            <a:r>
-              <a:rPr lang="mr-IN" dirty="0" err="1" smtClean="0"/>
-              <a:t>Y</a:t>
-            </a:r>
-            <a:r>
-              <a:rPr lang="mr-IN" dirty="0" smtClean="0"/>
-              <a:t>] r2[</a:t>
-            </a:r>
-            <a:r>
-              <a:rPr lang="mr-IN" dirty="0" err="1" smtClean="0"/>
-              <a:t>Y</a:t>
-            </a:r>
-            <a:r>
-              <a:rPr lang="mr-IN" dirty="0" smtClean="0"/>
-              <a:t>] w2[</a:t>
-            </a:r>
-            <a:r>
-              <a:rPr lang="mr-IN" dirty="0" err="1" smtClean="0"/>
-              <a:t>Z</a:t>
-            </a:r>
-            <a:r>
-              <a:rPr lang="mr-IN" dirty="0" smtClean="0"/>
-              <a:t>] </a:t>
-            </a:r>
-            <a:endParaRPr lang="en-US" dirty="0"/>
-          </a:p>
-          <a:p>
-            <a:r>
-              <a:rPr lang="en-US" dirty="0"/>
-              <a:t>S could be produced with TO but not with 2PL</a:t>
-            </a:r>
-          </a:p>
-        </p:txBody>
-      </p:sp>
-      <p:sp>
-        <p:nvSpPr>
-          <p:cNvPr id="4" name="Footer Placeholder 3"/>
-          <p:cNvSpPr>
-            <a:spLocks noGrp="1"/>
-          </p:cNvSpPr>
-          <p:nvPr>
-            <p:ph type="ftr" sz="quarter" idx="11"/>
-          </p:nvPr>
-        </p:nvSpPr>
-        <p:spPr/>
-        <p:txBody>
-          <a:bodyPr/>
-          <a:lstStyle/>
-          <a:p>
-            <a:pPr>
-              <a:defRPr/>
-            </a:pPr>
-            <a:r>
-              <a:rPr lang="en-US" altLang="zh-CN" smtClean="0"/>
-              <a:t>Distributed Database Systems</a:t>
-            </a:r>
-            <a:endParaRPr lang="zh-CN" altLang="en-US"/>
-          </a:p>
-        </p:txBody>
-      </p:sp>
-      <p:sp>
-        <p:nvSpPr>
-          <p:cNvPr id="5" name="Slide Number Placeholder 4"/>
-          <p:cNvSpPr>
-            <a:spLocks noGrp="1"/>
-          </p:cNvSpPr>
-          <p:nvPr>
-            <p:ph type="sldNum" sz="quarter" idx="12"/>
-          </p:nvPr>
-        </p:nvSpPr>
-        <p:spPr/>
-        <p:txBody>
-          <a:bodyPr/>
-          <a:lstStyle/>
-          <a:p>
-            <a:pPr>
-              <a:defRPr/>
-            </a:pPr>
-            <a:fld id="{E7439BD9-4C27-2345-99BB-5F50A5169954}" type="slidenum">
-              <a:rPr lang="zh-CN" altLang="en-US" smtClean="0"/>
-              <a:pPr>
-                <a:defRPr/>
-              </a:pPr>
-              <a:t>51</a:t>
-            </a:fld>
-            <a:endParaRPr lang="zh-CN" altLang="en-US"/>
-          </a:p>
-        </p:txBody>
-      </p:sp>
-    </p:spTree>
-    <p:extLst>
-      <p:ext uri="{BB962C8B-B14F-4D97-AF65-F5344CB8AC3E}">
-        <p14:creationId xmlns:p14="http://schemas.microsoft.com/office/powerpoint/2010/main" val="1344694254"/>
-      </p:ext>
-    </p:extLst>
-  </p:cSld>
-  <p:clrMapOvr>
-    <a:masterClrMapping/>
-  </p:clrMapOvr>
-  <p:timing>
-    <p:tnLst>
-      <p:par>
-        <p:cTn id="1" dur="indefinite" restart="never" nodeType="tmRoot"/>
-      </p:par>
-    </p:tnLst>
-  </p:timing>
-</p:sld>
-</file>
-
-<file path=ppt/slides/slide52.xml><?xml version="1.0" encoding="utf-8"?>
-<p:sld xmlns:a="http://schemas.openxmlformats.org/drawingml/2006/main" xmlns:r="http://schemas.openxmlformats.org/officeDocument/2006/relationships" xmlns:p="http://schemas.openxmlformats.org/presentationml/2006/main">
-  <p:cSld>
-    <p:spTree>
-      <p:nvGrpSpPr>
-        <p:cNvPr id="1" name=""/>
-        <p:cNvGrpSpPr/>
-        <p:nvPr/>
-      </p:nvGrpSpPr>
-      <p:grpSpPr>
-        <a:xfrm>
-          <a:off x="0" y="0"/>
-          <a:ext cx="0" cy="0"/>
-          <a:chOff x="0" y="0"/>
-          <a:chExt cx="0" cy="0"/>
-        </a:xfrm>
-      </p:grpSpPr>
-      <p:sp>
-        <p:nvSpPr>
-          <p:cNvPr id="2" name="Title 1"/>
-          <p:cNvSpPr>
-            <a:spLocks noGrp="1"/>
-          </p:cNvSpPr>
-          <p:nvPr>
-            <p:ph type="title"/>
-          </p:nvPr>
-        </p:nvSpPr>
-        <p:spPr/>
-        <p:txBody>
-          <a:bodyPr/>
-          <a:lstStyle/>
-          <a:p>
-            <a:r>
-              <a:rPr lang="en-US" altLang="zh-CN" dirty="0" smtClean="0"/>
-              <a:t>2PL</a:t>
-            </a:r>
-            <a:r>
-              <a:rPr lang="zh-CN" altLang="en-US" dirty="0" smtClean="0"/>
-              <a:t> </a:t>
-            </a:r>
-            <a:r>
-              <a:rPr lang="en-US" altLang="zh-CN" dirty="0" smtClean="0"/>
-              <a:t>&lt;&gt;</a:t>
-            </a:r>
-            <a:r>
-              <a:rPr lang="zh-CN" altLang="en-US" dirty="0" smtClean="0"/>
-              <a:t> </a:t>
-            </a:r>
-            <a:r>
-              <a:rPr lang="en-US" altLang="zh-CN" dirty="0" smtClean="0"/>
-              <a:t>TO</a:t>
-            </a:r>
-            <a:endParaRPr lang="en-US" dirty="0"/>
-          </a:p>
-        </p:txBody>
-      </p:sp>
       <p:pic>
         <p:nvPicPr>
           <p:cNvPr id="6" name="Content Placeholder 5"/>
@@ -29070,7 +28792,7 @@
               <a:pPr>
                 <a:defRPr/>
               </a:pPr>
-              <a:t>52</a:t>
+              <a:t>51</a:t>
             </a:fld>
             <a:endParaRPr lang="zh-CN" altLang="en-US"/>
           </a:p>
@@ -29096,7 +28818,7 @@
 </p:sld>
 </file>
 
-<file path=ppt/slides/slide53.xml><?xml version="1.0" encoding="utf-8"?>
+<file path=ppt/slides/slide52.xml><?xml version="1.0" encoding="utf-8"?>
 <p:sld xmlns:a="http://schemas.openxmlformats.org/drawingml/2006/main" xmlns:r="http://schemas.openxmlformats.org/officeDocument/2006/relationships" xmlns:p="http://schemas.openxmlformats.org/presentationml/2006/main">
   <p:cSld>
     <p:spTree>
@@ -29430,7 +29152,7 @@
                 <a:buFontTx/>
                 <a:buNone/>
               </a:pPr>
-              <a:t>53</a:t>
+              <a:t>52</a:t>
             </a:fld>
             <a:endParaRPr lang="zh-CN" altLang="en-US" sz="1200">
               <a:solidFill>
@@ -29507,6 +29229,462 @@
               </a:solidFill>
               <a:latin typeface="+mj-lt"/>
               <a:ea typeface="宋体" pitchFamily="2" charset="-122"/>
+            </a:endParaRPr>
+          </a:p>
+        </p:txBody>
+      </p:sp>
+    </p:spTree>
+  </p:cSld>
+  <p:clrMapOvr>
+    <a:masterClrMapping/>
+  </p:clrMapOvr>
+  <p:timing>
+    <p:tnLst>
+      <p:par>
+        <p:cTn id="1" dur="indefinite" restart="never" nodeType="tmRoot"/>
+      </p:par>
+    </p:tnLst>
+  </p:timing>
+</p:sld>
+</file>
+
+<file path=ppt/slides/slide53.xml><?xml version="1.0" encoding="utf-8"?>
+<p:sld xmlns:a="http://schemas.openxmlformats.org/drawingml/2006/main" xmlns:r="http://schemas.openxmlformats.org/officeDocument/2006/relationships" xmlns:p="http://schemas.openxmlformats.org/presentationml/2006/main">
+  <p:cSld>
+    <p:spTree>
+      <p:nvGrpSpPr>
+        <p:cNvPr id="1" name=""/>
+        <p:cNvGrpSpPr/>
+        <p:nvPr/>
+      </p:nvGrpSpPr>
+      <p:grpSpPr>
+        <a:xfrm>
+          <a:off x="0" y="0"/>
+          <a:ext cx="0" cy="0"/>
+          <a:chOff x="0" y="0"/>
+          <a:chExt cx="0" cy="0"/>
+        </a:xfrm>
+      </p:grpSpPr>
+      <p:sp>
+        <p:nvSpPr>
+          <p:cNvPr id="2" name="Title 1"/>
+          <p:cNvSpPr>
+            <a:spLocks noGrp="1"/>
+          </p:cNvSpPr>
+          <p:nvPr>
+            <p:ph type="title"/>
+          </p:nvPr>
+        </p:nvSpPr>
+        <p:spPr/>
+        <p:txBody>
+          <a:bodyPr>
+            <a:normAutofit fontScale="90000"/>
+          </a:bodyPr>
+          <a:lstStyle/>
+          <a:p>
+            <a:pPr eaLnBrk="1" hangingPunct="1">
+              <a:defRPr/>
+            </a:pPr>
+            <a:r>
+              <a:rPr lang="en-US" altLang="zh-CN" dirty="0" smtClean="0"/>
+              <a:t>11.4.2 Conservative TO Algorithm</a:t>
+            </a:r>
+            <a:endParaRPr lang="zh-CN" altLang="en-US" dirty="0"/>
+          </a:p>
+        </p:txBody>
+      </p:sp>
+      <p:sp>
+        <p:nvSpPr>
+          <p:cNvPr id="52226" name="Content Placeholder 2"/>
+          <p:cNvSpPr>
+            <a:spLocks noGrp="1"/>
+          </p:cNvSpPr>
+          <p:nvPr>
+            <p:ph idx="1"/>
+          </p:nvPr>
+        </p:nvSpPr>
+        <p:spPr/>
+        <p:txBody>
+          <a:bodyPr/>
+          <a:lstStyle/>
+          <a:p>
+            <a:pPr eaLnBrk="1" hangingPunct="1"/>
+            <a:r>
+              <a:rPr lang="en-US" altLang="zh-CN" dirty="0"/>
+              <a:t>Basic TO algorithm:</a:t>
+            </a:r>
+          </a:p>
+          <a:p>
+            <a:pPr eaLnBrk="1" hangingPunct="1">
+              <a:buFont typeface="Wingdings 2" charset="2"/>
+              <a:buNone/>
+            </a:pPr>
+            <a:r>
+              <a:rPr lang="en-US" altLang="zh-CN" dirty="0"/>
+              <a:t>	dead lock free but too many restarts</a:t>
+            </a:r>
+            <a:r>
+              <a:rPr lang="en-US" altLang="zh-CN" dirty="0" smtClean="0"/>
+              <a:t>.</a:t>
+            </a:r>
+          </a:p>
+          <a:p>
+            <a:pPr eaLnBrk="1" hangingPunct="1">
+              <a:buFont typeface="Wingdings 2" charset="2"/>
+              <a:buNone/>
+            </a:pPr>
+            <a:r>
+              <a:rPr lang="zh-CN" altLang="en-US" dirty="0" smtClean="0"/>
+              <a:t>   </a:t>
+            </a:r>
+            <a:r>
+              <a:rPr lang="en-US" altLang="zh-CN" dirty="0" smtClean="0"/>
+              <a:t>Can</a:t>
+            </a:r>
+            <a:r>
+              <a:rPr lang="zh-CN" altLang="en-US" dirty="0" smtClean="0"/>
+              <a:t> </a:t>
+            </a:r>
+            <a:r>
+              <a:rPr lang="en-US" altLang="zh-CN" dirty="0" smtClean="0"/>
+              <a:t>you</a:t>
+            </a:r>
+            <a:r>
+              <a:rPr lang="zh-CN" altLang="en-US" dirty="0" smtClean="0"/>
+              <a:t> </a:t>
+            </a:r>
+            <a:r>
+              <a:rPr lang="en-US" altLang="zh-CN" dirty="0" smtClean="0"/>
+              <a:t>give</a:t>
+            </a:r>
+            <a:r>
+              <a:rPr lang="zh-CN" altLang="en-US" dirty="0" smtClean="0"/>
+              <a:t> </a:t>
+            </a:r>
+            <a:r>
+              <a:rPr lang="en-US" altLang="zh-CN" dirty="0" smtClean="0"/>
+              <a:t>an</a:t>
+            </a:r>
+            <a:r>
+              <a:rPr lang="zh-CN" altLang="en-US" dirty="0" smtClean="0"/>
+              <a:t> </a:t>
+            </a:r>
+            <a:r>
+              <a:rPr lang="en-US" altLang="zh-CN" dirty="0" smtClean="0">
+                <a:solidFill>
+                  <a:srgbClr val="FF0000"/>
+                </a:solidFill>
+              </a:rPr>
+              <a:t>example</a:t>
+            </a:r>
+            <a:r>
+              <a:rPr lang="en-US" altLang="zh-CN" dirty="0" smtClean="0"/>
+              <a:t>?</a:t>
+            </a:r>
+            <a:r>
+              <a:rPr lang="zh-CN" altLang="en-US" dirty="0" smtClean="0"/>
+              <a:t> </a:t>
+            </a:r>
+          </a:p>
+          <a:p>
+            <a:pPr eaLnBrk="1" hangingPunct="1"/>
+            <a:r>
+              <a:rPr lang="en-US" altLang="zh-CN" dirty="0" smtClean="0"/>
+              <a:t>Conservative </a:t>
+            </a:r>
+            <a:r>
+              <a:rPr lang="en-US" altLang="zh-CN" dirty="0"/>
+              <a:t>TO algorithm:</a:t>
+            </a:r>
+          </a:p>
+          <a:p>
+            <a:pPr eaLnBrk="1" hangingPunct="1">
+              <a:buFont typeface="Wingdings 2" charset="2"/>
+              <a:buNone/>
+            </a:pPr>
+            <a:r>
+              <a:rPr lang="en-US" altLang="zh-CN" dirty="0"/>
+              <a:t>	</a:t>
+            </a:r>
+            <a:r>
+              <a:rPr lang="en-US" altLang="zh-CN" dirty="0">
+                <a:solidFill>
+                  <a:srgbClr val="C00000"/>
+                </a:solidFill>
+              </a:rPr>
+              <a:t>delays each operation </a:t>
+            </a:r>
+            <a:r>
+              <a:rPr lang="en-US" altLang="zh-CN" dirty="0"/>
+              <a:t>until there is an assurance that no operation with smaller timestamps can arrive at that scheduler.</a:t>
+            </a:r>
+            <a:endParaRPr lang="zh-CN" altLang="en-US" dirty="0"/>
+          </a:p>
+          <a:p>
+            <a:pPr eaLnBrk="1" hangingPunct="1"/>
+            <a:endParaRPr lang="zh-CN" altLang="en-US" dirty="0"/>
+          </a:p>
+        </p:txBody>
+      </p:sp>
+      <p:sp>
+        <p:nvSpPr>
+          <p:cNvPr id="4" name="Footer Placeholder 3"/>
+          <p:cNvSpPr>
+            <a:spLocks noGrp="1"/>
+          </p:cNvSpPr>
+          <p:nvPr>
+            <p:ph type="ftr" sz="quarter" idx="11"/>
+          </p:nvPr>
+        </p:nvSpPr>
+        <p:spPr/>
+        <p:txBody>
+          <a:bodyPr/>
+          <a:lstStyle/>
+          <a:p>
+            <a:pPr>
+              <a:defRPr/>
+            </a:pPr>
+            <a:r>
+              <a:rPr lang="en-US" altLang="zh-CN" smtClean="0"/>
+              <a:t>Distributed Database Systems</a:t>
+            </a:r>
+            <a:endParaRPr lang="zh-CN" altLang="en-US"/>
+          </a:p>
+        </p:txBody>
+      </p:sp>
+      <p:sp>
+        <p:nvSpPr>
+          <p:cNvPr id="52228" name="Slide Number Placeholder 4"/>
+          <p:cNvSpPr>
+            <a:spLocks noGrp="1"/>
+          </p:cNvSpPr>
+          <p:nvPr>
+            <p:ph type="sldNum" sz="quarter" idx="12"/>
+          </p:nvPr>
+        </p:nvSpPr>
+        <p:spPr bwMode="auto">
+          <a:noFill/>
+          <a:extLst>
+            <a:ext uri="{909E8E84-426E-40DD-AFC4-6F175D3DCCD1}">
+              <a14:hiddenFill xmlns:a14="http://schemas.microsoft.com/office/drawing/2010/main">
+                <a:solidFill>
+                  <a:srgbClr val="FFFFFF"/>
+                </a:solidFill>
+              </a14:hiddenFill>
+            </a:ext>
+            <a:ext uri="{91240B29-F687-4F45-9708-019B960494DF}">
+              <a14:hiddenLine xmlns:a14="http://schemas.microsoft.com/office/drawing/2010/main" w="9525">
+                <a:solidFill>
+                  <a:srgbClr val="000000"/>
+                </a:solidFill>
+                <a:miter lim="800000"/>
+                <a:headEnd/>
+                <a:tailEnd/>
+              </a14:hiddenLine>
+            </a:ext>
+          </a:extLst>
+        </p:spPr>
+        <p:txBody>
+          <a:bodyPr/>
+          <a:lstStyle>
+            <a:lvl1pPr>
+              <a:spcBef>
+                <a:spcPts val="600"/>
+              </a:spcBef>
+              <a:buClr>
+                <a:schemeClr val="accent1"/>
+              </a:buClr>
+              <a:buSzPct val="80000"/>
+              <a:buFont typeface="Wingdings 2" charset="2"/>
+              <a:buChar char=""/>
+              <a:defRPr sz="3200">
+                <a:solidFill>
+                  <a:schemeClr val="tx1"/>
+                </a:solidFill>
+                <a:latin typeface="Gill Sans MT" charset="0"/>
+                <a:ea typeface="华文中宋" charset="-122"/>
+              </a:defRPr>
+            </a:lvl1pPr>
+            <a:lvl2pPr marL="742950" indent="-285750">
+              <a:spcBef>
+                <a:spcPts val="550"/>
+              </a:spcBef>
+              <a:buClr>
+                <a:schemeClr val="accent1"/>
+              </a:buClr>
+              <a:buFont typeface="Verdana" charset="0"/>
+              <a:buChar char="◦"/>
+              <a:defRPr sz="2800">
+                <a:solidFill>
+                  <a:schemeClr val="tx1"/>
+                </a:solidFill>
+                <a:latin typeface="Gill Sans MT" charset="0"/>
+                <a:ea typeface="华文中宋" charset="-122"/>
+              </a:defRPr>
+            </a:lvl2pPr>
+            <a:lvl3pPr marL="1143000" indent="-228600">
+              <a:spcBef>
+                <a:spcPct val="20000"/>
+              </a:spcBef>
+              <a:buClr>
+                <a:schemeClr val="accent2"/>
+              </a:buClr>
+              <a:buFont typeface="Wingdings 2" charset="2"/>
+              <a:buChar char=""/>
+              <a:defRPr sz="2400">
+                <a:solidFill>
+                  <a:schemeClr val="tx1"/>
+                </a:solidFill>
+                <a:latin typeface="Gill Sans MT" charset="0"/>
+                <a:ea typeface="华文中宋" charset="-122"/>
+              </a:defRPr>
+            </a:lvl3pPr>
+            <a:lvl4pPr marL="1600200" indent="-228600">
+              <a:spcBef>
+                <a:spcPct val="20000"/>
+              </a:spcBef>
+              <a:buClr>
+                <a:srgbClr val="9BBB59"/>
+              </a:buClr>
+              <a:buFont typeface="Wingdings 2" charset="2"/>
+              <a:buChar char=""/>
+              <a:defRPr sz="2000">
+                <a:solidFill>
+                  <a:schemeClr val="tx1"/>
+                </a:solidFill>
+                <a:latin typeface="Gill Sans MT" charset="0"/>
+                <a:ea typeface="华文中宋" charset="-122"/>
+              </a:defRPr>
+            </a:lvl4pPr>
+            <a:lvl5pPr marL="2057400" indent="-228600">
+              <a:spcBef>
+                <a:spcPct val="20000"/>
+              </a:spcBef>
+              <a:buClr>
+                <a:srgbClr val="8064A2"/>
+              </a:buClr>
+              <a:buFont typeface="Wingdings 2" charset="2"/>
+              <a:buChar char=""/>
+              <a:defRPr sz="2000">
+                <a:solidFill>
+                  <a:schemeClr val="tx1"/>
+                </a:solidFill>
+                <a:latin typeface="Gill Sans MT" charset="0"/>
+                <a:ea typeface="华文中宋" charset="-122"/>
+              </a:defRPr>
+            </a:lvl5pPr>
+            <a:lvl6pPr marL="2514600" indent="-228600" eaLnBrk="0" fontAlgn="base" hangingPunct="0">
+              <a:spcBef>
+                <a:spcPct val="20000"/>
+              </a:spcBef>
+              <a:spcAft>
+                <a:spcPct val="0"/>
+              </a:spcAft>
+              <a:buClr>
+                <a:srgbClr val="8064A2"/>
+              </a:buClr>
+              <a:buFont typeface="Wingdings 2" charset="2"/>
+              <a:buChar char=""/>
+              <a:defRPr sz="2000">
+                <a:solidFill>
+                  <a:schemeClr val="tx1"/>
+                </a:solidFill>
+                <a:latin typeface="Gill Sans MT" charset="0"/>
+                <a:ea typeface="华文中宋" charset="-122"/>
+              </a:defRPr>
+            </a:lvl6pPr>
+            <a:lvl7pPr marL="2971800" indent="-228600" eaLnBrk="0" fontAlgn="base" hangingPunct="0">
+              <a:spcBef>
+                <a:spcPct val="20000"/>
+              </a:spcBef>
+              <a:spcAft>
+                <a:spcPct val="0"/>
+              </a:spcAft>
+              <a:buClr>
+                <a:srgbClr val="8064A2"/>
+              </a:buClr>
+              <a:buFont typeface="Wingdings 2" charset="2"/>
+              <a:buChar char=""/>
+              <a:defRPr sz="2000">
+                <a:solidFill>
+                  <a:schemeClr val="tx1"/>
+                </a:solidFill>
+                <a:latin typeface="Gill Sans MT" charset="0"/>
+                <a:ea typeface="华文中宋" charset="-122"/>
+              </a:defRPr>
+            </a:lvl7pPr>
+            <a:lvl8pPr marL="3429000" indent="-228600" eaLnBrk="0" fontAlgn="base" hangingPunct="0">
+              <a:spcBef>
+                <a:spcPct val="20000"/>
+              </a:spcBef>
+              <a:spcAft>
+                <a:spcPct val="0"/>
+              </a:spcAft>
+              <a:buClr>
+                <a:srgbClr val="8064A2"/>
+              </a:buClr>
+              <a:buFont typeface="Wingdings 2" charset="2"/>
+              <a:buChar char=""/>
+              <a:defRPr sz="2000">
+                <a:solidFill>
+                  <a:schemeClr val="tx1"/>
+                </a:solidFill>
+                <a:latin typeface="Gill Sans MT" charset="0"/>
+                <a:ea typeface="华文中宋" charset="-122"/>
+              </a:defRPr>
+            </a:lvl8pPr>
+            <a:lvl9pPr marL="3886200" indent="-228600" eaLnBrk="0" fontAlgn="base" hangingPunct="0">
+              <a:spcBef>
+                <a:spcPct val="20000"/>
+              </a:spcBef>
+              <a:spcAft>
+                <a:spcPct val="0"/>
+              </a:spcAft>
+              <a:buClr>
+                <a:srgbClr val="8064A2"/>
+              </a:buClr>
+              <a:buFont typeface="Wingdings 2" charset="2"/>
+              <a:buChar char=""/>
+              <a:defRPr sz="2000">
+                <a:solidFill>
+                  <a:schemeClr val="tx1"/>
+                </a:solidFill>
+                <a:latin typeface="Gill Sans MT" charset="0"/>
+                <a:ea typeface="华文中宋" charset="-122"/>
+              </a:defRPr>
+            </a:lvl9pPr>
+          </a:lstStyle>
+          <a:p>
+            <a:pPr>
+              <a:spcBef>
+                <a:spcPct val="0"/>
+              </a:spcBef>
+              <a:buClrTx/>
+              <a:buSzTx/>
+              <a:buFontTx/>
+              <a:buNone/>
+            </a:pPr>
+            <a:fld id="{01999D0A-A376-DB45-8795-89A0883AB9BB}" type="slidenum">
+              <a:rPr lang="zh-CN" altLang="en-US" sz="1200">
+                <a:solidFill>
+                  <a:srgbClr val="B4B1A0"/>
+                </a:solidFill>
+              </a:rPr>
+              <a:pPr>
+                <a:spcBef>
+                  <a:spcPct val="0"/>
+                </a:spcBef>
+                <a:buClrTx/>
+                <a:buSzTx/>
+                <a:buFontTx/>
+                <a:buNone/>
+              </a:pPr>
+              <a:t>53</a:t>
+            </a:fld>
+            <a:endParaRPr lang="zh-CN" altLang="en-US" sz="1200">
+              <a:solidFill>
+                <a:srgbClr val="B4B1A0"/>
+              </a:solidFill>
             </a:endParaRPr>
           </a:p>
         </p:txBody>
@@ -29555,9 +29733,7 @@
         </p:nvSpPr>
         <p:spPr/>
         <p:txBody>
-          <a:bodyPr>
-            <a:normAutofit fontScale="90000"/>
-          </a:bodyPr>
+          <a:bodyPr/>
           <a:lstStyle/>
           <a:p>
             <a:pPr eaLnBrk="1" hangingPunct="1">
@@ -29565,7 +29741,7 @@
             </a:pPr>
             <a:r>
               <a:rPr lang="en-US" altLang="zh-CN" dirty="0" smtClean="0"/>
-              <a:t>11.4.2 Conservative TO Algorithm</a:t>
+              <a:t>Basic technique</a:t>
             </a:r>
             <a:endParaRPr lang="zh-CN" altLang="en-US" dirty="0"/>
           </a:p>
@@ -29573,7 +29749,7 @@
       </p:sp>
       <p:sp>
         <p:nvSpPr>
-          <p:cNvPr id="52226" name="Content Placeholder 2"/>
+          <p:cNvPr id="53250" name="Content Placeholder 2"/>
           <p:cNvSpPr>
             <a:spLocks noGrp="1"/>
           </p:cNvSpPr>
@@ -29588,120 +29764,139 @@
           <a:p>
             <a:pPr eaLnBrk="1" hangingPunct="1"/>
             <a:r>
-              <a:rPr lang="en-US" altLang="zh-CN" dirty="0"/>
-              <a:t>Basic TO algorithm:</a:t>
-            </a:r>
-          </a:p>
-          <a:p>
-            <a:pPr eaLnBrk="1" hangingPunct="1">
-              <a:buFont typeface="Wingdings 2" charset="2"/>
-              <a:buNone/>
-            </a:pPr>
-            <a:r>
-              <a:rPr lang="en-US" altLang="zh-CN" dirty="0"/>
-              <a:t>	dead lock free but too many restarts</a:t>
-            </a:r>
-            <a:r>
-              <a:rPr lang="en-US" altLang="zh-CN" dirty="0" smtClean="0"/>
-              <a:t>.</a:t>
-            </a:r>
-          </a:p>
-          <a:p>
-            <a:pPr eaLnBrk="1" hangingPunct="1">
-              <a:buFont typeface="Wingdings 2" charset="2"/>
-              <a:buNone/>
-            </a:pPr>
-            <a:r>
-              <a:rPr lang="zh-CN" altLang="en-US" dirty="0"/>
-              <a:t> </a:t>
-            </a:r>
-            <a:r>
-              <a:rPr lang="zh-CN" altLang="en-US" dirty="0" smtClean="0"/>
-              <a:t>  </a:t>
-            </a:r>
-            <a:r>
-              <a:rPr lang="en-US" altLang="zh-CN" dirty="0" smtClean="0"/>
-              <a:t>Can</a:t>
-            </a:r>
-            <a:r>
-              <a:rPr lang="zh-CN" altLang="en-US" dirty="0" smtClean="0"/>
-              <a:t> </a:t>
-            </a:r>
-            <a:r>
-              <a:rPr lang="en-US" altLang="zh-CN" dirty="0" smtClean="0"/>
-              <a:t>you</a:t>
-            </a:r>
-            <a:r>
-              <a:rPr lang="zh-CN" altLang="en-US" dirty="0" smtClean="0"/>
-              <a:t> </a:t>
-            </a:r>
-            <a:r>
-              <a:rPr lang="en-US" altLang="zh-CN" dirty="0" smtClean="0"/>
-              <a:t>give</a:t>
-            </a:r>
-            <a:r>
-              <a:rPr lang="zh-CN" altLang="en-US" dirty="0" smtClean="0"/>
-              <a:t> </a:t>
-            </a:r>
-            <a:r>
-              <a:rPr lang="en-US" altLang="zh-CN" dirty="0" smtClean="0"/>
-              <a:t>an</a:t>
-            </a:r>
-            <a:r>
-              <a:rPr lang="zh-CN" altLang="en-US" dirty="0" smtClean="0"/>
-              <a:t> </a:t>
-            </a:r>
-            <a:r>
-              <a:rPr lang="en-US" altLang="zh-CN" dirty="0" smtClean="0">
-                <a:solidFill>
-                  <a:srgbClr val="FF0000"/>
-                </a:solidFill>
-              </a:rPr>
-              <a:t>example</a:t>
-            </a:r>
-            <a:r>
-              <a:rPr lang="en-US" altLang="zh-CN" dirty="0" smtClean="0"/>
-              <a:t>?</a:t>
-            </a:r>
-            <a:r>
-              <a:rPr lang="zh-CN" altLang="en-US" dirty="0" smtClean="0"/>
-              <a:t> </a:t>
-            </a:r>
-            <a:endParaRPr lang="zh-CN" altLang="en-US" dirty="0"/>
+              <a:rPr lang="en-US" altLang="zh-CN"/>
+              <a:t>At site </a:t>
+            </a:r>
+            <a:r>
+              <a:rPr lang="en-US" altLang="zh-CN" i="1">
+                <a:latin typeface="Times New Roman" charset="0"/>
+              </a:rPr>
+              <a:t>i</a:t>
+            </a:r>
+            <a:r>
+              <a:rPr lang="en-US" altLang="zh-CN"/>
+              <a:t>, each scheduler </a:t>
+            </a:r>
+            <a:r>
+              <a:rPr lang="en-US" altLang="zh-CN" i="1">
+                <a:latin typeface="Times New Roman" charset="0"/>
+              </a:rPr>
+              <a:t>i</a:t>
+            </a:r>
+            <a:r>
+              <a:rPr lang="en-US" altLang="zh-CN"/>
+              <a:t> has one queue </a:t>
+            </a:r>
+            <a:r>
+              <a:rPr lang="en-US" altLang="zh-CN" i="1">
+                <a:latin typeface="Times New Roman" charset="0"/>
+              </a:rPr>
+              <a:t>Q</a:t>
+            </a:r>
+            <a:r>
+              <a:rPr lang="en-US" altLang="zh-CN" i="1" baseline="-25000">
+                <a:latin typeface="Times New Roman" charset="0"/>
+              </a:rPr>
+              <a:t>ij</a:t>
+            </a:r>
+            <a:r>
+              <a:rPr lang="en-US" altLang="zh-CN"/>
+              <a:t> for each </a:t>
+            </a:r>
+            <a:r>
+              <a:rPr lang="en-US" altLang="zh-CN" i="1">
+                <a:latin typeface="Times New Roman" charset="0"/>
+              </a:rPr>
+              <a:t>TM</a:t>
+            </a:r>
+            <a:r>
+              <a:rPr lang="en-US" altLang="zh-CN"/>
+              <a:t> at site </a:t>
+            </a:r>
+            <a:r>
+              <a:rPr lang="en-US" altLang="zh-CN" i="1">
+                <a:latin typeface="Times New Roman" charset="0"/>
+              </a:rPr>
+              <a:t>j</a:t>
+            </a:r>
+            <a:r>
+              <a:rPr lang="en-US" altLang="zh-CN"/>
+              <a:t> in the system.</a:t>
+            </a:r>
+            <a:endParaRPr lang="zh-CN" altLang="en-US"/>
           </a:p>
           <a:p>
             <a:pPr eaLnBrk="1" hangingPunct="1"/>
             <a:r>
-              <a:rPr lang="en-US" altLang="zh-CN" dirty="0"/>
-              <a:t>Conservative TO algorithm:</a:t>
-            </a:r>
-          </a:p>
-          <a:p>
-            <a:pPr eaLnBrk="1" hangingPunct="1">
-              <a:buFont typeface="Wingdings 2" charset="2"/>
-              <a:buNone/>
-            </a:pPr>
-            <a:r>
-              <a:rPr lang="en-US" altLang="zh-CN" dirty="0"/>
-              <a:t>	</a:t>
-            </a:r>
-            <a:r>
-              <a:rPr lang="en-US" altLang="zh-CN" dirty="0">
+              <a:rPr lang="en-US" altLang="zh-CN"/>
+              <a:t>An operation from </a:t>
+            </a:r>
+            <a:r>
+              <a:rPr lang="en-US" altLang="zh-CN" i="1">
+                <a:latin typeface="Times New Roman" charset="0"/>
+              </a:rPr>
+              <a:t>TM</a:t>
+            </a:r>
+            <a:r>
+              <a:rPr lang="en-US" altLang="zh-CN" i="1" baseline="-25000">
+                <a:latin typeface="Times New Roman" charset="0"/>
+              </a:rPr>
+              <a:t>j</a:t>
+            </a:r>
+            <a:r>
+              <a:rPr lang="en-US" altLang="zh-CN"/>
+              <a:t> is placed in </a:t>
+            </a:r>
+            <a:r>
+              <a:rPr lang="en-US" altLang="zh-CN" i="1">
+                <a:latin typeface="Times New Roman" charset="0"/>
+              </a:rPr>
+              <a:t>Q</a:t>
+            </a:r>
+            <a:r>
+              <a:rPr lang="en-US" altLang="zh-CN" i="1" baseline="-25000">
+                <a:latin typeface="Times New Roman" charset="0"/>
+              </a:rPr>
+              <a:t>ij</a:t>
+            </a:r>
+            <a:r>
+              <a:rPr lang="en-US" altLang="zh-CN"/>
+              <a:t> in increasing timestamp order.</a:t>
+            </a:r>
+          </a:p>
+          <a:p>
+            <a:pPr eaLnBrk="1" hangingPunct="1"/>
+            <a:r>
+              <a:rPr lang="en-US" altLang="zh-CN"/>
+              <a:t>Scheduler </a:t>
+            </a:r>
+            <a:r>
+              <a:rPr lang="en-US" altLang="zh-CN" i="1">
+                <a:latin typeface="Times New Roman" charset="0"/>
+              </a:rPr>
+              <a:t>i</a:t>
+            </a:r>
+            <a:r>
+              <a:rPr lang="en-US" altLang="zh-CN"/>
+              <a:t> executes operation </a:t>
+            </a:r>
+            <a:r>
+              <a:rPr lang="en-US" altLang="zh-CN">
                 <a:solidFill>
                   <a:srgbClr val="C00000"/>
                 </a:solidFill>
               </a:rPr>
-              <a:t>delays each operation </a:t>
-            </a:r>
-            <a:r>
-              <a:rPr lang="en-US" altLang="zh-CN" dirty="0"/>
-              <a:t>until there is an assurance that no operation with smaller timestamps can arrive at that scheduler.</a:t>
-            </a:r>
-            <a:endParaRPr lang="zh-CN" altLang="en-US" dirty="0"/>
+              <a:t>from all queues </a:t>
+            </a:r>
+            <a:r>
+              <a:rPr lang="en-US" altLang="zh-CN"/>
+              <a:t>in this order also.</a:t>
+            </a:r>
+            <a:endParaRPr lang="zh-CN" altLang="en-US"/>
           </a:p>
           <a:p>
             <a:pPr eaLnBrk="1" hangingPunct="1"/>
-            <a:endParaRPr lang="zh-CN" altLang="en-US" dirty="0"/>
+            <a:endParaRPr lang="zh-CN" altLang="en-US"/>
           </a:p>
         </p:txBody>
       </p:sp>
@@ -29733,7 +29928,7 @@
       </p:sp>
       <p:sp>
         <p:nvSpPr>
-          <p:cNvPr id="52228" name="Slide Number Placeholder 4"/>
+          <p:cNvPr id="53252" name="Slide Number Placeholder 4"/>
           <p:cNvSpPr>
             <a:spLocks noGrp="1"/>
           </p:cNvSpPr>
@@ -29943,7 +30138,7 @@
               <a:buFontTx/>
               <a:buNone/>
             </a:pPr>
-            <a:fld id="{01999D0A-A376-DB45-8795-89A0883AB9BB}" type="slidenum">
+            <a:fld id="{27355BF2-9F41-A149-8EEE-CA343BABEC8D}" type="slidenum">
               <a:rPr lang="zh-CN" altLang="en-US" sz="1200">
                 <a:solidFill>
                   <a:srgbClr val="B4B1A0"/>
@@ -29964,6 +30159,89 @@
               <a:solidFill>
                 <a:srgbClr val="B4B1A0"/>
               </a:solidFill>
+            </a:endParaRPr>
+          </a:p>
+        </p:txBody>
+      </p:sp>
+      <p:sp>
+        <p:nvSpPr>
+          <p:cNvPr id="6" name="Rectangle 1"/>
+          <p:cNvSpPr>
+            <a:spLocks noChangeArrowheads="1"/>
+          </p:cNvSpPr>
+          <p:nvPr/>
+        </p:nvSpPr>
+        <p:spPr bwMode="auto">
+          <a:xfrm>
+            <a:off x="1857375" y="4857750"/>
+            <a:ext cx="6643688" cy="830263"/>
+          </a:xfrm>
+          <a:prstGeom prst="rect">
+            <a:avLst/>
+          </a:prstGeom>
+          <a:ln>
+            <a:headEnd/>
+            <a:tailEnd/>
+          </a:ln>
+        </p:spPr>
+        <p:style>
+          <a:lnRef idx="2">
+            <a:schemeClr val="accent1"/>
+          </a:lnRef>
+          <a:fillRef idx="1">
+            <a:schemeClr val="lt1"/>
+          </a:fillRef>
+          <a:effectRef idx="0">
+            <a:schemeClr val="accent1"/>
+          </a:effectRef>
+          <a:fontRef idx="minor">
+            <a:schemeClr val="dk1"/>
+          </a:fontRef>
+        </p:style>
+        <p:txBody>
+          <a:bodyPr anchor="ctr">
+            <a:spAutoFit/>
+          </a:bodyPr>
+          <a:lstStyle/>
+          <a:p>
+            <a:pPr eaLnBrk="1" hangingPunct="1">
+              <a:defRPr/>
+            </a:pPr>
+            <a:r>
+              <a:rPr lang="en-US" sz="2400" dirty="0">
+                <a:solidFill>
+                  <a:schemeClr val="tx2"/>
+                </a:solidFill>
+              </a:rPr>
+              <a:t>This reduces the number of restarts.</a:t>
+            </a:r>
+          </a:p>
+          <a:p>
+            <a:pPr eaLnBrk="1" hangingPunct="1">
+              <a:defRPr/>
+            </a:pPr>
+            <a:r>
+              <a:rPr lang="en-US" sz="2400" dirty="0">
+                <a:solidFill>
+                  <a:srgbClr val="C00000"/>
+                </a:solidFill>
+              </a:rPr>
+              <a:t>But restart may occur when a queue is empty</a:t>
+            </a:r>
+            <a:r>
+              <a:rPr lang="en-US" sz="2400" dirty="0">
+                <a:solidFill>
+                  <a:schemeClr val="tx2"/>
+                </a:solidFill>
+              </a:rPr>
+              <a:t>.</a:t>
+            </a:r>
+            <a:endParaRPr lang="en-US" altLang="zh-CN" dirty="0">
+              <a:solidFill>
+                <a:schemeClr val="tx2"/>
+              </a:solidFill>
+              <a:ea typeface="宋体" pitchFamily="2" charset="-122"/>
+              <a:cs typeface="宋体" pitchFamily="2" charset="-122"/>
             </a:endParaRPr>
           </a:p>
         </p:txBody>
@@ -30028,7 +30306,7 @@
       </p:sp>
       <p:sp>
         <p:nvSpPr>
-          <p:cNvPr id="53250" name="Content Placeholder 2"/>
+          <p:cNvPr id="54274" name="Content Placeholder 2"/>
           <p:cNvSpPr>
             <a:spLocks noGrp="1"/>
           </p:cNvSpPr>
@@ -30036,146 +30314,29 @@
             <p:ph idx="1"/>
           </p:nvPr>
         </p:nvSpPr>
-        <p:spPr/>
+        <p:spPr>
+          <a:xfrm>
+            <a:off x="4643438" y="1500188"/>
+            <a:ext cx="4357687" cy="4748212"/>
+          </a:xfrm>
+        </p:spPr>
         <p:txBody>
           <a:bodyPr/>
           <a:lstStyle/>
           <a:p>
             <a:pPr eaLnBrk="1" hangingPunct="1"/>
             <a:r>
-              <a:rPr lang="en-US" altLang="zh-CN"/>
-              <a:t>At site </a:t>
-            </a:r>
-            <a:r>
-              <a:rPr lang="en-US" altLang="zh-CN" i="1">
-                <a:latin typeface="Times New Roman" charset="0"/>
-              </a:rPr>
-              <a:t>i</a:t>
-            </a:r>
-            <a:r>
-              <a:rPr lang="en-US" altLang="zh-CN"/>
-              <a:t>, each scheduler </a:t>
-            </a:r>
-            <a:r>
-              <a:rPr lang="en-US" altLang="zh-CN" i="1">
-                <a:latin typeface="Times New Roman" charset="0"/>
-              </a:rPr>
-              <a:t>i</a:t>
-            </a:r>
-            <a:r>
-              <a:rPr lang="en-US" altLang="zh-CN"/>
-              <a:t> has one queue </a:t>
-            </a:r>
-            <a:r>
-              <a:rPr lang="en-US" altLang="zh-CN" i="1">
-                <a:latin typeface="Times New Roman" charset="0"/>
-              </a:rPr>
-              <a:t>Q</a:t>
-            </a:r>
-            <a:r>
-              <a:rPr lang="en-US" altLang="zh-CN" i="1" baseline="-25000">
-                <a:latin typeface="Times New Roman" charset="0"/>
-              </a:rPr>
-              <a:t>ij</a:t>
-            </a:r>
-            <a:r>
-              <a:rPr lang="en-US" altLang="zh-CN"/>
-              <a:t> for each </a:t>
-            </a:r>
-            <a:r>
-              <a:rPr lang="en-US" altLang="zh-CN" i="1">
-                <a:latin typeface="Times New Roman" charset="0"/>
-              </a:rPr>
-              <a:t>TM</a:t>
-            </a:r>
-            <a:r>
-              <a:rPr lang="en-US" altLang="zh-CN"/>
-              <a:t> at site </a:t>
-            </a:r>
-            <a:r>
-              <a:rPr lang="en-US" altLang="zh-CN" i="1">
-                <a:latin typeface="Times New Roman" charset="0"/>
-              </a:rPr>
-              <a:t>j</a:t>
-            </a:r>
-            <a:r>
-              <a:rPr lang="en-US" altLang="zh-CN"/>
-              <a:t> in the system.</a:t>
-            </a:r>
-            <a:endParaRPr lang="zh-CN" altLang="en-US"/>
+              <a:rPr lang="en-US" altLang="zh-CN" sz="2800"/>
+              <a:t>Suppose Q23 is empty and scheduler 2 chooses an operation op from Q21 and Q22.</a:t>
+            </a:r>
           </a:p>
           <a:p>
             <a:pPr eaLnBrk="1" hangingPunct="1"/>
             <a:r>
-              <a:rPr lang="en-US" altLang="zh-CN"/>
-              <a:t>An operation from </a:t>
-            </a:r>
-            <a:r>
-              <a:rPr lang="en-US" altLang="zh-CN" i="1">
-                <a:latin typeface="Times New Roman" charset="0"/>
-              </a:rPr>
-              <a:t>TM</a:t>
-            </a:r>
-            <a:r>
-              <a:rPr lang="en-US" altLang="zh-CN" i="1" baseline="-25000">
-                <a:latin typeface="Times New Roman" charset="0"/>
-              </a:rPr>
-              <a:t>j</a:t>
-            </a:r>
-            <a:r>
-              <a:rPr lang="en-US" altLang="zh-CN"/>
-              <a:t> is placed in </a:t>
-            </a:r>
-            <a:r>
-              <a:rPr lang="en-US" altLang="zh-CN" i="1">
-                <a:latin typeface="Times New Roman" charset="0"/>
-              </a:rPr>
-              <a:t>Q</a:t>
-            </a:r>
-            <a:r>
-              <a:rPr lang="en-US" altLang="zh-CN" i="1" baseline="-25000">
-                <a:latin typeface="Times New Roman" charset="0"/>
-              </a:rPr>
-              <a:t>ij</a:t>
-            </a:r>
-            <a:r>
-              <a:rPr lang="en-US" altLang="zh-CN"/>
-              <a:t> in increasing timestamp order.</a:t>
-            </a:r>
-          </a:p>
-          <a:p>
-            <a:pPr eaLnBrk="1" hangingPunct="1"/>
-            <a:r>
-              <a:rPr lang="en-US" altLang="zh-CN"/>
-              <a:t>Scheduler </a:t>
-            </a:r>
-            <a:r>
-              <a:rPr lang="en-US" altLang="zh-CN" i="1">
-                <a:latin typeface="Times New Roman" charset="0"/>
-              </a:rPr>
-              <a:t>i</a:t>
-            </a:r>
-            <a:r>
-              <a:rPr lang="en-US" altLang="zh-CN"/>
-              <a:t> executes operation </a:t>
-            </a:r>
-            <a:r>
-              <a:rPr lang="en-US" altLang="zh-CN">
-                <a:solidFill>
-                  <a:srgbClr val="C00000"/>
-                </a:solidFill>
-              </a:rPr>
-              <a:t>from all queues </a:t>
-            </a:r>
-            <a:r>
-              <a:rPr lang="en-US" altLang="zh-CN"/>
-              <a:t>in this order also.</a:t>
-            </a:r>
-            <a:endParaRPr lang="zh-CN" altLang="en-US"/>
-          </a:p>
-          <a:p>
-            <a:pPr eaLnBrk="1" hangingPunct="1"/>
-            <a:endParaRPr lang="zh-CN" altLang="en-US"/>
+              <a:rPr lang="en-US" altLang="zh-CN" sz="2800"/>
+              <a:t>But later a conflicting operation with smaller timestamp than ts(op) from site 3 arrives, then this operation must be rejected and restarted!</a:t>
+            </a:r>
+            <a:endParaRPr lang="zh-CN" altLang="en-US" sz="2800"/>
           </a:p>
         </p:txBody>
       </p:sp>
@@ -30207,7 +30368,7 @@
       </p:sp>
       <p:sp>
         <p:nvSpPr>
-          <p:cNvPr id="53252" name="Slide Number Placeholder 4"/>
+          <p:cNvPr id="54276" name="Slide Number Placeholder 4"/>
           <p:cNvSpPr>
             <a:spLocks noGrp="1"/>
           </p:cNvSpPr>
@@ -30417,7 +30578,7 @@
               <a:buFontTx/>
               <a:buNone/>
             </a:pPr>
-            <a:fld id="{27355BF2-9F41-A149-8EEE-CA343BABEC8D}" type="slidenum">
+            <a:fld id="{A76AE419-5F11-D444-BCBF-8BC93A012FA7}" type="slidenum">
               <a:rPr lang="zh-CN" altLang="en-US" sz="1200">
                 <a:solidFill>
                   <a:srgbClr val="B4B1A0"/>
@@ -30442,89 +30603,60 @@
           </a:p>
         </p:txBody>
       </p:sp>
-      <p:sp>
-        <p:nvSpPr>
-          <p:cNvPr id="6" name="Rectangle 1"/>
-          <p:cNvSpPr>
-            <a:spLocks noChangeArrowheads="1"/>
-          </p:cNvSpPr>
+      <p:pic>
+        <p:nvPicPr>
+          <p:cNvPr id="54277" name="Picture 2"/>
+          <p:cNvPicPr>
+            <a:picLocks noChangeAspect="1" noChangeArrowheads="1"/>
+          </p:cNvPicPr>
           <p:nvPr/>
-        </p:nvSpPr>
+        </p:nvPicPr>
+        <p:blipFill>
+          <a:blip r:embed="rId2">
+            <a:extLst>
+              <a:ext uri="{28A0092B-C50C-407E-A947-70E740481C1C}">
+                <a14:useLocalDpi xmlns:a14="http://schemas.microsoft.com/office/drawing/2010/main" val="0"/>
+              </a:ext>
+            </a:extLst>
+          </a:blip>
+          <a:srcRect/>
+          <a:stretch>
+            <a:fillRect/>
+          </a:stretch>
+        </p:blipFill>
         <p:spPr bwMode="auto">
           <a:xfrm>
-            <a:off x="1857375" y="4857750"/>
-            <a:ext cx="6643688" cy="830263"/>
+            <a:off x="1214438" y="1571625"/>
+            <a:ext cx="3429000" cy="3857625"/>
           </a:xfrm>
           <a:prstGeom prst="rect">
             <a:avLst/>
           </a:prstGeom>
+          <a:noFill/>
           <a:ln>
-            <a:headEnd/>
-            <a:tailEnd/>
+            <a:noFill/>
           </a:ln>
+          <a:extLst>
+            <a:ext uri="{909E8E84-426E-40DD-AFC4-6F175D3DCCD1}">
+              <a14:hiddenFill xmlns:a14="http://schemas.microsoft.com/office/drawing/2010/main">
+                <a:solidFill>
+                  <a:srgbClr val="FFFFFF"/>
+                </a:solidFill>
+              </a14:hiddenFill>
+            </a:ext>
+            <a:ext uri="{91240B29-F687-4F45-9708-019B960494DF}">
+              <a14:hiddenLine xmlns:a14="http://schemas.microsoft.com/office/drawing/2010/main" w="9525">
+                <a:solidFill>
+                  <a:srgbClr val="000000"/>
+                </a:solidFill>
+                <a:miter lim="800000"/>
+                <a:headEnd/>
+                <a:tailEnd/>
+              </a14:hiddenLine>
+            </a:ext>
+          </a:extLst>
         </p:spPr>
-        <p:style>
-          <a:lnRef idx="2">
-            <a:schemeClr val="accent1"/>
-          </a:lnRef>
-          <a:fillRef idx="1">
-            <a:schemeClr val="lt1"/>
-          </a:fillRef>
-          <a:effectRef idx="0">
-            <a:schemeClr val="accent1"/>
-          </a:effectRef>
-          <a:fontRef idx="minor">
-            <a:schemeClr val="dk1"/>
-          </a:fontRef>
-        </p:style>
-        <p:txBody>
-          <a:bodyPr anchor="ctr">
-            <a:spAutoFit/>
-          </a:bodyPr>
-          <a:lstStyle/>
-          <a:p>
-            <a:pPr eaLnBrk="1" hangingPunct="1">
-              <a:defRPr/>
-            </a:pPr>
-            <a:r>
-              <a:rPr lang="en-US" sz="2400" dirty="0">
-                <a:solidFill>
-                  <a:schemeClr val="tx2"/>
-                </a:solidFill>
-              </a:rPr>
-              <a:t>This reduces the number of restarts.</a:t>
-            </a:r>
-          </a:p>
-          <a:p>
-            <a:pPr eaLnBrk="1" hangingPunct="1">
-              <a:defRPr/>
-            </a:pPr>
-            <a:r>
-              <a:rPr lang="en-US" sz="2400" dirty="0">
-                <a:solidFill>
-                  <a:srgbClr val="C00000"/>
-                </a:solidFill>
-              </a:rPr>
-              <a:t>But restart may occur when a queue is empty</a:t>
-            </a:r>
-            <a:r>
-              <a:rPr lang="en-US" sz="2400" dirty="0">
-                <a:solidFill>
-                  <a:schemeClr val="tx2"/>
-                </a:solidFill>
-              </a:rPr>
-              <a:t>.</a:t>
-            </a:r>
-            <a:endParaRPr lang="en-US" altLang="zh-CN" dirty="0">
-              <a:solidFill>
-                <a:schemeClr val="tx2"/>
-              </a:solidFill>
-              <a:ea typeface="宋体" pitchFamily="2" charset="-122"/>
-              <a:cs typeface="宋体" pitchFamily="2" charset="-122"/>
-            </a:endParaRPr>
-          </a:p>
-        </p:txBody>
-      </p:sp>
+      </p:pic>
     </p:spTree>
   </p:cSld>
   <p:clrMapOvr>
@@ -30577,7 +30709,7 @@
             </a:pPr>
             <a:r>
               <a:rPr lang="en-US" altLang="zh-CN" dirty="0" smtClean="0"/>
-              <a:t>Basic technique</a:t>
+              <a:t>Improvement 1</a:t>
             </a:r>
             <a:endParaRPr lang="zh-CN" altLang="en-US" dirty="0"/>
           </a:p>
@@ -30585,7 +30717,7 @@
       </p:sp>
       <p:sp>
         <p:nvSpPr>
-          <p:cNvPr id="54274" name="Content Placeholder 2"/>
+          <p:cNvPr id="55298" name="Content Placeholder 2"/>
           <p:cNvSpPr>
             <a:spLocks noGrp="1"/>
           </p:cNvSpPr>
@@ -30593,12 +30725,7 @@
             <p:ph idx="1"/>
           </p:nvPr>
         </p:nvSpPr>
-        <p:spPr>
-          <a:xfrm>
-            <a:off x="4643438" y="1500188"/>
-            <a:ext cx="4357687" cy="4748212"/>
-          </a:xfrm>
-        </p:spPr>
+        <p:spPr/>
         <p:txBody>
           <a:bodyPr/>
           <a:lstStyle/>
@@ -30606,16 +30733,69 @@
             <a:pPr eaLnBrk="1" hangingPunct="1"/>
             <a:r>
               <a:rPr lang="en-US" altLang="zh-CN" sz="2800"/>
-              <a:t>Suppose Q23 is empty and scheduler 2 chooses an operation op from Q21 and Q22.</a:t>
-            </a:r>
+              <a:t>Use </a:t>
+            </a:r>
+            <a:r>
+              <a:rPr lang="en-US" altLang="zh-CN" sz="2800">
+                <a:solidFill>
+                  <a:srgbClr val="C00000"/>
+                </a:solidFill>
+              </a:rPr>
+              <a:t>extremely conservative algorithm</a:t>
+            </a:r>
+            <a:r>
+              <a:rPr lang="en-US" altLang="zh-CN" sz="2800" i="1"/>
+              <a:t> </a:t>
+            </a:r>
+            <a:r>
+              <a:rPr lang="en-US" altLang="zh-CN" sz="2800"/>
+              <a:t>complemented by</a:t>
+            </a:r>
+            <a:endParaRPr lang="zh-CN" altLang="en-US" sz="2800"/>
+          </a:p>
+          <a:p>
+            <a:pPr lvl="1" eaLnBrk="1" hangingPunct="1"/>
+            <a:r>
+              <a:rPr lang="en-US" altLang="zh-CN" sz="2400"/>
+              <a:t>In each queue there is </a:t>
+            </a:r>
+            <a:r>
+              <a:rPr lang="en-US" altLang="zh-CN" sz="2400">
+                <a:solidFill>
+                  <a:srgbClr val="C00000"/>
+                </a:solidFill>
+              </a:rPr>
+              <a:t>at least one operation</a:t>
+            </a:r>
+            <a:r>
+              <a:rPr lang="en-US" altLang="zh-CN" sz="2400"/>
+              <a:t>, or</a:t>
+            </a:r>
+            <a:endParaRPr lang="zh-CN" altLang="en-US" sz="2400"/>
+          </a:p>
+          <a:p>
+            <a:pPr lvl="1" eaLnBrk="1" hangingPunct="1"/>
+            <a:r>
+              <a:rPr lang="en-US" altLang="zh-CN" sz="2400"/>
+              <a:t>if a TM does not have a transaction to process, it has to </a:t>
+            </a:r>
+            <a:r>
+              <a:rPr lang="en-US" altLang="zh-CN" sz="2400">
+                <a:solidFill>
+                  <a:srgbClr val="C00000"/>
+                </a:solidFill>
+              </a:rPr>
+              <a:t>send a message periodically </a:t>
+            </a:r>
+            <a:r>
+              <a:rPr lang="en-US" altLang="zh-CN" sz="2400"/>
+              <a:t>to inform that in the future it will send timestamp larger than that of the message.</a:t>
+            </a:r>
+            <a:endParaRPr lang="zh-CN" altLang="en-US" sz="2400"/>
           </a:p>
           <a:p>
             <a:pPr eaLnBrk="1" hangingPunct="1"/>
-            <a:r>
-              <a:rPr lang="en-US" altLang="zh-CN" sz="2800"/>
-              <a:t>But later a conflicting operation with smaller timestamp than ts(op) from site 3 arrives, then this operation must be rejected and restarted!</a:t>
-            </a:r>
-            <a:endParaRPr lang="zh-CN" altLang="en-US" sz="2800"/>
+            <a:endParaRPr lang="zh-CN" altLang="en-US"/>
           </a:p>
         </p:txBody>
       </p:sp>
@@ -30647,7 +30827,7 @@
       </p:sp>
       <p:sp>
         <p:nvSpPr>
-          <p:cNvPr id="54276" name="Slide Number Placeholder 4"/>
+          <p:cNvPr id="55300" name="Slide Number Placeholder 4"/>
           <p:cNvSpPr>
             <a:spLocks noGrp="1"/>
           </p:cNvSpPr>
@@ -30857,7 +31037,7 @@
               <a:buFontTx/>
               <a:buNone/>
             </a:pPr>
-            <a:fld id="{A76AE419-5F11-D444-BCBF-8BC93A012FA7}" type="slidenum">
+            <a:fld id="{A48F641E-CAAD-0241-83CF-71859F0BF760}" type="slidenum">
               <a:rPr lang="zh-CN" altLang="en-US" sz="1200">
                 <a:solidFill>
                   <a:srgbClr val="B4B1A0"/>
@@ -30882,60 +31062,158 @@
           </a:p>
         </p:txBody>
       </p:sp>
-      <p:pic>
-        <p:nvPicPr>
-          <p:cNvPr id="54277" name="Picture 2"/>
-          <p:cNvPicPr>
-            <a:picLocks noChangeAspect="1" noChangeArrowheads="1"/>
-          </p:cNvPicPr>
+      <p:sp>
+        <p:nvSpPr>
+          <p:cNvPr id="6" name="Rectangle 1"/>
+          <p:cNvSpPr>
+            <a:spLocks noChangeArrowheads="1"/>
+          </p:cNvSpPr>
           <p:nvPr/>
-        </p:nvPicPr>
-        <p:blipFill>
-          <a:blip r:embed="rId2">
-            <a:extLst>
-              <a:ext uri="{28A0092B-C50C-407E-A947-70E740481C1C}">
-                <a14:useLocalDpi xmlns:a14="http://schemas.microsoft.com/office/drawing/2010/main" val="0"/>
-              </a:ext>
-            </a:extLst>
-          </a:blip>
-          <a:srcRect/>
-          <a:stretch>
-            <a:fillRect/>
-          </a:stretch>
-        </p:blipFill>
+        </p:nvSpPr>
         <p:spPr bwMode="auto">
           <a:xfrm>
-            <a:off x="1214438" y="1571625"/>
-            <a:ext cx="3429000" cy="3857625"/>
+            <a:off x="1357313" y="4500563"/>
+            <a:ext cx="7500937" cy="830262"/>
           </a:xfrm>
           <a:prstGeom prst="rect">
             <a:avLst/>
           </a:prstGeom>
-          <a:noFill/>
           <a:ln>
-            <a:noFill/>
+            <a:headEnd/>
+            <a:tailEnd/>
           </a:ln>
-          <a:extLst>
-            <a:ext uri="{909E8E84-426E-40DD-AFC4-6F175D3DCCD1}">
-              <a14:hiddenFill xmlns:a14="http://schemas.microsoft.com/office/drawing/2010/main">
-                <a:solidFill>
-                  <a:srgbClr val="FFFFFF"/>
-                </a:solidFill>
-              </a14:hiddenFill>
-            </a:ext>
-            <a:ext uri="{91240B29-F687-4F45-9708-019B960494DF}">
-              <a14:hiddenLine xmlns:a14="http://schemas.microsoft.com/office/drawing/2010/main" w="9525">
-                <a:solidFill>
-                  <a:srgbClr val="000000"/>
-                </a:solidFill>
-                <a:miter lim="800000"/>
-                <a:headEnd/>
-                <a:tailEnd/>
-              </a14:hiddenLine>
-            </a:ext>
-          </a:extLst>
         </p:spPr>
-      </p:pic>
+        <p:style>
+          <a:lnRef idx="2">
+            <a:schemeClr val="accent1"/>
+          </a:lnRef>
+          <a:fillRef idx="1">
+            <a:schemeClr val="lt1"/>
+          </a:fillRef>
+          <a:effectRef idx="0">
+            <a:schemeClr val="accent1"/>
+          </a:effectRef>
+          <a:fontRef idx="minor">
+            <a:schemeClr val="dk1"/>
+          </a:fontRef>
+        </p:style>
+        <p:txBody>
+          <a:bodyPr anchor="ctr">
+            <a:spAutoFit/>
+          </a:bodyPr>
+          <a:lstStyle/>
+          <a:p>
+            <a:pPr eaLnBrk="1" hangingPunct="1">
+              <a:defRPr/>
+            </a:pPr>
+            <a:r>
+              <a:rPr lang="en-US" sz="2400" dirty="0">
+                <a:solidFill>
+                  <a:schemeClr val="tx2"/>
+                </a:solidFill>
+              </a:rPr>
+              <a:t>Extremely conservative algorithm actually executes transaction serially at each site – </a:t>
+            </a:r>
+            <a:r>
+              <a:rPr lang="en-US" sz="2400" dirty="0">
+                <a:solidFill>
+                  <a:srgbClr val="C00000"/>
+                </a:solidFill>
+              </a:rPr>
+              <a:t>too conservative</a:t>
+            </a:r>
+            <a:r>
+              <a:rPr lang="en-US" sz="2400" dirty="0">
+                <a:solidFill>
+                  <a:schemeClr val="tx2"/>
+                </a:solidFill>
+              </a:rPr>
+              <a:t>!</a:t>
+            </a:r>
+            <a:endParaRPr lang="zh-CN" altLang="en-US" sz="2400" dirty="0">
+              <a:solidFill>
+                <a:schemeClr val="tx2"/>
+              </a:solidFill>
+            </a:endParaRPr>
+          </a:p>
+        </p:txBody>
+      </p:sp>
+      <p:sp>
+        <p:nvSpPr>
+          <p:cNvPr id="7" name="Rectangle 1"/>
+          <p:cNvSpPr>
+            <a:spLocks noChangeArrowheads="1"/>
+          </p:cNvSpPr>
+          <p:nvPr/>
+        </p:nvSpPr>
+        <p:spPr bwMode="auto">
+          <a:xfrm>
+            <a:off x="1357313" y="5429250"/>
+            <a:ext cx="7500937" cy="830263"/>
+          </a:xfrm>
+          <a:prstGeom prst="rect">
+            <a:avLst/>
+          </a:prstGeom>
+          <a:ln>
+            <a:headEnd/>
+            <a:tailEnd/>
+          </a:ln>
+        </p:spPr>
+        <p:style>
+          <a:lnRef idx="2">
+            <a:schemeClr val="accent1"/>
+          </a:lnRef>
+          <a:fillRef idx="1">
+            <a:schemeClr val="lt1"/>
+          </a:fillRef>
+          <a:effectRef idx="0">
+            <a:schemeClr val="accent1"/>
+          </a:effectRef>
+          <a:fontRef idx="minor">
+            <a:schemeClr val="dk1"/>
+          </a:fontRef>
+        </p:style>
+        <p:txBody>
+          <a:bodyPr anchor="ctr">
+            <a:spAutoFit/>
+          </a:bodyPr>
+          <a:lstStyle/>
+          <a:p>
+            <a:pPr eaLnBrk="1" hangingPunct="1">
+              <a:defRPr/>
+            </a:pPr>
+            <a:r>
+              <a:rPr lang="en-US" sz="2400" dirty="0">
+                <a:solidFill>
+                  <a:schemeClr val="tx2"/>
+                </a:solidFill>
+              </a:rPr>
+              <a:t>An operation may have to wait for the coming of a younger operation of an empty queue – </a:t>
+            </a:r>
+            <a:r>
+              <a:rPr lang="en-US" sz="2400" dirty="0">
+                <a:solidFill>
+                  <a:srgbClr val="C00000"/>
+                </a:solidFill>
+              </a:rPr>
+              <a:t>a delay problem</a:t>
+            </a:r>
+            <a:r>
+              <a:rPr lang="en-US" sz="2400" dirty="0">
+                <a:solidFill>
+                  <a:schemeClr val="tx2"/>
+                </a:solidFill>
+              </a:rPr>
+              <a:t>!</a:t>
+            </a:r>
+            <a:endParaRPr lang="zh-CN" altLang="en-US" sz="2400" dirty="0">
+              <a:solidFill>
+                <a:schemeClr val="tx2"/>
+              </a:solidFill>
+            </a:endParaRPr>
+          </a:p>
+        </p:txBody>
+      </p:sp>
     </p:spTree>
   </p:cSld>
   <p:clrMapOvr>
@@ -30988,563 +31266,6 @@
             </a:pPr>
             <a:r>
               <a:rPr lang="en-US" altLang="zh-CN" dirty="0" smtClean="0"/>
-              <a:t>Improvement 1</a:t>
-            </a:r>
-            <a:endParaRPr lang="zh-CN" altLang="en-US" dirty="0"/>
-          </a:p>
-        </p:txBody>
-      </p:sp>
-      <p:sp>
-        <p:nvSpPr>
-          <p:cNvPr id="55298" name="Content Placeholder 2"/>
-          <p:cNvSpPr>
-            <a:spLocks noGrp="1"/>
-          </p:cNvSpPr>
-          <p:nvPr>
-            <p:ph idx="1"/>
-          </p:nvPr>
-        </p:nvSpPr>
-        <p:spPr/>
-        <p:txBody>
-          <a:bodyPr/>
-          <a:lstStyle/>
-          <a:p>
-            <a:pPr eaLnBrk="1" hangingPunct="1"/>
-            <a:r>
-              <a:rPr lang="en-US" altLang="zh-CN" sz="2800"/>
-              <a:t>Use </a:t>
-            </a:r>
-            <a:r>
-              <a:rPr lang="en-US" altLang="zh-CN" sz="2800">
-                <a:solidFill>
-                  <a:srgbClr val="C00000"/>
-                </a:solidFill>
-              </a:rPr>
-              <a:t>extremely conservative algorithm</a:t>
-            </a:r>
-            <a:r>
-              <a:rPr lang="en-US" altLang="zh-CN" sz="2800" i="1"/>
-              <a:t> </a:t>
-            </a:r>
-            <a:r>
-              <a:rPr lang="en-US" altLang="zh-CN" sz="2800"/>
-              <a:t>complemented by</a:t>
-            </a:r>
-            <a:endParaRPr lang="zh-CN" altLang="en-US" sz="2800"/>
-          </a:p>
-          <a:p>
-            <a:pPr lvl="1" eaLnBrk="1" hangingPunct="1"/>
-            <a:r>
-              <a:rPr lang="en-US" altLang="zh-CN" sz="2400"/>
-              <a:t>In each queue there is </a:t>
-            </a:r>
-            <a:r>
-              <a:rPr lang="en-US" altLang="zh-CN" sz="2400">
-                <a:solidFill>
-                  <a:srgbClr val="C00000"/>
-                </a:solidFill>
-              </a:rPr>
-              <a:t>at least one operation</a:t>
-            </a:r>
-            <a:r>
-              <a:rPr lang="en-US" altLang="zh-CN" sz="2400"/>
-              <a:t>, or</a:t>
-            </a:r>
-            <a:endParaRPr lang="zh-CN" altLang="en-US" sz="2400"/>
-          </a:p>
-          <a:p>
-            <a:pPr lvl="1" eaLnBrk="1" hangingPunct="1"/>
-            <a:r>
-              <a:rPr lang="en-US" altLang="zh-CN" sz="2400"/>
-              <a:t>if a TM does not have a transaction to process, it has to </a:t>
-            </a:r>
-            <a:r>
-              <a:rPr lang="en-US" altLang="zh-CN" sz="2400">
-                <a:solidFill>
-                  <a:srgbClr val="C00000"/>
-                </a:solidFill>
-              </a:rPr>
-              <a:t>send a message periodically </a:t>
-            </a:r>
-            <a:r>
-              <a:rPr lang="en-US" altLang="zh-CN" sz="2400"/>
-              <a:t>to inform that in the future it will send timestamp larger than that of the message.</a:t>
-            </a:r>
-            <a:endParaRPr lang="zh-CN" altLang="en-US" sz="2400"/>
-          </a:p>
-          <a:p>
-            <a:pPr eaLnBrk="1" hangingPunct="1"/>
-            <a:endParaRPr lang="zh-CN" altLang="en-US"/>
-          </a:p>
-        </p:txBody>
-      </p:sp>
-      <p:sp>
-        <p:nvSpPr>
-          <p:cNvPr id="4" name="Footer Placeholder 3"/>
-          <p:cNvSpPr>
-            <a:spLocks noGrp="1"/>
-          </p:cNvSpPr>
-          <p:nvPr>
-            <p:ph type="ftr" sz="quarter" idx="11"/>
-          </p:nvPr>
-        </p:nvSpPr>
-        <p:spPr/>
-        <p:txBody>
-          <a:bodyPr/>
-          <a:lstStyle/>
-          <a:p>
-            <a:pPr>
-              <a:defRPr/>
-            </a:pPr>
-            <a:r>
-              <a:rPr lang="en-US" altLang="zh-CN" smtClean="0"/>
-              <a:t>Distributed Database Systems</a:t>
-            </a:r>
-            <a:endParaRPr lang="zh-CN" altLang="en-US"/>
-          </a:p>
-        </p:txBody>
-      </p:sp>
-      <p:sp>
-        <p:nvSpPr>
-          <p:cNvPr id="55300" name="Slide Number Placeholder 4"/>
-          <p:cNvSpPr>
-            <a:spLocks noGrp="1"/>
-          </p:cNvSpPr>
-          <p:nvPr>
-            <p:ph type="sldNum" sz="quarter" idx="12"/>
-          </p:nvPr>
-        </p:nvSpPr>
-        <p:spPr bwMode="auto">
-          <a:noFill/>
-          <a:extLst>
-            <a:ext uri="{909E8E84-426E-40DD-AFC4-6F175D3DCCD1}">
-              <a14:hiddenFill xmlns:a14="http://schemas.microsoft.com/office/drawing/2010/main">
-                <a:solidFill>
-                  <a:srgbClr val="FFFFFF"/>
-                </a:solidFill>
-              </a14:hiddenFill>
-            </a:ext>
-            <a:ext uri="{91240B29-F687-4F45-9708-019B960494DF}">
-              <a14:hiddenLine xmlns:a14="http://schemas.microsoft.com/office/drawing/2010/main" w="9525">
-                <a:solidFill>
-                  <a:srgbClr val="000000"/>
-                </a:solidFill>
-                <a:miter lim="800000"/>
-                <a:headEnd/>
-                <a:tailEnd/>
-              </a14:hiddenLine>
-            </a:ext>
-          </a:extLst>
-        </p:spPr>
-        <p:txBody>
-          <a:bodyPr/>
-          <a:lstStyle>
-            <a:lvl1pPr>
-              <a:spcBef>
-                <a:spcPts val="600"/>
-              </a:spcBef>
-              <a:buClr>
-                <a:schemeClr val="accent1"/>
-              </a:buClr>
-              <a:buSzPct val="80000"/>
-              <a:buFont typeface="Wingdings 2" charset="2"/>
-              <a:buChar char=""/>
-              <a:defRPr sz="3200">
-                <a:solidFill>
-                  <a:schemeClr val="tx1"/>
-                </a:solidFill>
-                <a:latin typeface="Gill Sans MT" charset="0"/>
-                <a:ea typeface="华文中宋" charset="-122"/>
-              </a:defRPr>
-            </a:lvl1pPr>
-            <a:lvl2pPr marL="742950" indent="-285750">
-              <a:spcBef>
-                <a:spcPts val="550"/>
-              </a:spcBef>
-              <a:buClr>
-                <a:schemeClr val="accent1"/>
-              </a:buClr>
-              <a:buFont typeface="Verdana" charset="0"/>
-              <a:buChar char="◦"/>
-              <a:defRPr sz="2800">
-                <a:solidFill>
-                  <a:schemeClr val="tx1"/>
-                </a:solidFill>
-                <a:latin typeface="Gill Sans MT" charset="0"/>
-                <a:ea typeface="华文中宋" charset="-122"/>
-              </a:defRPr>
-            </a:lvl2pPr>
-            <a:lvl3pPr marL="1143000" indent="-228600">
-              <a:spcBef>
-                <a:spcPct val="20000"/>
-              </a:spcBef>
-              <a:buClr>
-                <a:schemeClr val="accent2"/>
-              </a:buClr>
-              <a:buFont typeface="Wingdings 2" charset="2"/>
-              <a:buChar char=""/>
-              <a:defRPr sz="2400">
-                <a:solidFill>
-                  <a:schemeClr val="tx1"/>
-                </a:solidFill>
-                <a:latin typeface="Gill Sans MT" charset="0"/>
-                <a:ea typeface="华文中宋" charset="-122"/>
-              </a:defRPr>
-            </a:lvl3pPr>
-            <a:lvl4pPr marL="1600200" indent="-228600">
-              <a:spcBef>
-                <a:spcPct val="20000"/>
-              </a:spcBef>
-              <a:buClr>
-                <a:srgbClr val="9BBB59"/>
-              </a:buClr>
-              <a:buFont typeface="Wingdings 2" charset="2"/>
-              <a:buChar char=""/>
-              <a:defRPr sz="2000">
-                <a:solidFill>
-                  <a:schemeClr val="tx1"/>
-                </a:solidFill>
-                <a:latin typeface="Gill Sans MT" charset="0"/>
-                <a:ea typeface="华文中宋" charset="-122"/>
-              </a:defRPr>
-            </a:lvl4pPr>
-            <a:lvl5pPr marL="2057400" indent="-228600">
-              <a:spcBef>
-                <a:spcPct val="20000"/>
-              </a:spcBef>
-              <a:buClr>
-                <a:srgbClr val="8064A2"/>
-              </a:buClr>
-              <a:buFont typeface="Wingdings 2" charset="2"/>
-              <a:buChar char=""/>
-              <a:defRPr sz="2000">
-                <a:solidFill>
-                  <a:schemeClr val="tx1"/>
-                </a:solidFill>
-                <a:latin typeface="Gill Sans MT" charset="0"/>
-                <a:ea typeface="华文中宋" charset="-122"/>
-              </a:defRPr>
-            </a:lvl5pPr>
-            <a:lvl6pPr marL="2514600" indent="-228600" eaLnBrk="0" fontAlgn="base" hangingPunct="0">
-              <a:spcBef>
-                <a:spcPct val="20000"/>
-              </a:spcBef>
-              <a:spcAft>
-                <a:spcPct val="0"/>
-              </a:spcAft>
-              <a:buClr>
-                <a:srgbClr val="8064A2"/>
-              </a:buClr>
-              <a:buFont typeface="Wingdings 2" charset="2"/>
-              <a:buChar char=""/>
-              <a:defRPr sz="2000">
-                <a:solidFill>
-                  <a:schemeClr val="tx1"/>
-                </a:solidFill>
-                <a:latin typeface="Gill Sans MT" charset="0"/>
-                <a:ea typeface="华文中宋" charset="-122"/>
-              </a:defRPr>
-            </a:lvl6pPr>
-            <a:lvl7pPr marL="2971800" indent="-228600" eaLnBrk="0" fontAlgn="base" hangingPunct="0">
-              <a:spcBef>
-                <a:spcPct val="20000"/>
-              </a:spcBef>
-              <a:spcAft>
-                <a:spcPct val="0"/>
-              </a:spcAft>
-              <a:buClr>
-                <a:srgbClr val="8064A2"/>
-              </a:buClr>
-              <a:buFont typeface="Wingdings 2" charset="2"/>
-              <a:buChar char=""/>
-              <a:defRPr sz="2000">
-                <a:solidFill>
-                  <a:schemeClr val="tx1"/>
-                </a:solidFill>
-                <a:latin typeface="Gill Sans MT" charset="0"/>
-                <a:ea typeface="华文中宋" charset="-122"/>
-              </a:defRPr>
-            </a:lvl7pPr>
-            <a:lvl8pPr marL="3429000" indent="-228600" eaLnBrk="0" fontAlgn="base" hangingPunct="0">
-              <a:spcBef>
-                <a:spcPct val="20000"/>
-              </a:spcBef>
-              <a:spcAft>
-                <a:spcPct val="0"/>
-              </a:spcAft>
-              <a:buClr>
-                <a:srgbClr val="8064A2"/>
-              </a:buClr>
-              <a:buFont typeface="Wingdings 2" charset="2"/>
-              <a:buChar char=""/>
-              <a:defRPr sz="2000">
-                <a:solidFill>
-                  <a:schemeClr val="tx1"/>
-                </a:solidFill>
-                <a:latin typeface="Gill Sans MT" charset="0"/>
-                <a:ea typeface="华文中宋" charset="-122"/>
-              </a:defRPr>
-            </a:lvl8pPr>
-            <a:lvl9pPr marL="3886200" indent="-228600" eaLnBrk="0" fontAlgn="base" hangingPunct="0">
-              <a:spcBef>
-                <a:spcPct val="20000"/>
-              </a:spcBef>
-              <a:spcAft>
-                <a:spcPct val="0"/>
-              </a:spcAft>
-              <a:buClr>
-                <a:srgbClr val="8064A2"/>
-              </a:buClr>
-              <a:buFont typeface="Wingdings 2" charset="2"/>
-              <a:buChar char=""/>
-              <a:defRPr sz="2000">
-                <a:solidFill>
-                  <a:schemeClr val="tx1"/>
-                </a:solidFill>
-                <a:latin typeface="Gill Sans MT" charset="0"/>
-                <a:ea typeface="华文中宋" charset="-122"/>
-              </a:defRPr>
-            </a:lvl9pPr>
-          </a:lstStyle>
-          <a:p>
-            <a:pPr>
-              <a:spcBef>
-                <a:spcPct val="0"/>
-              </a:spcBef>
-              <a:buClrTx/>
-              <a:buSzTx/>
-              <a:buFontTx/>
-              <a:buNone/>
-            </a:pPr>
-            <a:fld id="{A48F641E-CAAD-0241-83CF-71859F0BF760}" type="slidenum">
-              <a:rPr lang="zh-CN" altLang="en-US" sz="1200">
-                <a:solidFill>
-                  <a:srgbClr val="B4B1A0"/>
-                </a:solidFill>
-              </a:rPr>
-              <a:pPr>
-                <a:spcBef>
-                  <a:spcPct val="0"/>
-                </a:spcBef>
-                <a:buClrTx/>
-                <a:buSzTx/>
-                <a:buFontTx/>
-                <a:buNone/>
-              </a:pPr>
-              <a:t>57</a:t>
-            </a:fld>
-            <a:endParaRPr lang="zh-CN" altLang="en-US" sz="1200">
-              <a:solidFill>
-                <a:srgbClr val="B4B1A0"/>
-              </a:solidFill>
-            </a:endParaRPr>
-          </a:p>
-        </p:txBody>
-      </p:sp>
-      <p:sp>
-        <p:nvSpPr>
-          <p:cNvPr id="6" name="Rectangle 1"/>
-          <p:cNvSpPr>
-            <a:spLocks noChangeArrowheads="1"/>
-          </p:cNvSpPr>
-          <p:nvPr/>
-        </p:nvSpPr>
-        <p:spPr bwMode="auto">
-          <a:xfrm>
-            <a:off x="1357313" y="4500563"/>
-            <a:ext cx="7500937" cy="830262"/>
-          </a:xfrm>
-          <a:prstGeom prst="rect">
-            <a:avLst/>
-          </a:prstGeom>
-          <a:ln>
-            <a:headEnd/>
-            <a:tailEnd/>
-          </a:ln>
-        </p:spPr>
-        <p:style>
-          <a:lnRef idx="2">
-            <a:schemeClr val="accent1"/>
-          </a:lnRef>
-          <a:fillRef idx="1">
-            <a:schemeClr val="lt1"/>
-          </a:fillRef>
-          <a:effectRef idx="0">
-            <a:schemeClr val="accent1"/>
-          </a:effectRef>
-          <a:fontRef idx="minor">
-            <a:schemeClr val="dk1"/>
-          </a:fontRef>
-        </p:style>
-        <p:txBody>
-          <a:bodyPr anchor="ctr">
-            <a:spAutoFit/>
-          </a:bodyPr>
-          <a:lstStyle/>
-          <a:p>
-            <a:pPr eaLnBrk="1" hangingPunct="1">
-              <a:defRPr/>
-            </a:pPr>
-            <a:r>
-              <a:rPr lang="en-US" sz="2400" dirty="0">
-                <a:solidFill>
-                  <a:schemeClr val="tx2"/>
-                </a:solidFill>
-              </a:rPr>
-              <a:t>Extremely conservative algorithm actually executes transaction serially at each site – </a:t>
-            </a:r>
-            <a:r>
-              <a:rPr lang="en-US" sz="2400" dirty="0">
-                <a:solidFill>
-                  <a:srgbClr val="C00000"/>
-                </a:solidFill>
-              </a:rPr>
-              <a:t>too conservative</a:t>
-            </a:r>
-            <a:r>
-              <a:rPr lang="en-US" sz="2400" dirty="0">
-                <a:solidFill>
-                  <a:schemeClr val="tx2"/>
-                </a:solidFill>
-              </a:rPr>
-              <a:t>!</a:t>
-            </a:r>
-            <a:endParaRPr lang="zh-CN" altLang="en-US" sz="2400" dirty="0">
-              <a:solidFill>
-                <a:schemeClr val="tx2"/>
-              </a:solidFill>
-            </a:endParaRPr>
-          </a:p>
-        </p:txBody>
-      </p:sp>
-      <p:sp>
-        <p:nvSpPr>
-          <p:cNvPr id="7" name="Rectangle 1"/>
-          <p:cNvSpPr>
-            <a:spLocks noChangeArrowheads="1"/>
-          </p:cNvSpPr>
-          <p:nvPr/>
-        </p:nvSpPr>
-        <p:spPr bwMode="auto">
-          <a:xfrm>
-            <a:off x="1357313" y="5429250"/>
-            <a:ext cx="7500937" cy="830263"/>
-          </a:xfrm>
-          <a:prstGeom prst="rect">
-            <a:avLst/>
-          </a:prstGeom>
-          <a:ln>
-            <a:headEnd/>
-            <a:tailEnd/>
-          </a:ln>
-        </p:spPr>
-        <p:style>
-          <a:lnRef idx="2">
-            <a:schemeClr val="accent1"/>
-          </a:lnRef>
-          <a:fillRef idx="1">
-            <a:schemeClr val="lt1"/>
-          </a:fillRef>
-          <a:effectRef idx="0">
-            <a:schemeClr val="accent1"/>
-          </a:effectRef>
-          <a:fontRef idx="minor">
-            <a:schemeClr val="dk1"/>
-          </a:fontRef>
-        </p:style>
-        <p:txBody>
-          <a:bodyPr anchor="ctr">
-            <a:spAutoFit/>
-          </a:bodyPr>
-          <a:lstStyle/>
-          <a:p>
-            <a:pPr eaLnBrk="1" hangingPunct="1">
-              <a:defRPr/>
-            </a:pPr>
-            <a:r>
-              <a:rPr lang="en-US" sz="2400" dirty="0">
-                <a:solidFill>
-                  <a:schemeClr val="tx2"/>
-                </a:solidFill>
-              </a:rPr>
-              <a:t>An operation may have to wait for the coming of a younger operation of an empty queue – </a:t>
-            </a:r>
-            <a:r>
-              <a:rPr lang="en-US" sz="2400" dirty="0">
-                <a:solidFill>
-                  <a:srgbClr val="C00000"/>
-                </a:solidFill>
-              </a:rPr>
-              <a:t>a delay problem</a:t>
-            </a:r>
-            <a:r>
-              <a:rPr lang="en-US" sz="2400" dirty="0">
-                <a:solidFill>
-                  <a:schemeClr val="tx2"/>
-                </a:solidFill>
-              </a:rPr>
-              <a:t>!</a:t>
-            </a:r>
-            <a:endParaRPr lang="zh-CN" altLang="en-US" sz="2400" dirty="0">
-              <a:solidFill>
-                <a:schemeClr val="tx2"/>
-              </a:solidFill>
-            </a:endParaRPr>
-          </a:p>
-        </p:txBody>
-      </p:sp>
-    </p:spTree>
-  </p:cSld>
-  <p:clrMapOvr>
-    <a:masterClrMapping/>
-  </p:clrMapOvr>
-  <p:timing>
-    <p:tnLst>
-      <p:par>
-        <p:cTn id="1" dur="indefinite" restart="never" nodeType="tmRoot"/>
-      </p:par>
-    </p:tnLst>
-  </p:timing>
-</p:sld>
-</file>
-
-<file path=ppt/slides/slide58.xml><?xml version="1.0" encoding="utf-8"?>
-<p:sld xmlns:a="http://schemas.openxmlformats.org/drawingml/2006/main" xmlns:r="http://schemas.openxmlformats.org/officeDocument/2006/relationships" xmlns:p="http://schemas.openxmlformats.org/presentationml/2006/main">
-  <p:cSld>
-    <p:spTree>
-      <p:nvGrpSpPr>
-        <p:cNvPr id="1" name=""/>
-        <p:cNvGrpSpPr/>
-        <p:nvPr/>
-      </p:nvGrpSpPr>
-      <p:grpSpPr>
-        <a:xfrm>
-          <a:off x="0" y="0"/>
-          <a:ext cx="0" cy="0"/>
-          <a:chOff x="0" y="0"/>
-          <a:chExt cx="0" cy="0"/>
-        </a:xfrm>
-      </p:grpSpPr>
-      <p:sp>
-        <p:nvSpPr>
-          <p:cNvPr id="2" name="Title 1"/>
-          <p:cNvSpPr>
-            <a:spLocks noGrp="1"/>
-          </p:cNvSpPr>
-          <p:nvPr>
-            <p:ph type="title"/>
-          </p:nvPr>
-        </p:nvSpPr>
-        <p:spPr/>
-        <p:txBody>
-          <a:bodyPr/>
-          <a:lstStyle/>
-          <a:p>
-            <a:pPr eaLnBrk="1" hangingPunct="1">
-              <a:defRPr/>
-            </a:pPr>
-            <a:r>
-              <a:rPr lang="en-US" altLang="zh-CN" dirty="0" smtClean="0"/>
               <a:t>Improvement 2</a:t>
             </a:r>
             <a:endParaRPr lang="zh-CN" altLang="en-US" dirty="0"/>
@@ -31882,7 +31603,7 @@
                 <a:buFontTx/>
                 <a:buNone/>
               </a:pPr>
-              <a:t>58</a:t>
+              <a:t>57</a:t>
             </a:fld>
             <a:endParaRPr lang="zh-CN" altLang="en-US" sz="1200">
               <a:solidFill>
@@ -31967,7 +31688,7 @@
 </p:sld>
 </file>
 
-<file path=ppt/slides/slide59.xml><?xml version="1.0" encoding="utf-8"?>
+<file path=ppt/slides/slide58.xml><?xml version="1.0" encoding="utf-8"?>
 <p:sld xmlns:a="http://schemas.openxmlformats.org/drawingml/2006/main" xmlns:r="http://schemas.openxmlformats.org/officeDocument/2006/relationships" xmlns:p="http://schemas.openxmlformats.org/presentationml/2006/main">
   <p:cSld>
     <p:spTree>
@@ -32301,7 +32022,7 @@
                 <a:buFontTx/>
                 <a:buNone/>
               </a:pPr>
-              <a:t>59</a:t>
+              <a:t>58</a:t>
             </a:fld>
             <a:endParaRPr lang="zh-CN" altLang="en-US" sz="1200">
               <a:solidFill>
@@ -32388,6 +32109,385 @@
               </a:solidFill>
               <a:latin typeface="+mj-lt"/>
               <a:ea typeface="宋体" pitchFamily="2" charset="-122"/>
+            </a:endParaRPr>
+          </a:p>
+        </p:txBody>
+      </p:sp>
+    </p:spTree>
+  </p:cSld>
+  <p:clrMapOvr>
+    <a:masterClrMapping/>
+  </p:clrMapOvr>
+  <p:timing>
+    <p:tnLst>
+      <p:par>
+        <p:cTn id="1" dur="indefinite" restart="never" nodeType="tmRoot"/>
+      </p:par>
+    </p:tnLst>
+  </p:timing>
+</p:sld>
+</file>
+
+<file path=ppt/slides/slide59.xml><?xml version="1.0" encoding="utf-8"?>
+<p:sld xmlns:a="http://schemas.openxmlformats.org/drawingml/2006/main" xmlns:r="http://schemas.openxmlformats.org/officeDocument/2006/relationships" xmlns:p="http://schemas.openxmlformats.org/presentationml/2006/main">
+  <p:cSld>
+    <p:spTree>
+      <p:nvGrpSpPr>
+        <p:cNvPr id="1" name=""/>
+        <p:cNvGrpSpPr/>
+        <p:nvPr/>
+      </p:nvGrpSpPr>
+      <p:grpSpPr>
+        <a:xfrm>
+          <a:off x="0" y="0"/>
+          <a:ext cx="0" cy="0"/>
+          <a:chOff x="0" y="0"/>
+          <a:chExt cx="0" cy="0"/>
+        </a:xfrm>
+      </p:grpSpPr>
+      <p:sp>
+        <p:nvSpPr>
+          <p:cNvPr id="2" name="Title 1"/>
+          <p:cNvSpPr>
+            <a:spLocks noGrp="1"/>
+          </p:cNvSpPr>
+          <p:nvPr>
+            <p:ph type="title"/>
+          </p:nvPr>
+        </p:nvSpPr>
+        <p:spPr/>
+        <p:txBody>
+          <a:bodyPr>
+            <a:normAutofit fontScale="90000"/>
+          </a:bodyPr>
+          <a:lstStyle/>
+          <a:p>
+            <a:pPr eaLnBrk="1" hangingPunct="1">
+              <a:defRPr/>
+            </a:pPr>
+            <a:r>
+              <a:rPr lang="en-US" altLang="zh-CN" dirty="0" smtClean="0"/>
+              <a:t>11.4.3 </a:t>
+            </a:r>
+            <a:r>
+              <a:rPr lang="en-US" altLang="zh-CN" dirty="0" err="1" smtClean="0"/>
+              <a:t>Multiversion</a:t>
+            </a:r>
+            <a:r>
+              <a:rPr lang="en-US" altLang="zh-CN" dirty="0" smtClean="0"/>
+              <a:t> TO Algorithm</a:t>
+            </a:r>
+            <a:endParaRPr lang="zh-CN" altLang="en-US" dirty="0"/>
+          </a:p>
+        </p:txBody>
+      </p:sp>
+      <p:sp>
+        <p:nvSpPr>
+          <p:cNvPr id="58370" name="Content Placeholder 2"/>
+          <p:cNvSpPr>
+            <a:spLocks noGrp="1"/>
+          </p:cNvSpPr>
+          <p:nvPr>
+            <p:ph idx="1"/>
+          </p:nvPr>
+        </p:nvSpPr>
+        <p:spPr/>
+        <p:txBody>
+          <a:bodyPr/>
+          <a:lstStyle/>
+          <a:p>
+            <a:pPr eaLnBrk="1" hangingPunct="1"/>
+            <a:r>
+              <a:rPr lang="en-US" altLang="zh-CN"/>
+              <a:t>Each write creates a new version of the data item to be updated. Versions are </a:t>
+            </a:r>
+            <a:r>
+              <a:rPr lang="en-US" altLang="zh-CN">
+                <a:solidFill>
+                  <a:srgbClr val="C00000"/>
+                </a:solidFill>
+              </a:rPr>
+              <a:t>transparent</a:t>
+            </a:r>
+            <a:r>
+              <a:rPr lang="en-US" altLang="zh-CN"/>
+              <a:t> to users.</a:t>
+            </a:r>
+            <a:endParaRPr lang="zh-CN" altLang="en-US"/>
+          </a:p>
+          <a:p>
+            <a:pPr eaLnBrk="1" hangingPunct="1"/>
+            <a:r>
+              <a:rPr lang="en-US" altLang="zh-CN"/>
+              <a:t>Transactions are processed on a state of database that it would have seen if they were executed serially.</a:t>
+            </a:r>
+            <a:endParaRPr lang="zh-CN" altLang="en-US"/>
+          </a:p>
+          <a:p>
+            <a:pPr eaLnBrk="1" hangingPunct="1"/>
+            <a:endParaRPr lang="zh-CN" altLang="en-US"/>
+          </a:p>
+        </p:txBody>
+      </p:sp>
+      <p:sp>
+        <p:nvSpPr>
+          <p:cNvPr id="4" name="Footer Placeholder 3"/>
+          <p:cNvSpPr>
+            <a:spLocks noGrp="1"/>
+          </p:cNvSpPr>
+          <p:nvPr>
+            <p:ph type="ftr" sz="quarter" idx="11"/>
+          </p:nvPr>
+        </p:nvSpPr>
+        <p:spPr/>
+        <p:txBody>
+          <a:bodyPr/>
+          <a:lstStyle/>
+          <a:p>
+            <a:pPr>
+              <a:defRPr/>
+            </a:pPr>
+            <a:r>
+              <a:rPr lang="en-US" altLang="zh-CN" smtClean="0"/>
+              <a:t>Distributed Database Systems</a:t>
+            </a:r>
+            <a:endParaRPr lang="zh-CN" altLang="en-US"/>
+          </a:p>
+        </p:txBody>
+      </p:sp>
+      <p:sp>
+        <p:nvSpPr>
+          <p:cNvPr id="58372" name="Slide Number Placeholder 4"/>
+          <p:cNvSpPr>
+            <a:spLocks noGrp="1"/>
+          </p:cNvSpPr>
+          <p:nvPr>
+            <p:ph type="sldNum" sz="quarter" idx="12"/>
+          </p:nvPr>
+        </p:nvSpPr>
+        <p:spPr bwMode="auto">
+          <a:noFill/>
+          <a:extLst>
+            <a:ext uri="{909E8E84-426E-40DD-AFC4-6F175D3DCCD1}">
+              <a14:hiddenFill xmlns:a14="http://schemas.microsoft.com/office/drawing/2010/main">
+                <a:solidFill>
+                  <a:srgbClr val="FFFFFF"/>
+                </a:solidFill>
+              </a14:hiddenFill>
+            </a:ext>
+            <a:ext uri="{91240B29-F687-4F45-9708-019B960494DF}">
+              <a14:hiddenLine xmlns:a14="http://schemas.microsoft.com/office/drawing/2010/main" w="9525">
+                <a:solidFill>
+                  <a:srgbClr val="000000"/>
+                </a:solidFill>
+                <a:miter lim="800000"/>
+                <a:headEnd/>
+                <a:tailEnd/>
+              </a14:hiddenLine>
+            </a:ext>
+          </a:extLst>
+        </p:spPr>
+        <p:txBody>
+          <a:bodyPr/>
+          <a:lstStyle>
+            <a:lvl1pPr>
+              <a:spcBef>
+                <a:spcPts val="600"/>
+              </a:spcBef>
+              <a:buClr>
+                <a:schemeClr val="accent1"/>
+              </a:buClr>
+              <a:buSzPct val="80000"/>
+              <a:buFont typeface="Wingdings 2" charset="2"/>
+              <a:buChar char=""/>
+              <a:defRPr sz="3200">
+                <a:solidFill>
+                  <a:schemeClr val="tx1"/>
+                </a:solidFill>
+                <a:latin typeface="Gill Sans MT" charset="0"/>
+                <a:ea typeface="华文中宋" charset="-122"/>
+              </a:defRPr>
+            </a:lvl1pPr>
+            <a:lvl2pPr marL="742950" indent="-285750">
+              <a:spcBef>
+                <a:spcPts val="550"/>
+              </a:spcBef>
+              <a:buClr>
+                <a:schemeClr val="accent1"/>
+              </a:buClr>
+              <a:buFont typeface="Verdana" charset="0"/>
+              <a:buChar char="◦"/>
+              <a:defRPr sz="2800">
+                <a:solidFill>
+                  <a:schemeClr val="tx1"/>
+                </a:solidFill>
+                <a:latin typeface="Gill Sans MT" charset="0"/>
+                <a:ea typeface="华文中宋" charset="-122"/>
+              </a:defRPr>
+            </a:lvl2pPr>
+            <a:lvl3pPr marL="1143000" indent="-228600">
+              <a:spcBef>
+                <a:spcPct val="20000"/>
+              </a:spcBef>
+              <a:buClr>
+                <a:schemeClr val="accent2"/>
+              </a:buClr>
+              <a:buFont typeface="Wingdings 2" charset="2"/>
+              <a:buChar char=""/>
+              <a:defRPr sz="2400">
+                <a:solidFill>
+                  <a:schemeClr val="tx1"/>
+                </a:solidFill>
+                <a:latin typeface="Gill Sans MT" charset="0"/>
+                <a:ea typeface="华文中宋" charset="-122"/>
+              </a:defRPr>
+            </a:lvl3pPr>
+            <a:lvl4pPr marL="1600200" indent="-228600">
+              <a:spcBef>
+                <a:spcPct val="20000"/>
+              </a:spcBef>
+              <a:buClr>
+                <a:srgbClr val="9BBB59"/>
+              </a:buClr>
+              <a:buFont typeface="Wingdings 2" charset="2"/>
+              <a:buChar char=""/>
+              <a:defRPr sz="2000">
+                <a:solidFill>
+                  <a:schemeClr val="tx1"/>
+                </a:solidFill>
+                <a:latin typeface="Gill Sans MT" charset="0"/>
+                <a:ea typeface="华文中宋" charset="-122"/>
+              </a:defRPr>
+            </a:lvl4pPr>
+            <a:lvl5pPr marL="2057400" indent="-228600">
+              <a:spcBef>
+                <a:spcPct val="20000"/>
+              </a:spcBef>
+              <a:buClr>
+                <a:srgbClr val="8064A2"/>
+              </a:buClr>
+              <a:buFont typeface="Wingdings 2" charset="2"/>
+              <a:buChar char=""/>
+              <a:defRPr sz="2000">
+                <a:solidFill>
+                  <a:schemeClr val="tx1"/>
+                </a:solidFill>
+                <a:latin typeface="Gill Sans MT" charset="0"/>
+                <a:ea typeface="华文中宋" charset="-122"/>
+              </a:defRPr>
+            </a:lvl5pPr>
+            <a:lvl6pPr marL="2514600" indent="-228600" eaLnBrk="0" fontAlgn="base" hangingPunct="0">
+              <a:spcBef>
+                <a:spcPct val="20000"/>
+              </a:spcBef>
+              <a:spcAft>
+                <a:spcPct val="0"/>
+              </a:spcAft>
+              <a:buClr>
+                <a:srgbClr val="8064A2"/>
+              </a:buClr>
+              <a:buFont typeface="Wingdings 2" charset="2"/>
+              <a:buChar char=""/>
+              <a:defRPr sz="2000">
+                <a:solidFill>
+                  <a:schemeClr val="tx1"/>
+                </a:solidFill>
+                <a:latin typeface="Gill Sans MT" charset="0"/>
+                <a:ea typeface="华文中宋" charset="-122"/>
+              </a:defRPr>
+            </a:lvl6pPr>
+            <a:lvl7pPr marL="2971800" indent="-228600" eaLnBrk="0" fontAlgn="base" hangingPunct="0">
+              <a:spcBef>
+                <a:spcPct val="20000"/>
+              </a:spcBef>
+              <a:spcAft>
+                <a:spcPct val="0"/>
+              </a:spcAft>
+              <a:buClr>
+                <a:srgbClr val="8064A2"/>
+              </a:buClr>
+              <a:buFont typeface="Wingdings 2" charset="2"/>
+              <a:buChar char=""/>
+              <a:defRPr sz="2000">
+                <a:solidFill>
+                  <a:schemeClr val="tx1"/>
+                </a:solidFill>
+                <a:latin typeface="Gill Sans MT" charset="0"/>
+                <a:ea typeface="华文中宋" charset="-122"/>
+              </a:defRPr>
+            </a:lvl7pPr>
+            <a:lvl8pPr marL="3429000" indent="-228600" eaLnBrk="0" fontAlgn="base" hangingPunct="0">
+              <a:spcBef>
+                <a:spcPct val="20000"/>
+              </a:spcBef>
+              <a:spcAft>
+                <a:spcPct val="0"/>
+              </a:spcAft>
+              <a:buClr>
+                <a:srgbClr val="8064A2"/>
+              </a:buClr>
+              <a:buFont typeface="Wingdings 2" charset="2"/>
+              <a:buChar char=""/>
+              <a:defRPr sz="2000">
+                <a:solidFill>
+                  <a:schemeClr val="tx1"/>
+                </a:solidFill>
+                <a:latin typeface="Gill Sans MT" charset="0"/>
+                <a:ea typeface="华文中宋" charset="-122"/>
+              </a:defRPr>
+            </a:lvl8pPr>
+            <a:lvl9pPr marL="3886200" indent="-228600" eaLnBrk="0" fontAlgn="base" hangingPunct="0">
+              <a:spcBef>
+                <a:spcPct val="20000"/>
+              </a:spcBef>
+              <a:spcAft>
+                <a:spcPct val="0"/>
+              </a:spcAft>
+              <a:buClr>
+                <a:srgbClr val="8064A2"/>
+              </a:buClr>
+              <a:buFont typeface="Wingdings 2" charset="2"/>
+              <a:buChar char=""/>
+              <a:defRPr sz="2000">
+                <a:solidFill>
+                  <a:schemeClr val="tx1"/>
+                </a:solidFill>
+                <a:latin typeface="Gill Sans MT" charset="0"/>
+                <a:ea typeface="华文中宋" charset="-122"/>
+              </a:defRPr>
+            </a:lvl9pPr>
+          </a:lstStyle>
+          <a:p>
+            <a:pPr>
+              <a:spcBef>
+                <a:spcPct val="0"/>
+              </a:spcBef>
+              <a:buClrTx/>
+              <a:buSzTx/>
+              <a:buFontTx/>
+              <a:buNone/>
+            </a:pPr>
+            <a:fld id="{4C495428-B7FD-084C-AB93-2AC53918C6FD}" type="slidenum">
+              <a:rPr lang="zh-CN" altLang="en-US" sz="1200">
+                <a:solidFill>
+                  <a:srgbClr val="B4B1A0"/>
+                </a:solidFill>
+              </a:rPr>
+              <a:pPr>
+                <a:spcBef>
+                  <a:spcPct val="0"/>
+                </a:spcBef>
+                <a:buClrTx/>
+                <a:buSzTx/>
+                <a:buFontTx/>
+                <a:buNone/>
+              </a:pPr>
+              <a:t>59</a:t>
+            </a:fld>
+            <a:endParaRPr lang="zh-CN" altLang="en-US" sz="1200">
+              <a:solidFill>
+                <a:srgbClr val="B4B1A0"/>
+              </a:solidFill>
             </a:endParaRPr>
           </a:p>
         </p:txBody>
@@ -32795,9 +32895,7 @@
         </p:nvSpPr>
         <p:spPr/>
         <p:txBody>
-          <a:bodyPr>
-            <a:normAutofit fontScale="90000"/>
-          </a:bodyPr>
+          <a:bodyPr/>
           <a:lstStyle/>
           <a:p>
             <a:pPr eaLnBrk="1" hangingPunct="1">
@@ -32805,15 +32903,7 @@
             </a:pPr>
             <a:r>
               <a:rPr lang="en-US" altLang="zh-CN" dirty="0" smtClean="0"/>
-              <a:t>11.4.3 </a:t>
-            </a:r>
-            <a:r>
-              <a:rPr lang="en-US" altLang="zh-CN" dirty="0" err="1" smtClean="0"/>
-              <a:t>Multiversion</a:t>
-            </a:r>
-            <a:r>
-              <a:rPr lang="en-US" altLang="zh-CN" dirty="0" smtClean="0"/>
-              <a:t> TO Algorithm</a:t>
+              <a:t>Work of the scheduler</a:t>
             </a:r>
             <a:endParaRPr lang="zh-CN" altLang="en-US" dirty="0"/>
           </a:p>
@@ -32821,7 +32911,7 @@
       </p:sp>
       <p:sp>
         <p:nvSpPr>
-          <p:cNvPr id="58370" name="Content Placeholder 2"/>
+          <p:cNvPr id="59394" name="Content Placeholder 2"/>
           <p:cNvSpPr>
             <a:spLocks noGrp="1"/>
           </p:cNvSpPr>
@@ -32834,35 +32924,228 @@
           <a:bodyPr/>
           <a:lstStyle/>
           <a:p>
-            <a:pPr eaLnBrk="1" hangingPunct="1"/>
+            <a:pPr marL="596900" indent="-514350" eaLnBrk="1" hangingPunct="1">
+              <a:buFont typeface="Wingdings 2" charset="2"/>
+              <a:buNone/>
+            </a:pPr>
             <a:r>
               <a:rPr lang="en-US" altLang="zh-CN"/>
-              <a:t>Each write creates a new version of the data item to be updated. Versions are </a:t>
+              <a:t>For a read from transaction </a:t>
+            </a:r>
+            <a:r>
+              <a:rPr lang="en-US" altLang="zh-CN" i="1">
+                <a:latin typeface="Times New Roman" charset="0"/>
+              </a:rPr>
+              <a:t>T</a:t>
+            </a:r>
+            <a:r>
+              <a:rPr lang="en-US" altLang="zh-CN" i="1" baseline="-25000">
+                <a:latin typeface="Times New Roman" charset="0"/>
+              </a:rPr>
+              <a:t>i</a:t>
+            </a:r>
+            <a:r>
+              <a:rPr lang="en-US" altLang="zh-CN"/>
+              <a:t> , i.e. </a:t>
+            </a:r>
+            <a:r>
+              <a:rPr lang="en-US" altLang="zh-CN" i="1">
+                <a:latin typeface="Times New Roman" charset="0"/>
+              </a:rPr>
+              <a:t>R</a:t>
+            </a:r>
+            <a:r>
+              <a:rPr lang="en-US" altLang="zh-CN" i="1" baseline="-25000">
+                <a:latin typeface="Times New Roman" charset="0"/>
+              </a:rPr>
+              <a:t>i</a:t>
             </a:r>
             <a:r>
               <a:rPr lang="en-US" altLang="zh-CN">
-                <a:solidFill>
-                  <a:srgbClr val="C00000"/>
-                </a:solidFill>
-              </a:rPr>
-              <a:t>transparent</a:t>
+                <a:latin typeface="Times New Roman" charset="0"/>
+              </a:rPr>
+              <a:t>(</a:t>
+            </a:r>
+            <a:r>
+              <a:rPr lang="en-US" altLang="zh-CN" i="1">
+                <a:latin typeface="Times New Roman" charset="0"/>
+              </a:rPr>
+              <a:t>x</a:t>
+            </a:r>
+            <a:r>
+              <a:rPr lang="en-US" altLang="zh-CN">
+                <a:latin typeface="Times New Roman" charset="0"/>
+              </a:rPr>
+              <a:t>)</a:t>
             </a:r>
             <a:r>
               <a:rPr lang="en-US" altLang="zh-CN"/>
-              <a:t> to users.</a:t>
-            </a:r>
-            <a:endParaRPr lang="zh-CN" altLang="en-US"/>
-          </a:p>
-          <a:p>
-            <a:pPr eaLnBrk="1" hangingPunct="1"/>
+              <a:t> :</a:t>
+            </a:r>
+            <a:endParaRPr lang="en-US" altLang="zh-CN">
+              <a:latin typeface="Times New Roman" charset="0"/>
+            </a:endParaRPr>
+          </a:p>
+          <a:p>
+            <a:pPr marL="596900" indent="-514350" eaLnBrk="1" hangingPunct="1">
+              <a:buFont typeface="Gill Sans MT" charset="0"/>
+              <a:buAutoNum type="arabicPeriod"/>
+            </a:pPr>
             <a:r>
               <a:rPr lang="en-US" altLang="zh-CN"/>
-              <a:t>Transactions are processed on a state of database that it would have seen if they were executed serially.</a:t>
-            </a:r>
-            <a:endParaRPr lang="zh-CN" altLang="en-US"/>
-          </a:p>
-          <a:p>
-            <a:pPr eaLnBrk="1" hangingPunct="1"/>
+              <a:t>Find a version of </a:t>
+            </a:r>
+            <a:r>
+              <a:rPr lang="en-US" altLang="zh-CN" i="1">
+                <a:latin typeface="Times New Roman" charset="0"/>
+              </a:rPr>
+              <a:t>x</a:t>
+            </a:r>
+            <a:r>
+              <a:rPr lang="en-US" altLang="zh-CN"/>
+              <a:t>, say </a:t>
+            </a:r>
+            <a:r>
+              <a:rPr lang="en-US" altLang="zh-CN" i="1">
+                <a:latin typeface="Times New Roman" charset="0"/>
+              </a:rPr>
+              <a:t>x</a:t>
+            </a:r>
+            <a:r>
+              <a:rPr lang="en-US" altLang="zh-CN" i="1" baseline="-25000">
+                <a:latin typeface="Times New Roman" charset="0"/>
+              </a:rPr>
+              <a:t>v</a:t>
+            </a:r>
+            <a:r>
+              <a:rPr lang="en-US" altLang="zh-CN"/>
+              <a:t> , </a:t>
+            </a:r>
+            <a:br>
+              <a:rPr lang="en-US" altLang="zh-CN"/>
+            </a:br>
+            <a:r>
+              <a:rPr lang="en-US" altLang="zh-CN"/>
+              <a:t>s.t. </a:t>
+            </a:r>
+            <a:r>
+              <a:rPr lang="en-US" altLang="zh-CN" i="1">
+                <a:latin typeface="Times New Roman" charset="0"/>
+              </a:rPr>
+              <a:t>ts</a:t>
+            </a:r>
+            <a:r>
+              <a:rPr lang="en-US" altLang="zh-CN">
+                <a:latin typeface="Times New Roman" charset="0"/>
+              </a:rPr>
+              <a:t>(</a:t>
+            </a:r>
+            <a:r>
+              <a:rPr lang="en-US" altLang="zh-CN" i="1">
+                <a:latin typeface="Times New Roman" charset="0"/>
+              </a:rPr>
+              <a:t>x</a:t>
+            </a:r>
+            <a:r>
+              <a:rPr lang="en-US" altLang="zh-CN" i="1" baseline="-25000">
+                <a:latin typeface="Times New Roman" charset="0"/>
+              </a:rPr>
+              <a:t>v</a:t>
+            </a:r>
+            <a:r>
+              <a:rPr lang="en-US" altLang="zh-CN">
+                <a:latin typeface="Times New Roman" charset="0"/>
+              </a:rPr>
+              <a:t>)</a:t>
+            </a:r>
+            <a:r>
+              <a:rPr lang="en-US" altLang="zh-CN"/>
+              <a:t> is the largest timestamp less than </a:t>
+            </a:r>
+            <a:r>
+              <a:rPr lang="en-US" altLang="zh-CN" i="1">
+                <a:latin typeface="Times New Roman" charset="0"/>
+              </a:rPr>
+              <a:t>ts</a:t>
+            </a:r>
+            <a:r>
+              <a:rPr lang="en-US" altLang="zh-CN">
+                <a:latin typeface="Times New Roman" charset="0"/>
+              </a:rPr>
+              <a:t>(</a:t>
+            </a:r>
+            <a:r>
+              <a:rPr lang="en-US" altLang="zh-CN" i="1">
+                <a:latin typeface="Times New Roman" charset="0"/>
+              </a:rPr>
+              <a:t>T</a:t>
+            </a:r>
+            <a:r>
+              <a:rPr lang="en-US" altLang="zh-CN" i="1" baseline="-25000">
+                <a:latin typeface="Times New Roman" charset="0"/>
+              </a:rPr>
+              <a:t>i</a:t>
+            </a:r>
+            <a:r>
+              <a:rPr lang="en-US" altLang="zh-CN">
+                <a:latin typeface="Times New Roman" charset="0"/>
+              </a:rPr>
+              <a:t>)</a:t>
+            </a:r>
+            <a:r>
+              <a:rPr lang="en-US" altLang="zh-CN"/>
+              <a:t>;</a:t>
+            </a:r>
+          </a:p>
+          <a:p>
+            <a:pPr marL="596900" indent="-514350" eaLnBrk="1" hangingPunct="1">
+              <a:buFont typeface="Gill Sans MT" charset="0"/>
+              <a:buAutoNum type="arabicPeriod"/>
+            </a:pPr>
+            <a:r>
+              <a:rPr lang="en-US" altLang="zh-CN"/>
+              <a:t>Send </a:t>
+            </a:r>
+            <a:r>
+              <a:rPr lang="en-US" altLang="zh-CN" i="1">
+                <a:latin typeface="Times New Roman" charset="0"/>
+              </a:rPr>
+              <a:t>R</a:t>
+            </a:r>
+            <a:r>
+              <a:rPr lang="en-US" altLang="zh-CN" i="1" baseline="-25000">
+                <a:latin typeface="Times New Roman" charset="0"/>
+              </a:rPr>
+              <a:t>i</a:t>
+            </a:r>
+            <a:r>
+              <a:rPr lang="en-US" altLang="zh-CN">
+                <a:latin typeface="Times New Roman" charset="0"/>
+              </a:rPr>
+              <a:t>(</a:t>
+            </a:r>
+            <a:r>
+              <a:rPr lang="en-US" altLang="zh-CN" i="1">
+                <a:latin typeface="Times New Roman" charset="0"/>
+              </a:rPr>
+              <a:t>x</a:t>
+            </a:r>
+            <a:r>
+              <a:rPr lang="en-US" altLang="zh-CN" i="1" baseline="-25000">
+                <a:latin typeface="Times New Roman" charset="0"/>
+              </a:rPr>
+              <a:t>v</a:t>
+            </a:r>
+            <a:r>
+              <a:rPr lang="en-US" altLang="zh-CN">
+                <a:latin typeface="Times New Roman" charset="0"/>
+              </a:rPr>
+              <a:t>)</a:t>
+            </a:r>
+            <a:r>
+              <a:rPr lang="en-US" altLang="zh-CN"/>
+              <a:t> to the data processor.</a:t>
+            </a:r>
             <a:endParaRPr lang="zh-CN" altLang="en-US"/>
           </a:p>
         </p:txBody>
@@ -32895,7 +33178,7 @@
       </p:sp>
       <p:sp>
         <p:nvSpPr>
-          <p:cNvPr id="58372" name="Slide Number Placeholder 4"/>
+          <p:cNvPr id="59396" name="Slide Number Placeholder 4"/>
           <p:cNvSpPr>
             <a:spLocks noGrp="1"/>
           </p:cNvSpPr>
@@ -33105,7 +33388,7 @@
               <a:buFontTx/>
               <a:buNone/>
             </a:pPr>
-            <a:fld id="{4C495428-B7FD-084C-AB93-2AC53918C6FD}" type="slidenum">
+            <a:fld id="{90EF5BD2-5A51-BB46-8434-C7328DEB2389}" type="slidenum">
               <a:rPr lang="zh-CN" altLang="en-US" sz="1200">
                 <a:solidFill>
                   <a:srgbClr val="B4B1A0"/>
@@ -33190,7 +33473,7 @@
       </p:sp>
       <p:sp>
         <p:nvSpPr>
-          <p:cNvPr id="59394" name="Content Placeholder 2"/>
+          <p:cNvPr id="60418" name="Content Placeholder 2"/>
           <p:cNvSpPr>
             <a:spLocks noGrp="1"/>
           </p:cNvSpPr>
@@ -33209,13 +33492,13 @@
             </a:pPr>
             <a:r>
               <a:rPr lang="en-US" altLang="zh-CN"/>
-              <a:t>For a read from transaction </a:t>
+              <a:t>For </a:t>
             </a:r>
             <a:r>
               <a:rPr lang="en-US" altLang="zh-CN" i="1">
                 <a:latin typeface="Times New Roman" charset="0"/>
               </a:rPr>
-              <a:t>T</a:t>
+              <a:t>W</a:t>
             </a:r>
             <a:r>
               <a:rPr lang="en-US" altLang="zh-CN" i="1" baseline="-25000">
@@ -33224,14 +33507,32 @@
               <a:t>i</a:t>
             </a:r>
             <a:r>
-              <a:rPr lang="en-US" altLang="zh-CN"/>
-              <a:t> , i.e. </a:t>
+              <a:rPr lang="en-US" altLang="zh-CN">
+                <a:latin typeface="Times New Roman" charset="0"/>
+              </a:rPr>
+              <a:t>(</a:t>
             </a:r>
             <a:r>
               <a:rPr lang="en-US" altLang="zh-CN" i="1">
                 <a:latin typeface="Times New Roman" charset="0"/>
               </a:rPr>
-              <a:t>R</a:t>
+              <a:t>x</a:t>
+            </a:r>
+            <a:r>
+              <a:rPr lang="en-US" altLang="zh-CN">
+                <a:latin typeface="Times New Roman" charset="0"/>
+              </a:rPr>
+              <a:t>) </a:t>
+            </a:r>
+            <a:r>
+              <a:rPr lang="en-US" altLang="zh-CN"/>
+              <a:t>from transaction </a:t>
+            </a:r>
+            <a:r>
+              <a:rPr lang="en-US" altLang="zh-CN" i="1">
+                <a:latin typeface="Times New Roman" charset="0"/>
+              </a:rPr>
+              <a:t>T</a:t>
             </a:r>
             <a:r>
               <a:rPr lang="en-US" altLang="zh-CN" i="1" baseline="-25000">
@@ -33240,6 +33541,195 @@
               <a:t>i</a:t>
             </a:r>
             <a:r>
+              <a:rPr lang="en-US" altLang="zh-CN" i="1">
+                <a:latin typeface="Times New Roman" charset="0"/>
+              </a:rPr>
+              <a:t> </a:t>
+            </a:r>
+            <a:r>
+              <a:rPr lang="en-US" altLang="zh-CN"/>
+              <a:t>:</a:t>
+            </a:r>
+            <a:endParaRPr lang="en-US" altLang="zh-CN" i="1" baseline="-25000">
+              <a:latin typeface="Times New Roman" charset="0"/>
+            </a:endParaRPr>
+          </a:p>
+          <a:p>
+            <a:pPr marL="596900" indent="-514350" eaLnBrk="1" hangingPunct="1">
+              <a:buFont typeface="Wingdings 2" charset="2"/>
+              <a:buNone/>
+            </a:pPr>
+            <a:r>
+              <a:rPr lang="en-US" altLang="zh-CN" i="1" baseline="-25000">
+                <a:latin typeface="Times New Roman" charset="0"/>
+              </a:rPr>
+              <a:t>	</a:t>
+            </a:r>
+            <a:r>
+              <a:rPr lang="en-US" altLang="zh-CN"/>
+              <a:t>IF </a:t>
+            </a:r>
+            <a:r>
+              <a:rPr lang="en-US" altLang="zh-CN" sz="2800"/>
+              <a:t>the scheduler has already processed a </a:t>
+            </a:r>
+            <a:r>
+              <a:rPr lang="en-US" altLang="zh-CN" sz="2800" i="1">
+                <a:latin typeface="Times New Roman" charset="0"/>
+              </a:rPr>
+              <a:t>R</a:t>
+            </a:r>
+            <a:r>
+              <a:rPr lang="en-US" altLang="zh-CN" sz="2800" i="1" baseline="-25000">
+                <a:latin typeface="Times New Roman" charset="0"/>
+              </a:rPr>
+              <a:t>j</a:t>
+            </a:r>
+            <a:r>
+              <a:rPr lang="en-US" altLang="zh-CN" sz="2800">
+                <a:latin typeface="Times New Roman" charset="0"/>
+              </a:rPr>
+              <a:t>(</a:t>
+            </a:r>
+            <a:r>
+              <a:rPr lang="en-US" altLang="zh-CN" sz="2800" i="1">
+                <a:latin typeface="Times New Roman" charset="0"/>
+              </a:rPr>
+              <a:t>x</a:t>
+            </a:r>
+            <a:r>
+              <a:rPr lang="en-US" altLang="zh-CN" sz="2800" i="1" baseline="-25000">
+                <a:latin typeface="Times New Roman" charset="0"/>
+              </a:rPr>
+              <a:t>r</a:t>
+            </a:r>
+            <a:r>
+              <a:rPr lang="en-US" altLang="zh-CN" sz="2800">
+                <a:latin typeface="Times New Roman" charset="0"/>
+              </a:rPr>
+              <a:t>)</a:t>
+            </a:r>
+            <a:r>
+              <a:rPr lang="en-US" altLang="zh-CN" sz="2800"/>
+              <a:t> such that </a:t>
+            </a:r>
+            <a:r>
+              <a:rPr lang="en-US" altLang="zh-CN" sz="2800" i="1">
+                <a:latin typeface="Times New Roman" charset="0"/>
+              </a:rPr>
+              <a:t>ts</a:t>
+            </a:r>
+            <a:r>
+              <a:rPr lang="en-US" altLang="zh-CN" sz="2800">
+                <a:latin typeface="Times New Roman" charset="0"/>
+              </a:rPr>
+              <a:t>(</a:t>
+            </a:r>
+            <a:r>
+              <a:rPr lang="en-US" altLang="zh-CN" sz="2800" i="1">
+                <a:latin typeface="Times New Roman" charset="0"/>
+              </a:rPr>
+              <a:t>T</a:t>
+            </a:r>
+            <a:r>
+              <a:rPr lang="en-US" altLang="zh-CN" sz="2800" i="1" baseline="-25000">
+                <a:latin typeface="Times New Roman" charset="0"/>
+              </a:rPr>
+              <a:t>i</a:t>
+            </a:r>
+            <a:r>
+              <a:rPr lang="en-US" altLang="zh-CN" sz="2800">
+                <a:latin typeface="Times New Roman" charset="0"/>
+              </a:rPr>
+              <a:t>)&lt;</a:t>
+            </a:r>
+            <a:r>
+              <a:rPr lang="en-US" altLang="zh-CN" sz="2800" i="1">
+                <a:latin typeface="Times New Roman" charset="0"/>
+              </a:rPr>
+              <a:t>ts</a:t>
+            </a:r>
+            <a:r>
+              <a:rPr lang="en-US" altLang="zh-CN" sz="2800">
+                <a:latin typeface="Times New Roman" charset="0"/>
+              </a:rPr>
+              <a:t>(</a:t>
+            </a:r>
+            <a:r>
+              <a:rPr lang="en-US" altLang="zh-CN" sz="2800" i="1">
+                <a:latin typeface="Times New Roman" charset="0"/>
+              </a:rPr>
+              <a:t>x</a:t>
+            </a:r>
+            <a:r>
+              <a:rPr lang="en-US" altLang="zh-CN" sz="2800" i="1" baseline="-25000">
+                <a:latin typeface="Times New Roman" charset="0"/>
+              </a:rPr>
+              <a:t>r</a:t>
+            </a:r>
+            <a:r>
+              <a:rPr lang="en-US" altLang="zh-CN" sz="2800">
+                <a:latin typeface="Times New Roman" charset="0"/>
+              </a:rPr>
+              <a:t>)&lt;</a:t>
+            </a:r>
+            <a:r>
+              <a:rPr lang="en-US" altLang="zh-CN" sz="2800" i="1">
+                <a:latin typeface="Times New Roman" charset="0"/>
+              </a:rPr>
+              <a:t>ts</a:t>
+            </a:r>
+            <a:r>
+              <a:rPr lang="en-US" altLang="zh-CN" sz="2800">
+                <a:latin typeface="Times New Roman" charset="0"/>
+              </a:rPr>
+              <a:t>(</a:t>
+            </a:r>
+            <a:r>
+              <a:rPr lang="en-US" altLang="zh-CN" sz="2800" i="1">
+                <a:latin typeface="Times New Roman" charset="0"/>
+              </a:rPr>
+              <a:t>T</a:t>
+            </a:r>
+            <a:r>
+              <a:rPr lang="en-US" altLang="zh-CN" sz="2800" i="1" baseline="-25000">
+                <a:latin typeface="Times New Roman" charset="0"/>
+              </a:rPr>
+              <a:t>j</a:t>
+            </a:r>
+            <a:r>
+              <a:rPr lang="en-US" altLang="zh-CN" sz="2800">
+                <a:latin typeface="Times New Roman" charset="0"/>
+              </a:rPr>
+              <a:t>) </a:t>
+            </a:r>
+            <a:r>
+              <a:rPr lang="en-US" altLang="zh-CN"/>
+              <a:t>THEN</a:t>
+            </a:r>
+          </a:p>
+          <a:p>
+            <a:pPr marL="871538" lvl="1" indent="-514350" eaLnBrk="1" hangingPunct="1">
+              <a:buFont typeface="Verdana" charset="0"/>
+              <a:buNone/>
+            </a:pPr>
+            <a:r>
+              <a:rPr lang="en-US" altLang="zh-CN"/>
+              <a:t>	reject </a:t>
+            </a:r>
+            <a:r>
+              <a:rPr lang="en-US" altLang="zh-CN" i="1">
+                <a:latin typeface="Times New Roman" charset="0"/>
+              </a:rPr>
+              <a:t>W</a:t>
+            </a:r>
+            <a:r>
+              <a:rPr lang="en-US" altLang="zh-CN" i="1" baseline="-25000">
+                <a:latin typeface="Times New Roman" charset="0"/>
+              </a:rPr>
+              <a:t>i</a:t>
+            </a:r>
+            <a:r>
               <a:rPr lang="en-US" altLang="zh-CN">
                 <a:latin typeface="Times New Roman" charset="0"/>
               </a:rPr>
@@ -33259,30 +33749,45 @@
             </a:r>
             <a:r>
               <a:rPr lang="en-US" altLang="zh-CN"/>
-              <a:t> :</a:t>
-            </a:r>
-            <a:endParaRPr lang="en-US" altLang="zh-CN">
-              <a:latin typeface="Times New Roman" charset="0"/>
-            </a:endParaRPr>
+              <a:t>;</a:t>
+            </a:r>
           </a:p>
           <a:p>
             <a:pPr marL="596900" indent="-514350" eaLnBrk="1" hangingPunct="1">
-              <a:buFont typeface="Gill Sans MT" charset="0"/>
-              <a:buAutoNum type="arabicPeriod"/>
+              <a:buFont typeface="Wingdings 2" charset="2"/>
+              <a:buNone/>
             </a:pPr>
             <a:r>
               <a:rPr lang="en-US" altLang="zh-CN"/>
-              <a:t>Find a version of </a:t>
+              <a:t>	ELSE</a:t>
+            </a:r>
+          </a:p>
+          <a:p>
+            <a:pPr marL="871538" lvl="1" indent="-514350" eaLnBrk="1" hangingPunct="1">
+              <a:buFont typeface="Verdana" charset="0"/>
+              <a:buNone/>
+            </a:pPr>
+            <a:r>
+              <a:rPr lang="en-US" altLang="zh-CN"/>
+              <a:t>	translate </a:t>
             </a:r>
             <a:r>
               <a:rPr lang="en-US" altLang="zh-CN" i="1">
                 <a:latin typeface="Times New Roman" charset="0"/>
               </a:rPr>
-              <a:t>x</a:t>
-            </a:r>
-            <a:r>
-              <a:rPr lang="en-US" altLang="zh-CN"/>
-              <a:t>, say </a:t>
+              <a:t>W</a:t>
+            </a:r>
+            <a:r>
+              <a:rPr lang="en-US" altLang="zh-CN" i="1" baseline="-25000">
+                <a:latin typeface="Times New Roman" charset="0"/>
+              </a:rPr>
+              <a:t>i</a:t>
+            </a:r>
+            <a:r>
+              <a:rPr lang="en-US" altLang="zh-CN">
+                <a:latin typeface="Times New Roman" charset="0"/>
+              </a:rPr>
+              <a:t>(</a:t>
             </a:r>
             <a:r>
               <a:rPr lang="en-US" altLang="zh-CN" i="1">
@@ -33291,55 +33796,101 @@
               <a:t>x</a:t>
             </a:r>
             <a:r>
+              <a:rPr lang="en-US" altLang="zh-CN">
+                <a:latin typeface="Times New Roman" charset="0"/>
+              </a:rPr>
+              <a:t>)</a:t>
+            </a:r>
+            <a:r>
+              <a:rPr lang="en-US" altLang="zh-CN"/>
+              <a:t> into </a:t>
+            </a:r>
+            <a:r>
+              <a:rPr lang="en-US" altLang="zh-CN" i="1">
+                <a:latin typeface="Times New Roman" charset="0"/>
+              </a:rPr>
+              <a:t>W</a:t>
+            </a:r>
+            <a:r>
               <a:rPr lang="en-US" altLang="zh-CN" i="1" baseline="-25000">
                 <a:latin typeface="Times New Roman" charset="0"/>
               </a:rPr>
-              <a:t>v</a:t>
-            </a:r>
-            <a:r>
-              <a:rPr lang="en-US" altLang="zh-CN"/>
-              <a:t> , </a:t>
-            </a:r>
-            <a:br>
-              <a:rPr lang="en-US" altLang="zh-CN"/>
-            </a:br>
-            <a:r>
-              <a:rPr lang="en-US" altLang="zh-CN"/>
-              <a:t>s.t. </a:t>
+              <a:t>i</a:t>
+            </a:r>
+            <a:r>
+              <a:rPr lang="en-US" altLang="zh-CN">
+                <a:latin typeface="Times New Roman" charset="0"/>
+              </a:rPr>
+              <a:t>(</a:t>
             </a:r>
             <a:r>
               <a:rPr lang="en-US" altLang="zh-CN" i="1">
                 <a:latin typeface="Times New Roman" charset="0"/>
               </a:rPr>
-              <a:t>ts</a:t>
+              <a:t>x</a:t>
+            </a:r>
+            <a:r>
+              <a:rPr lang="en-US" altLang="zh-CN" i="1" baseline="-25000">
+                <a:latin typeface="Times New Roman" charset="0"/>
+              </a:rPr>
+              <a:t>w</a:t>
             </a:r>
             <a:r>
               <a:rPr lang="en-US" altLang="zh-CN">
                 <a:latin typeface="Times New Roman" charset="0"/>
               </a:rPr>
-              <a:t>(</a:t>
+              <a:t>)</a:t>
+            </a:r>
+            <a:r>
+              <a:rPr lang="en-US" altLang="zh-CN"/>
+              <a:t>;</a:t>
+            </a:r>
+          </a:p>
+          <a:p>
+            <a:pPr marL="871538" lvl="1" indent="-514350" eaLnBrk="1" hangingPunct="1">
+              <a:buFont typeface="Verdana" charset="0"/>
+              <a:buNone/>
+            </a:pPr>
+            <a:r>
+              <a:rPr lang="en-US" altLang="zh-CN"/>
+              <a:t>	</a:t>
             </a:r>
             <a:r>
               <a:rPr lang="en-US" altLang="zh-CN" i="1">
                 <a:latin typeface="Times New Roman" charset="0"/>
               </a:rPr>
+              <a:t>ts</a:t>
+            </a:r>
+            <a:r>
+              <a:rPr lang="en-US" altLang="zh-CN">
+                <a:latin typeface="Times New Roman" charset="0"/>
+              </a:rPr>
+              <a:t>(</a:t>
+            </a:r>
+            <a:r>
+              <a:rPr lang="en-US" altLang="zh-CN" i="1">
+                <a:latin typeface="Times New Roman" charset="0"/>
+              </a:rPr>
               <a:t>x</a:t>
             </a:r>
             <a:r>
               <a:rPr lang="en-US" altLang="zh-CN" i="1" baseline="-25000">
                 <a:latin typeface="Times New Roman" charset="0"/>
               </a:rPr>
-              <a:t>v</a:t>
+              <a:t>w</a:t>
             </a:r>
             <a:r>
               <a:rPr lang="en-US" altLang="zh-CN">
                 <a:latin typeface="Times New Roman" charset="0"/>
               </a:rPr>
-              <a:t>)</a:t>
-            </a:r>
-            <a:r>
-              <a:rPr lang="en-US" altLang="zh-CN"/>
-              <a:t> is the largest timestamp less than </a:t>
+              <a:t>) </a:t>
+            </a:r>
+            <a:r>
+              <a:rPr lang="en-US" altLang="zh-CN">
+                <a:latin typeface="Times New Roman" charset="0"/>
+                <a:sym typeface="Wingdings" charset="2"/>
+              </a:rPr>
+              <a:t> </a:t>
             </a:r>
             <a:r>
               <a:rPr lang="en-US" altLang="zh-CN" i="1">
@@ -33369,61 +33920,7 @@
               <a:rPr lang="en-US" altLang="zh-CN">
                 <a:latin typeface="Times New Roman" charset="0"/>
               </a:rPr>
-              <a:t>)</a:t>
-            </a:r>
-            <a:r>
-              <a:rPr lang="en-US" altLang="zh-CN"/>
-              <a:t>;</a:t>
-            </a:r>
-          </a:p>
-          <a:p>
-            <a:pPr marL="596900" indent="-514350" eaLnBrk="1" hangingPunct="1">
-              <a:buFont typeface="Gill Sans MT" charset="0"/>
-              <a:buAutoNum type="arabicPeriod"/>
-            </a:pPr>
-            <a:r>
-              <a:rPr lang="en-US" altLang="zh-CN"/>
-              <a:t>Send </a:t>
-            </a:r>
-            <a:r>
-              <a:rPr lang="en-US" altLang="zh-CN" i="1">
-                <a:latin typeface="Times New Roman" charset="0"/>
-              </a:rPr>
-              <a:t>R</a:t>
-            </a:r>
-            <a:r>
-              <a:rPr lang="en-US" altLang="zh-CN" i="1" baseline="-25000">
-                <a:latin typeface="Times New Roman" charset="0"/>
-              </a:rPr>
-              <a:t>i</a:t>
-            </a:r>
-            <a:r>
-              <a:rPr lang="en-US" altLang="zh-CN">
-                <a:latin typeface="Times New Roman" charset="0"/>
-              </a:rPr>
-              <a:t>(</a:t>
-            </a:r>
-            <a:r>
-              <a:rPr lang="en-US" altLang="zh-CN" i="1">
-                <a:latin typeface="Times New Roman" charset="0"/>
-              </a:rPr>
-              <a:t>x</a:t>
-            </a:r>
-            <a:r>
-              <a:rPr lang="en-US" altLang="zh-CN" i="1" baseline="-25000">
-                <a:latin typeface="Times New Roman" charset="0"/>
-              </a:rPr>
-              <a:t>v</a:t>
-            </a:r>
-            <a:r>
-              <a:rPr lang="en-US" altLang="zh-CN">
-                <a:latin typeface="Times New Roman" charset="0"/>
-              </a:rPr>
-              <a:t>)</a:t>
-            </a:r>
-            <a:r>
-              <a:rPr lang="en-US" altLang="zh-CN"/>
-              <a:t> to the data processor.</a:t>
+              <a:t>).</a:t>
             </a:r>
             <a:endParaRPr lang="zh-CN" altLang="en-US"/>
           </a:p>
@@ -33457,7 +33954,7 @@
       </p:sp>
       <p:sp>
         <p:nvSpPr>
-          <p:cNvPr id="59396" name="Slide Number Placeholder 4"/>
+          <p:cNvPr id="60420" name="Slide Number Placeholder 4"/>
           <p:cNvSpPr>
             <a:spLocks noGrp="1"/>
           </p:cNvSpPr>
@@ -33667,7 +34164,7 @@
               <a:buFontTx/>
               <a:buNone/>
             </a:pPr>
-            <a:fld id="{90EF5BD2-5A51-BB46-8434-C7328DEB2389}" type="slidenum">
+            <a:fld id="{24CA81A6-8A5F-ED4C-AD61-5E7D7DCFAD1D}" type="slidenum">
               <a:rPr lang="zh-CN" altLang="en-US" sz="1200">
                 <a:solidFill>
                   <a:srgbClr val="B4B1A0"/>
@@ -33752,7 +34249,7 @@
       </p:sp>
       <p:sp>
         <p:nvSpPr>
-          <p:cNvPr id="60418" name="Content Placeholder 2"/>
+          <p:cNvPr id="61442" name="Content Placeholder 2"/>
           <p:cNvSpPr>
             <a:spLocks noGrp="1"/>
           </p:cNvSpPr>
@@ -33765,441 +34262,18 @@
           <a:bodyPr/>
           <a:lstStyle/>
           <a:p>
-            <a:pPr marL="596900" indent="-514350" eaLnBrk="1" hangingPunct="1">
-              <a:buFont typeface="Wingdings 2" charset="2"/>
-              <a:buNone/>
-            </a:pPr>
+            <a:pPr eaLnBrk="1" hangingPunct="1"/>
             <a:r>
               <a:rPr lang="en-US" altLang="zh-CN"/>
-              <a:t>For </a:t>
-            </a:r>
-            <a:r>
-              <a:rPr lang="en-US" altLang="zh-CN" i="1">
-                <a:latin typeface="Times New Roman" charset="0"/>
-              </a:rPr>
-              <a:t>W</a:t>
-            </a:r>
-            <a:r>
-              <a:rPr lang="en-US" altLang="zh-CN" i="1" baseline="-25000">
-                <a:latin typeface="Times New Roman" charset="0"/>
-              </a:rPr>
-              <a:t>i</a:t>
-            </a:r>
-            <a:r>
-              <a:rPr lang="en-US" altLang="zh-CN">
-                <a:latin typeface="Times New Roman" charset="0"/>
-              </a:rPr>
-              <a:t>(</a:t>
-            </a:r>
-            <a:r>
-              <a:rPr lang="en-US" altLang="zh-CN" i="1">
-                <a:latin typeface="Times New Roman" charset="0"/>
-              </a:rPr>
-              <a:t>x</a:t>
-            </a:r>
-            <a:r>
-              <a:rPr lang="en-US" altLang="zh-CN">
-                <a:latin typeface="Times New Roman" charset="0"/>
-              </a:rPr>
-              <a:t>) </a:t>
-            </a:r>
+              <a:t>This scheduler generates serializable schedule.</a:t>
+            </a:r>
+            <a:endParaRPr lang="zh-CN" altLang="en-US"/>
+          </a:p>
+          <a:p>
+            <a:pPr eaLnBrk="1" hangingPunct="1"/>
             <a:r>
               <a:rPr lang="en-US" altLang="zh-CN"/>
-              <a:t>from transaction </a:t>
-            </a:r>
-            <a:r>
-              <a:rPr lang="en-US" altLang="zh-CN" i="1">
-                <a:latin typeface="Times New Roman" charset="0"/>
-              </a:rPr>
-              <a:t>T</a:t>
-            </a:r>
-            <a:r>
-              <a:rPr lang="en-US" altLang="zh-CN" i="1" baseline="-25000">
-                <a:latin typeface="Times New Roman" charset="0"/>
-              </a:rPr>
-              <a:t>i</a:t>
-            </a:r>
-            <a:r>
-              <a:rPr lang="en-US" altLang="zh-CN" i="1">
-                <a:latin typeface="Times New Roman" charset="0"/>
-              </a:rPr>
-              <a:t> </a:t>
-            </a:r>
-            <a:r>
-              <a:rPr lang="en-US" altLang="zh-CN"/>
-              <a:t>:</a:t>
-            </a:r>
-            <a:endParaRPr lang="en-US" altLang="zh-CN" i="1" baseline="-25000">
-              <a:latin typeface="Times New Roman" charset="0"/>
-            </a:endParaRPr>
-          </a:p>
-          <a:p>
-            <a:pPr marL="596900" indent="-514350" eaLnBrk="1" hangingPunct="1">
-              <a:buFont typeface="Wingdings 2" charset="2"/>
-              <a:buNone/>
-            </a:pPr>
-            <a:r>
-              <a:rPr lang="en-US" altLang="zh-CN" i="1" baseline="-25000">
-                <a:latin typeface="Times New Roman" charset="0"/>
-              </a:rPr>
-              <a:t>	</a:t>
-            </a:r>
-            <a:r>
-              <a:rPr lang="en-US" altLang="zh-CN"/>
-              <a:t>IF </a:t>
-            </a:r>
-            <a:r>
-              <a:rPr lang="en-US" altLang="zh-CN" sz="2800"/>
-              <a:t>the scheduler has already processed a </a:t>
-            </a:r>
-            <a:r>
-              <a:rPr lang="en-US" altLang="zh-CN" sz="2800" i="1">
-                <a:latin typeface="Times New Roman" charset="0"/>
-              </a:rPr>
-              <a:t>R</a:t>
-            </a:r>
-            <a:r>
-              <a:rPr lang="en-US" altLang="zh-CN" sz="2800" i="1" baseline="-25000">
-                <a:latin typeface="Times New Roman" charset="0"/>
-              </a:rPr>
-              <a:t>j</a:t>
-            </a:r>
-            <a:r>
-              <a:rPr lang="en-US" altLang="zh-CN" sz="2800">
-                <a:latin typeface="Times New Roman" charset="0"/>
-              </a:rPr>
-              <a:t>(</a:t>
-            </a:r>
-            <a:r>
-              <a:rPr lang="en-US" altLang="zh-CN" sz="2800" i="1">
-                <a:latin typeface="Times New Roman" charset="0"/>
-              </a:rPr>
-              <a:t>x</a:t>
-            </a:r>
-            <a:r>
-              <a:rPr lang="en-US" altLang="zh-CN" sz="2800" i="1" baseline="-25000">
-                <a:latin typeface="Times New Roman" charset="0"/>
-              </a:rPr>
-              <a:t>r</a:t>
-            </a:r>
-            <a:r>
-              <a:rPr lang="en-US" altLang="zh-CN" sz="2800">
-                <a:latin typeface="Times New Roman" charset="0"/>
-              </a:rPr>
-              <a:t>)</a:t>
-            </a:r>
-            <a:r>
-              <a:rPr lang="en-US" altLang="zh-CN" sz="2800"/>
-              <a:t> such that </a:t>
-            </a:r>
-            <a:r>
-              <a:rPr lang="en-US" altLang="zh-CN" sz="2800" i="1">
-                <a:latin typeface="Times New Roman" charset="0"/>
-              </a:rPr>
-              <a:t>ts</a:t>
-            </a:r>
-            <a:r>
-              <a:rPr lang="en-US" altLang="zh-CN" sz="2800">
-                <a:latin typeface="Times New Roman" charset="0"/>
-              </a:rPr>
-              <a:t>(</a:t>
-            </a:r>
-            <a:r>
-              <a:rPr lang="en-US" altLang="zh-CN" sz="2800" i="1">
-                <a:latin typeface="Times New Roman" charset="0"/>
-              </a:rPr>
-              <a:t>T</a:t>
-            </a:r>
-            <a:r>
-              <a:rPr lang="en-US" altLang="zh-CN" sz="2800" i="1" baseline="-25000">
-                <a:latin typeface="Times New Roman" charset="0"/>
-              </a:rPr>
-              <a:t>i</a:t>
-            </a:r>
-            <a:r>
-              <a:rPr lang="en-US" altLang="zh-CN" sz="2800">
-                <a:latin typeface="Times New Roman" charset="0"/>
-              </a:rPr>
-              <a:t>)&lt;</a:t>
-            </a:r>
-            <a:r>
-              <a:rPr lang="en-US" altLang="zh-CN" sz="2800" i="1">
-                <a:latin typeface="Times New Roman" charset="0"/>
-              </a:rPr>
-              <a:t>ts</a:t>
-            </a:r>
-            <a:r>
-              <a:rPr lang="en-US" altLang="zh-CN" sz="2800">
-                <a:latin typeface="Times New Roman" charset="0"/>
-              </a:rPr>
-              <a:t>(</a:t>
-            </a:r>
-            <a:r>
-              <a:rPr lang="en-US" altLang="zh-CN" sz="2800" i="1">
-                <a:latin typeface="Times New Roman" charset="0"/>
-              </a:rPr>
-              <a:t>x</a:t>
-            </a:r>
-            <a:r>
-              <a:rPr lang="en-US" altLang="zh-CN" sz="2800" i="1" baseline="-25000">
-                <a:latin typeface="Times New Roman" charset="0"/>
-              </a:rPr>
-              <a:t>r</a:t>
-            </a:r>
-            <a:r>
-              <a:rPr lang="en-US" altLang="zh-CN" sz="2800">
-                <a:latin typeface="Times New Roman" charset="0"/>
-              </a:rPr>
-              <a:t>)&lt;</a:t>
-            </a:r>
-            <a:r>
-              <a:rPr lang="en-US" altLang="zh-CN" sz="2800" i="1">
-                <a:latin typeface="Times New Roman" charset="0"/>
-              </a:rPr>
-              <a:t>ts</a:t>
-            </a:r>
-            <a:r>
-              <a:rPr lang="en-US" altLang="zh-CN" sz="2800">
-                <a:latin typeface="Times New Roman" charset="0"/>
-              </a:rPr>
-              <a:t>(</a:t>
-            </a:r>
-            <a:r>
-              <a:rPr lang="en-US" altLang="zh-CN" sz="2800" i="1">
-                <a:latin typeface="Times New Roman" charset="0"/>
-              </a:rPr>
-              <a:t>T</a:t>
-            </a:r>
-            <a:r>
-              <a:rPr lang="en-US" altLang="zh-CN" sz="2800" i="1" baseline="-25000">
-                <a:latin typeface="Times New Roman" charset="0"/>
-              </a:rPr>
-              <a:t>j</a:t>
-            </a:r>
-            <a:r>
-              <a:rPr lang="en-US" altLang="zh-CN" sz="2800">
-                <a:latin typeface="Times New Roman" charset="0"/>
-              </a:rPr>
-              <a:t>) </a:t>
-            </a:r>
-            <a:r>
-              <a:rPr lang="en-US" altLang="zh-CN"/>
-              <a:t>THEN</a:t>
-            </a:r>
-          </a:p>
-          <a:p>
-            <a:pPr marL="871538" lvl="1" indent="-514350" eaLnBrk="1" hangingPunct="1">
-              <a:buFont typeface="Verdana" charset="0"/>
-              <a:buNone/>
-            </a:pPr>
-            <a:r>
-              <a:rPr lang="en-US" altLang="zh-CN"/>
-              <a:t>	reject </a:t>
-            </a:r>
-            <a:r>
-              <a:rPr lang="en-US" altLang="zh-CN" i="1">
-                <a:latin typeface="Times New Roman" charset="0"/>
-              </a:rPr>
-              <a:t>W</a:t>
-            </a:r>
-            <a:r>
-              <a:rPr lang="en-US" altLang="zh-CN" i="1" baseline="-25000">
-                <a:latin typeface="Times New Roman" charset="0"/>
-              </a:rPr>
-              <a:t>i</a:t>
-            </a:r>
-            <a:r>
-              <a:rPr lang="en-US" altLang="zh-CN">
-                <a:latin typeface="Times New Roman" charset="0"/>
-              </a:rPr>
-              <a:t>(</a:t>
-            </a:r>
-            <a:r>
-              <a:rPr lang="en-US" altLang="zh-CN" i="1">
-                <a:latin typeface="Times New Roman" charset="0"/>
-              </a:rPr>
-              <a:t>x</a:t>
-            </a:r>
-            <a:r>
-              <a:rPr lang="en-US" altLang="zh-CN">
-                <a:latin typeface="Times New Roman" charset="0"/>
-              </a:rPr>
-              <a:t>)</a:t>
-            </a:r>
-            <a:r>
-              <a:rPr lang="en-US" altLang="zh-CN"/>
-              <a:t>;</a:t>
-            </a:r>
-          </a:p>
-          <a:p>
-            <a:pPr marL="596900" indent="-514350" eaLnBrk="1" hangingPunct="1">
-              <a:buFont typeface="Wingdings 2" charset="2"/>
-              <a:buNone/>
-            </a:pPr>
-            <a:r>
-              <a:rPr lang="en-US" altLang="zh-CN"/>
-              <a:t>	ELSE</a:t>
-            </a:r>
-          </a:p>
-          <a:p>
-            <a:pPr marL="871538" lvl="1" indent="-514350" eaLnBrk="1" hangingPunct="1">
-              <a:buFont typeface="Verdana" charset="0"/>
-              <a:buNone/>
-            </a:pPr>
-            <a:r>
-              <a:rPr lang="en-US" altLang="zh-CN"/>
-              <a:t>	translate </a:t>
-            </a:r>
-            <a:r>
-              <a:rPr lang="en-US" altLang="zh-CN" i="1">
-                <a:latin typeface="Times New Roman" charset="0"/>
-              </a:rPr>
-              <a:t>W</a:t>
-            </a:r>
-            <a:r>
-              <a:rPr lang="en-US" altLang="zh-CN" i="1" baseline="-25000">
-                <a:latin typeface="Times New Roman" charset="0"/>
-              </a:rPr>
-              <a:t>i</a:t>
-            </a:r>
-            <a:r>
-              <a:rPr lang="en-US" altLang="zh-CN">
-                <a:latin typeface="Times New Roman" charset="0"/>
-              </a:rPr>
-              <a:t>(</a:t>
-            </a:r>
-            <a:r>
-              <a:rPr lang="en-US" altLang="zh-CN" i="1">
-                <a:latin typeface="Times New Roman" charset="0"/>
-              </a:rPr>
-              <a:t>x</a:t>
-            </a:r>
-            <a:r>
-              <a:rPr lang="en-US" altLang="zh-CN">
-                <a:latin typeface="Times New Roman" charset="0"/>
-              </a:rPr>
-              <a:t>)</a:t>
-            </a:r>
-            <a:r>
-              <a:rPr lang="en-US" altLang="zh-CN"/>
-              <a:t> into </a:t>
-            </a:r>
-            <a:r>
-              <a:rPr lang="en-US" altLang="zh-CN" i="1">
-                <a:latin typeface="Times New Roman" charset="0"/>
-              </a:rPr>
-              <a:t>W</a:t>
-            </a:r>
-            <a:r>
-              <a:rPr lang="en-US" altLang="zh-CN" i="1" baseline="-25000">
-                <a:latin typeface="Times New Roman" charset="0"/>
-              </a:rPr>
-              <a:t>i</a:t>
-            </a:r>
-            <a:r>
-              <a:rPr lang="en-US" altLang="zh-CN">
-                <a:latin typeface="Times New Roman" charset="0"/>
-              </a:rPr>
-              <a:t>(</a:t>
-            </a:r>
-            <a:r>
-              <a:rPr lang="en-US" altLang="zh-CN" i="1">
-                <a:latin typeface="Times New Roman" charset="0"/>
-              </a:rPr>
-              <a:t>x</a:t>
-            </a:r>
-            <a:r>
-              <a:rPr lang="en-US" altLang="zh-CN" i="1" baseline="-25000">
-                <a:latin typeface="Times New Roman" charset="0"/>
-              </a:rPr>
-              <a:t>w</a:t>
-            </a:r>
-            <a:r>
-              <a:rPr lang="en-US" altLang="zh-CN">
-                <a:latin typeface="Times New Roman" charset="0"/>
-              </a:rPr>
-              <a:t>)</a:t>
-            </a:r>
-            <a:r>
-              <a:rPr lang="en-US" altLang="zh-CN"/>
-              <a:t>;</a:t>
-            </a:r>
-          </a:p>
-          <a:p>
-            <a:pPr marL="871538" lvl="1" indent="-514350" eaLnBrk="1" hangingPunct="1">
-              <a:buFont typeface="Verdana" charset="0"/>
-              <a:buNone/>
-            </a:pPr>
-            <a:r>
-              <a:rPr lang="en-US" altLang="zh-CN"/>
-              <a:t>	</a:t>
-            </a:r>
-            <a:r>
-              <a:rPr lang="en-US" altLang="zh-CN" i="1">
-                <a:latin typeface="Times New Roman" charset="0"/>
-              </a:rPr>
-              <a:t>ts</a:t>
-            </a:r>
-            <a:r>
-              <a:rPr lang="en-US" altLang="zh-CN">
-                <a:latin typeface="Times New Roman" charset="0"/>
-              </a:rPr>
-              <a:t>(</a:t>
-            </a:r>
-            <a:r>
-              <a:rPr lang="en-US" altLang="zh-CN" i="1">
-                <a:latin typeface="Times New Roman" charset="0"/>
-              </a:rPr>
-              <a:t>x</a:t>
-            </a:r>
-            <a:r>
-              <a:rPr lang="en-US" altLang="zh-CN" i="1" baseline="-25000">
-                <a:latin typeface="Times New Roman" charset="0"/>
-              </a:rPr>
-              <a:t>w</a:t>
-            </a:r>
-            <a:r>
-              <a:rPr lang="en-US" altLang="zh-CN">
-                <a:latin typeface="Times New Roman" charset="0"/>
-              </a:rPr>
-              <a:t>) </a:t>
-            </a:r>
-            <a:r>
-              <a:rPr lang="en-US" altLang="zh-CN">
-                <a:latin typeface="Times New Roman" charset="0"/>
-                <a:sym typeface="Wingdings" charset="2"/>
-              </a:rPr>
-              <a:t> </a:t>
-            </a:r>
-            <a:r>
-              <a:rPr lang="en-US" altLang="zh-CN" i="1">
-                <a:latin typeface="Times New Roman" charset="0"/>
-              </a:rPr>
-              <a:t>ts</a:t>
-            </a:r>
-            <a:r>
-              <a:rPr lang="en-US" altLang="zh-CN">
-                <a:latin typeface="Times New Roman" charset="0"/>
-              </a:rPr>
-              <a:t>(</a:t>
-            </a:r>
-            <a:r>
-              <a:rPr lang="en-US" altLang="zh-CN" i="1">
-                <a:latin typeface="Times New Roman" charset="0"/>
-              </a:rPr>
-              <a:t>T</a:t>
-            </a:r>
-            <a:r>
-              <a:rPr lang="en-US" altLang="zh-CN" i="1" baseline="-25000">
-                <a:latin typeface="Times New Roman" charset="0"/>
-              </a:rPr>
-              <a:t>i</a:t>
-            </a:r>
-            <a:r>
-              <a:rPr lang="en-US" altLang="zh-CN">
-                <a:latin typeface="Times New Roman" charset="0"/>
-              </a:rPr>
-              <a:t>).</a:t>
+              <a:t>Versions may be purged when they are not accessed by any transactions.</a:t>
             </a:r>
             <a:endParaRPr lang="zh-CN" altLang="en-US"/>
           </a:p>
@@ -34233,7 +34307,7 @@
       </p:sp>
       <p:sp>
         <p:nvSpPr>
-          <p:cNvPr id="60420" name="Slide Number Placeholder 4"/>
+          <p:cNvPr id="61444" name="Slide Number Placeholder 4"/>
           <p:cNvSpPr>
             <a:spLocks noGrp="1"/>
           </p:cNvSpPr>
@@ -34443,7 +34517,7 @@
               <a:buFontTx/>
               <a:buNone/>
             </a:pPr>
-            <a:fld id="{24CA81A6-8A5F-ED4C-AD61-5E7D7DCFAD1D}" type="slidenum">
+            <a:fld id="{6AD483EF-C30D-DC4D-9CD1-A383BD1ECD3B}" type="slidenum">
               <a:rPr lang="zh-CN" altLang="en-US" sz="1200">
                 <a:solidFill>
                   <a:srgbClr val="B4B1A0"/>
@@ -34502,7 +34576,7 @@
       </p:grpSpPr>
       <p:sp>
         <p:nvSpPr>
-          <p:cNvPr id="2" name="Title 1"/>
+          <p:cNvPr id="6" name="Title 5"/>
           <p:cNvSpPr>
             <a:spLocks noGrp="1"/>
           </p:cNvSpPr>
@@ -34510,7 +34584,12 @@
             <p:ph type="title"/>
           </p:nvPr>
         </p:nvSpPr>
-        <p:spPr/>
+        <p:spPr>
+          <a:xfrm>
+            <a:off x="2578100" y="2600325"/>
+            <a:ext cx="6400800" cy="2286000"/>
+          </a:xfrm>
+        </p:spPr>
         <p:txBody>
           <a:bodyPr/>
           <a:lstStyle/>
@@ -34519,42 +34598,43 @@
               <a:defRPr/>
             </a:pPr>
             <a:r>
-              <a:rPr lang="en-US" altLang="zh-CN" dirty="0" smtClean="0"/>
-              <a:t>Work of the scheduler</a:t>
-            </a:r>
-            <a:endParaRPr lang="zh-CN" altLang="en-US" dirty="0"/>
+              <a:rPr lang="en-US" sz="3600" cap="none" dirty="0" smtClean="0"/>
+              <a:t>Optimistic Concurrency Control Algorithms</a:t>
+            </a:r>
+            <a:endParaRPr lang="zh-CN" altLang="en-US" sz="3600" cap="none" dirty="0"/>
           </a:p>
         </p:txBody>
       </p:sp>
       <p:sp>
         <p:nvSpPr>
-          <p:cNvPr id="61442" name="Content Placeholder 2"/>
+          <p:cNvPr id="7" name="Text Placeholder 6"/>
           <p:cNvSpPr>
             <a:spLocks noGrp="1"/>
           </p:cNvSpPr>
           <p:nvPr>
-            <p:ph idx="1"/>
+            <p:ph type="body" idx="1"/>
           </p:nvPr>
         </p:nvSpPr>
-        <p:spPr/>
+        <p:spPr>
+          <a:xfrm>
+            <a:off x="2578100" y="1066800"/>
+            <a:ext cx="6400800" cy="1509713"/>
+          </a:xfrm>
+        </p:spPr>
         <p:txBody>
           <a:bodyPr/>
           <a:lstStyle/>
           <a:p>
-            <a:pPr eaLnBrk="1" hangingPunct="1"/>
-            <a:r>
-              <a:rPr lang="en-US" altLang="zh-CN"/>
-              <a:t>This scheduler generates serializable schedule.</a:t>
-            </a:r>
-            <a:endParaRPr lang="zh-CN" altLang="en-US"/>
-          </a:p>
-          <a:p>
-            <a:pPr eaLnBrk="1" hangingPunct="1"/>
-            <a:r>
-              <a:rPr lang="en-US" altLang="zh-CN"/>
-              <a:t>Versions may be purged when they are not accessed by any transactions.</a:t>
-            </a:r>
-            <a:endParaRPr lang="zh-CN" altLang="en-US"/>
+            <a:pPr eaLnBrk="1" hangingPunct="1">
+              <a:buFont typeface="Wingdings 2" pitchFamily="18" charset="2"/>
+              <a:buNone/>
+              <a:defRPr/>
+            </a:pPr>
+            <a:r>
+              <a:rPr lang="en-US" altLang="zh-CN" dirty="0" smtClean="0"/>
+              <a:t>Section 11.5</a:t>
+            </a:r>
+            <a:endParaRPr lang="zh-CN" altLang="en-US" dirty="0"/>
           </a:p>
         </p:txBody>
       </p:sp>
@@ -34586,7 +34666,7 @@
       </p:sp>
       <p:sp>
         <p:nvSpPr>
-          <p:cNvPr id="61444" name="Slide Number Placeholder 4"/>
+          <p:cNvPr id="16388" name="Slide Number Placeholder 4"/>
           <p:cNvSpPr>
             <a:spLocks noGrp="1"/>
           </p:cNvSpPr>
@@ -34796,7 +34876,7 @@
               <a:buFontTx/>
               <a:buNone/>
             </a:pPr>
-            <a:fld id="{6AD483EF-C30D-DC4D-9CD1-A383BD1ECD3B}" type="slidenum">
+            <a:fld id="{B6273DB3-E3C6-9D48-AF44-904BB0610B93}" type="slidenum">
               <a:rPr lang="zh-CN" altLang="en-US" sz="1200">
                 <a:solidFill>
                   <a:srgbClr val="B4B1A0"/>
@@ -34822,6 +34902,11 @@
         </p:txBody>
       </p:sp>
     </p:spTree>
+    <p:extLst>
+      <p:ext uri="{BB962C8B-B14F-4D97-AF65-F5344CB8AC3E}">
+        <p14:creationId xmlns:p14="http://schemas.microsoft.com/office/powerpoint/2010/main" val="1730809678"/>
+      </p:ext>
+    </p:extLst>
   </p:cSld>
   <p:clrMapOvr>
     <a:masterClrMapping/>
@@ -34865,19 +34950,25 @@
         </p:nvSpPr>
         <p:spPr/>
         <p:txBody>
-          <a:bodyPr/>
+          <a:bodyPr>
+            <a:noAutofit/>
+          </a:bodyPr>
           <a:lstStyle/>
           <a:p>
             <a:pPr eaLnBrk="1" hangingPunct="1">
               <a:defRPr/>
             </a:pPr>
-            <a:endParaRPr lang="zh-CN" altLang="en-US"/>
+            <a:r>
+              <a:rPr lang="en-US" altLang="zh-CN" sz="2800" dirty="0" smtClean="0"/>
+              <a:t>11.5 Optimistic Concurrency Control Algorithms</a:t>
+            </a:r>
+            <a:endParaRPr lang="zh-CN" altLang="en-US" sz="2800" dirty="0"/>
           </a:p>
         </p:txBody>
       </p:sp>
       <p:sp>
         <p:nvSpPr>
-          <p:cNvPr id="62466" name="Content Placeholder 2"/>
+          <p:cNvPr id="17410" name="Content Placeholder 2"/>
           <p:cNvSpPr>
             <a:spLocks noGrp="1"/>
           </p:cNvSpPr>
@@ -34885,17 +34976,69 @@
             <p:ph idx="1"/>
           </p:nvPr>
         </p:nvSpPr>
-        <p:spPr/>
+        <p:spPr>
+          <a:xfrm>
+            <a:off x="1435100" y="1447800"/>
+            <a:ext cx="3422650" cy="4800600"/>
+          </a:xfrm>
+        </p:spPr>
         <p:txBody>
           <a:bodyPr/>
           <a:lstStyle/>
           <a:p>
             <a:pPr eaLnBrk="1" hangingPunct="1"/>
-            <a:r>
-              <a:rPr lang="en-US" altLang="zh-CN"/>
-              <a:t>To be continued…</a:t>
-            </a:r>
-            <a:endParaRPr lang="zh-CN" altLang="en-US"/>
+            <a:endParaRPr lang="en-US" altLang="zh-CN" sz="2400"/>
+          </a:p>
+          <a:p>
+            <a:pPr eaLnBrk="1" hangingPunct="1"/>
+            <a:r>
+              <a:rPr lang="en-US" altLang="zh-CN" sz="2400"/>
+              <a:t>Pessimistic algorithms assume conflicts happen </a:t>
+            </a:r>
+            <a:r>
+              <a:rPr lang="en-US" altLang="zh-CN" sz="2400">
+                <a:solidFill>
+                  <a:srgbClr val="FF0000"/>
+                </a:solidFill>
+              </a:rPr>
+              <a:t>quite often</a:t>
+            </a:r>
+            <a:r>
+              <a:rPr lang="en-US" altLang="zh-CN" sz="2400"/>
+              <a:t>.</a:t>
+            </a:r>
+          </a:p>
+          <a:p>
+            <a:pPr eaLnBrk="1" hangingPunct="1"/>
+            <a:endParaRPr lang="en-US" altLang="zh-CN" sz="2400"/>
+          </a:p>
+          <a:p>
+            <a:pPr eaLnBrk="1" hangingPunct="1"/>
+            <a:endParaRPr lang="en-US" altLang="zh-CN" sz="2400"/>
+          </a:p>
+          <a:p>
+            <a:pPr eaLnBrk="1" hangingPunct="1"/>
+            <a:r>
+              <a:rPr lang="en-US" altLang="zh-CN" sz="2400"/>
+              <a:t>Optimistic algorithms </a:t>
+            </a:r>
+            <a:r>
+              <a:rPr lang="en-US" altLang="zh-CN" sz="2400">
+                <a:solidFill>
+                  <a:srgbClr val="FF0000"/>
+                </a:solidFill>
+              </a:rPr>
+              <a:t>delay the validation phase </a:t>
+            </a:r>
+            <a:r>
+              <a:rPr lang="en-US" altLang="zh-CN" sz="2400"/>
+              <a:t>until write phase.</a:t>
+            </a:r>
+            <a:endParaRPr lang="zh-CN" altLang="en-US" sz="2400"/>
+          </a:p>
+          <a:p>
+            <a:pPr eaLnBrk="1" hangingPunct="1"/>
+            <a:endParaRPr lang="en-US" altLang="zh-CN" sz="2400"/>
           </a:p>
         </p:txBody>
       </p:sp>
@@ -34927,7 +35070,7 @@
       </p:sp>
       <p:sp>
         <p:nvSpPr>
-          <p:cNvPr id="62468" name="Slide Number Placeholder 4"/>
+          <p:cNvPr id="17412" name="Slide Number Placeholder 4"/>
           <p:cNvSpPr>
             <a:spLocks noGrp="1"/>
           </p:cNvSpPr>
@@ -35137,7 +35280,7 @@
               <a:buFontTx/>
               <a:buNone/>
             </a:pPr>
-            <a:fld id="{F724CA48-29C8-2543-BDB1-F9EBB3B7FB91}" type="slidenum">
+            <a:fld id="{515F7144-95BD-1C42-AA7E-11BA57E3FA8B}" type="slidenum">
               <a:rPr lang="zh-CN" altLang="en-US" sz="1200">
                 <a:solidFill>
                   <a:srgbClr val="B4B1A0"/>
@@ -35162,7 +35305,2903 @@
           </a:p>
         </p:txBody>
       </p:sp>
+      <p:pic>
+        <p:nvPicPr>
+          <p:cNvPr id="17413" name="Picture 2"/>
+          <p:cNvPicPr>
+            <a:picLocks noChangeAspect="1" noChangeArrowheads="1"/>
+          </p:cNvPicPr>
+          <p:nvPr/>
+        </p:nvPicPr>
+        <p:blipFill>
+          <a:blip r:embed="rId2">
+            <a:extLst>
+              <a:ext uri="{28A0092B-C50C-407E-A947-70E740481C1C}">
+                <a14:useLocalDpi xmlns:a14="http://schemas.microsoft.com/office/drawing/2010/main" val="0"/>
+              </a:ext>
+            </a:extLst>
+          </a:blip>
+          <a:srcRect/>
+          <a:stretch>
+            <a:fillRect/>
+          </a:stretch>
+        </p:blipFill>
+        <p:spPr bwMode="auto">
+          <a:xfrm>
+            <a:off x="4857750" y="2000250"/>
+            <a:ext cx="4100513" cy="1357313"/>
+          </a:xfrm>
+          <a:prstGeom prst="rect">
+            <a:avLst/>
+          </a:prstGeom>
+          <a:noFill/>
+          <a:ln>
+            <a:noFill/>
+          </a:ln>
+          <a:extLst>
+            <a:ext uri="{909E8E84-426E-40DD-AFC4-6F175D3DCCD1}">
+              <a14:hiddenFill xmlns:a14="http://schemas.microsoft.com/office/drawing/2010/main">
+                <a:solidFill>
+                  <a:srgbClr val="FFFFFF"/>
+                </a:solidFill>
+              </a14:hiddenFill>
+            </a:ext>
+            <a:ext uri="{91240B29-F687-4F45-9708-019B960494DF}">
+              <a14:hiddenLine xmlns:a14="http://schemas.microsoft.com/office/drawing/2010/main" w="9525">
+                <a:solidFill>
+                  <a:srgbClr val="000000"/>
+                </a:solidFill>
+                <a:miter lim="800000"/>
+                <a:headEnd/>
+                <a:tailEnd/>
+              </a14:hiddenLine>
+            </a:ext>
+          </a:extLst>
+        </p:spPr>
+      </p:pic>
+      <p:pic>
+        <p:nvPicPr>
+          <p:cNvPr id="17414" name="Picture 3"/>
+          <p:cNvPicPr>
+            <a:picLocks noChangeAspect="1" noChangeArrowheads="1"/>
+          </p:cNvPicPr>
+          <p:nvPr/>
+        </p:nvPicPr>
+        <p:blipFill>
+          <a:blip r:embed="rId3">
+            <a:extLst>
+              <a:ext uri="{28A0092B-C50C-407E-A947-70E740481C1C}">
+                <a14:useLocalDpi xmlns:a14="http://schemas.microsoft.com/office/drawing/2010/main" val="0"/>
+              </a:ext>
+            </a:extLst>
+          </a:blip>
+          <a:srcRect/>
+          <a:stretch>
+            <a:fillRect/>
+          </a:stretch>
+        </p:blipFill>
+        <p:spPr bwMode="auto">
+          <a:xfrm>
+            <a:off x="4710113" y="4000500"/>
+            <a:ext cx="4362450" cy="1819275"/>
+          </a:xfrm>
+          <a:prstGeom prst="rect">
+            <a:avLst/>
+          </a:prstGeom>
+          <a:noFill/>
+          <a:ln>
+            <a:noFill/>
+          </a:ln>
+          <a:extLst>
+            <a:ext uri="{909E8E84-426E-40DD-AFC4-6F175D3DCCD1}">
+              <a14:hiddenFill xmlns:a14="http://schemas.microsoft.com/office/drawing/2010/main">
+                <a:solidFill>
+                  <a:srgbClr val="FFFFFF"/>
+                </a:solidFill>
+              </a14:hiddenFill>
+            </a:ext>
+            <a:ext uri="{91240B29-F687-4F45-9708-019B960494DF}">
+              <a14:hiddenLine xmlns:a14="http://schemas.microsoft.com/office/drawing/2010/main" w="9525">
+                <a:solidFill>
+                  <a:srgbClr val="000000"/>
+                </a:solidFill>
+                <a:miter lim="800000"/>
+                <a:headEnd/>
+                <a:tailEnd/>
+              </a14:hiddenLine>
+            </a:ext>
+          </a:extLst>
+        </p:spPr>
+      </p:pic>
     </p:spTree>
+    <p:extLst>
+      <p:ext uri="{BB962C8B-B14F-4D97-AF65-F5344CB8AC3E}">
+        <p14:creationId xmlns:p14="http://schemas.microsoft.com/office/powerpoint/2010/main" val="1362162110"/>
+      </p:ext>
+    </p:extLst>
+  </p:cSld>
+  <p:clrMapOvr>
+    <a:masterClrMapping/>
+  </p:clrMapOvr>
+  <p:timing>
+    <p:tnLst>
+      <p:par>
+        <p:cTn id="1" dur="indefinite" restart="never" nodeType="tmRoot"/>
+      </p:par>
+    </p:tnLst>
+  </p:timing>
+</p:sld>
+</file>
+
+<file path=ppt/slides/slide65.xml><?xml version="1.0" encoding="utf-8"?>
+<p:sld xmlns:a="http://schemas.openxmlformats.org/drawingml/2006/main" xmlns:r="http://schemas.openxmlformats.org/officeDocument/2006/relationships" xmlns:p="http://schemas.openxmlformats.org/presentationml/2006/main">
+  <p:cSld>
+    <p:spTree>
+      <p:nvGrpSpPr>
+        <p:cNvPr id="1" name=""/>
+        <p:cNvGrpSpPr/>
+        <p:nvPr/>
+      </p:nvGrpSpPr>
+      <p:grpSpPr>
+        <a:xfrm>
+          <a:off x="0" y="0"/>
+          <a:ext cx="0" cy="0"/>
+          <a:chOff x="0" y="0"/>
+          <a:chExt cx="0" cy="0"/>
+        </a:xfrm>
+      </p:grpSpPr>
+      <p:sp>
+        <p:nvSpPr>
+          <p:cNvPr id="2" name="Title 1"/>
+          <p:cNvSpPr>
+            <a:spLocks noGrp="1"/>
+          </p:cNvSpPr>
+          <p:nvPr>
+            <p:ph type="title"/>
+          </p:nvPr>
+        </p:nvSpPr>
+        <p:spPr/>
+        <p:txBody>
+          <a:bodyPr/>
+          <a:lstStyle/>
+          <a:p>
+            <a:pPr eaLnBrk="1" hangingPunct="1">
+              <a:defRPr/>
+            </a:pPr>
+            <a:r>
+              <a:rPr lang="en-US" dirty="0" smtClean="0"/>
+              <a:t>Concepts</a:t>
+            </a:r>
+            <a:endParaRPr lang="zh-CN" altLang="en-US" dirty="0"/>
+          </a:p>
+        </p:txBody>
+      </p:sp>
+      <p:sp>
+        <p:nvSpPr>
+          <p:cNvPr id="18434" name="Content Placeholder 2"/>
+          <p:cNvSpPr>
+            <a:spLocks noGrp="1"/>
+          </p:cNvSpPr>
+          <p:nvPr>
+            <p:ph idx="1"/>
+          </p:nvPr>
+        </p:nvSpPr>
+        <p:spPr/>
+        <p:txBody>
+          <a:bodyPr/>
+          <a:lstStyle/>
+          <a:p>
+            <a:pPr eaLnBrk="1" hangingPunct="1"/>
+            <a:r>
+              <a:rPr lang="en-US" altLang="zh-CN"/>
+              <a:t>Timestamps are only associated with transactions, but not with data items.</a:t>
+            </a:r>
+            <a:endParaRPr lang="zh-CN" altLang="en-US"/>
+          </a:p>
+          <a:p>
+            <a:pPr eaLnBrk="1" hangingPunct="1"/>
+            <a:r>
+              <a:rPr lang="en-US" altLang="zh-CN"/>
+              <a:t>Timestamps are assigned at the beginning of validation phase, but not the initialization of transactions.</a:t>
+            </a:r>
+          </a:p>
+        </p:txBody>
+      </p:sp>
+      <p:sp>
+        <p:nvSpPr>
+          <p:cNvPr id="4" name="Footer Placeholder 3"/>
+          <p:cNvSpPr>
+            <a:spLocks noGrp="1"/>
+          </p:cNvSpPr>
+          <p:nvPr>
+            <p:ph type="ftr" sz="quarter" idx="11"/>
+          </p:nvPr>
+        </p:nvSpPr>
+        <p:spPr/>
+        <p:txBody>
+          <a:bodyPr/>
+          <a:lstStyle/>
+          <a:p>
+            <a:pPr>
+              <a:defRPr/>
+            </a:pPr>
+            <a:r>
+              <a:rPr lang="en-US" altLang="zh-CN" smtClean="0"/>
+              <a:t>Distributed Database Systems</a:t>
+            </a:r>
+            <a:endParaRPr lang="zh-CN" altLang="en-US"/>
+          </a:p>
+        </p:txBody>
+      </p:sp>
+      <p:sp>
+        <p:nvSpPr>
+          <p:cNvPr id="18436" name="Slide Number Placeholder 4"/>
+          <p:cNvSpPr>
+            <a:spLocks noGrp="1"/>
+          </p:cNvSpPr>
+          <p:nvPr>
+            <p:ph type="sldNum" sz="quarter" idx="12"/>
+          </p:nvPr>
+        </p:nvSpPr>
+        <p:spPr bwMode="auto">
+          <a:noFill/>
+          <a:extLst>
+            <a:ext uri="{909E8E84-426E-40DD-AFC4-6F175D3DCCD1}">
+              <a14:hiddenFill xmlns:a14="http://schemas.microsoft.com/office/drawing/2010/main">
+                <a:solidFill>
+                  <a:srgbClr val="FFFFFF"/>
+                </a:solidFill>
+              </a14:hiddenFill>
+            </a:ext>
+            <a:ext uri="{91240B29-F687-4F45-9708-019B960494DF}">
+              <a14:hiddenLine xmlns:a14="http://schemas.microsoft.com/office/drawing/2010/main" w="9525">
+                <a:solidFill>
+                  <a:srgbClr val="000000"/>
+                </a:solidFill>
+                <a:miter lim="800000"/>
+                <a:headEnd/>
+                <a:tailEnd/>
+              </a14:hiddenLine>
+            </a:ext>
+          </a:extLst>
+        </p:spPr>
+        <p:txBody>
+          <a:bodyPr/>
+          <a:lstStyle>
+            <a:lvl1pPr>
+              <a:spcBef>
+                <a:spcPts val="600"/>
+              </a:spcBef>
+              <a:buClr>
+                <a:schemeClr val="accent1"/>
+              </a:buClr>
+              <a:buSzPct val="80000"/>
+              <a:buFont typeface="Wingdings 2" charset="2"/>
+              <a:buChar char=""/>
+              <a:defRPr sz="3200">
+                <a:solidFill>
+                  <a:schemeClr val="tx1"/>
+                </a:solidFill>
+                <a:latin typeface="Gill Sans MT" charset="0"/>
+                <a:ea typeface="华文中宋" charset="-122"/>
+              </a:defRPr>
+            </a:lvl1pPr>
+            <a:lvl2pPr marL="742950" indent="-285750">
+              <a:spcBef>
+                <a:spcPts val="550"/>
+              </a:spcBef>
+              <a:buClr>
+                <a:schemeClr val="accent1"/>
+              </a:buClr>
+              <a:buFont typeface="Verdana" charset="0"/>
+              <a:buChar char="◦"/>
+              <a:defRPr sz="2800">
+                <a:solidFill>
+                  <a:schemeClr val="tx1"/>
+                </a:solidFill>
+                <a:latin typeface="Gill Sans MT" charset="0"/>
+                <a:ea typeface="华文中宋" charset="-122"/>
+              </a:defRPr>
+            </a:lvl2pPr>
+            <a:lvl3pPr marL="1143000" indent="-228600">
+              <a:spcBef>
+                <a:spcPct val="20000"/>
+              </a:spcBef>
+              <a:buClr>
+                <a:schemeClr val="accent2"/>
+              </a:buClr>
+              <a:buFont typeface="Wingdings 2" charset="2"/>
+              <a:buChar char=""/>
+              <a:defRPr sz="2400">
+                <a:solidFill>
+                  <a:schemeClr val="tx1"/>
+                </a:solidFill>
+                <a:latin typeface="Gill Sans MT" charset="0"/>
+                <a:ea typeface="华文中宋" charset="-122"/>
+              </a:defRPr>
+            </a:lvl3pPr>
+            <a:lvl4pPr marL="1600200" indent="-228600">
+              <a:spcBef>
+                <a:spcPct val="20000"/>
+              </a:spcBef>
+              <a:buClr>
+                <a:srgbClr val="9BBB59"/>
+              </a:buClr>
+              <a:buFont typeface="Wingdings 2" charset="2"/>
+              <a:buChar char=""/>
+              <a:defRPr sz="2000">
+                <a:solidFill>
+                  <a:schemeClr val="tx1"/>
+                </a:solidFill>
+                <a:latin typeface="Gill Sans MT" charset="0"/>
+                <a:ea typeface="华文中宋" charset="-122"/>
+              </a:defRPr>
+            </a:lvl4pPr>
+            <a:lvl5pPr marL="2057400" indent="-228600">
+              <a:spcBef>
+                <a:spcPct val="20000"/>
+              </a:spcBef>
+              <a:buClr>
+                <a:srgbClr val="8064A2"/>
+              </a:buClr>
+              <a:buFont typeface="Wingdings 2" charset="2"/>
+              <a:buChar char=""/>
+              <a:defRPr sz="2000">
+                <a:solidFill>
+                  <a:schemeClr val="tx1"/>
+                </a:solidFill>
+                <a:latin typeface="Gill Sans MT" charset="0"/>
+                <a:ea typeface="华文中宋" charset="-122"/>
+              </a:defRPr>
+            </a:lvl5pPr>
+            <a:lvl6pPr marL="2514600" indent="-228600" eaLnBrk="0" fontAlgn="base" hangingPunct="0">
+              <a:spcBef>
+                <a:spcPct val="20000"/>
+              </a:spcBef>
+              <a:spcAft>
+                <a:spcPct val="0"/>
+              </a:spcAft>
+              <a:buClr>
+                <a:srgbClr val="8064A2"/>
+              </a:buClr>
+              <a:buFont typeface="Wingdings 2" charset="2"/>
+              <a:buChar char=""/>
+              <a:defRPr sz="2000">
+                <a:solidFill>
+                  <a:schemeClr val="tx1"/>
+                </a:solidFill>
+                <a:latin typeface="Gill Sans MT" charset="0"/>
+                <a:ea typeface="华文中宋" charset="-122"/>
+              </a:defRPr>
+            </a:lvl6pPr>
+            <a:lvl7pPr marL="2971800" indent="-228600" eaLnBrk="0" fontAlgn="base" hangingPunct="0">
+              <a:spcBef>
+                <a:spcPct val="20000"/>
+              </a:spcBef>
+              <a:spcAft>
+                <a:spcPct val="0"/>
+              </a:spcAft>
+              <a:buClr>
+                <a:srgbClr val="8064A2"/>
+              </a:buClr>
+              <a:buFont typeface="Wingdings 2" charset="2"/>
+              <a:buChar char=""/>
+              <a:defRPr sz="2000">
+                <a:solidFill>
+                  <a:schemeClr val="tx1"/>
+                </a:solidFill>
+                <a:latin typeface="Gill Sans MT" charset="0"/>
+                <a:ea typeface="华文中宋" charset="-122"/>
+              </a:defRPr>
+            </a:lvl7pPr>
+            <a:lvl8pPr marL="3429000" indent="-228600" eaLnBrk="0" fontAlgn="base" hangingPunct="0">
+              <a:spcBef>
+                <a:spcPct val="20000"/>
+              </a:spcBef>
+              <a:spcAft>
+                <a:spcPct val="0"/>
+              </a:spcAft>
+              <a:buClr>
+                <a:srgbClr val="8064A2"/>
+              </a:buClr>
+              <a:buFont typeface="Wingdings 2" charset="2"/>
+              <a:buChar char=""/>
+              <a:defRPr sz="2000">
+                <a:solidFill>
+                  <a:schemeClr val="tx1"/>
+                </a:solidFill>
+                <a:latin typeface="Gill Sans MT" charset="0"/>
+                <a:ea typeface="华文中宋" charset="-122"/>
+              </a:defRPr>
+            </a:lvl8pPr>
+            <a:lvl9pPr marL="3886200" indent="-228600" eaLnBrk="0" fontAlgn="base" hangingPunct="0">
+              <a:spcBef>
+                <a:spcPct val="20000"/>
+              </a:spcBef>
+              <a:spcAft>
+                <a:spcPct val="0"/>
+              </a:spcAft>
+              <a:buClr>
+                <a:srgbClr val="8064A2"/>
+              </a:buClr>
+              <a:buFont typeface="Wingdings 2" charset="2"/>
+              <a:buChar char=""/>
+              <a:defRPr sz="2000">
+                <a:solidFill>
+                  <a:schemeClr val="tx1"/>
+                </a:solidFill>
+                <a:latin typeface="Gill Sans MT" charset="0"/>
+                <a:ea typeface="华文中宋" charset="-122"/>
+              </a:defRPr>
+            </a:lvl9pPr>
+          </a:lstStyle>
+          <a:p>
+            <a:pPr>
+              <a:spcBef>
+                <a:spcPct val="0"/>
+              </a:spcBef>
+              <a:buClrTx/>
+              <a:buSzTx/>
+              <a:buFontTx/>
+              <a:buNone/>
+            </a:pPr>
+            <a:fld id="{1EF01823-AA7B-A140-B972-D587728AFE7E}" type="slidenum">
+              <a:rPr lang="zh-CN" altLang="en-US" sz="1200">
+                <a:solidFill>
+                  <a:srgbClr val="B4B1A0"/>
+                </a:solidFill>
+              </a:rPr>
+              <a:pPr>
+                <a:spcBef>
+                  <a:spcPct val="0"/>
+                </a:spcBef>
+                <a:buClrTx/>
+                <a:buSzTx/>
+                <a:buFontTx/>
+                <a:buNone/>
+              </a:pPr>
+              <a:t>65</a:t>
+            </a:fld>
+            <a:endParaRPr lang="zh-CN" altLang="en-US" sz="1200">
+              <a:solidFill>
+                <a:srgbClr val="B4B1A0"/>
+              </a:solidFill>
+            </a:endParaRPr>
+          </a:p>
+        </p:txBody>
+      </p:sp>
+      <p:graphicFrame>
+        <p:nvGraphicFramePr>
+          <p:cNvPr id="6" name="Table 5"/>
+          <p:cNvGraphicFramePr>
+            <a:graphicFrameLocks noGrp="1"/>
+          </p:cNvGraphicFramePr>
+          <p:nvPr/>
+        </p:nvGraphicFramePr>
+        <p:xfrm>
+          <a:off x="1857375" y="4357688"/>
+          <a:ext cx="6929438" cy="1571625"/>
+        </p:xfrm>
+        <a:graphic>
+          <a:graphicData uri="http://schemas.openxmlformats.org/drawingml/2006/table">
+            <a:tbl>
+              <a:tblPr firstRow="1" bandRow="1">
+                <a:tableStyleId>{2D5ABB26-0587-4C30-8999-92F81FD0307C}</a:tableStyleId>
+              </a:tblPr>
+              <a:tblGrid>
+                <a:gridCol w="642938"/>
+                <a:gridCol w="6286500"/>
+              </a:tblGrid>
+              <a:tr h="556617">
+                <a:tc>
+                  <a:txBody>
+                    <a:bodyPr/>
+                    <a:lstStyle/>
+                    <a:p>
+                      <a:r>
+                        <a:rPr lang="en-US" altLang="zh-CN" sz="2800" b="1" i="1" dirty="0" smtClean="0">
+                          <a:latin typeface="Times New Roman" pitchFamily="18" charset="0"/>
+                          <a:cs typeface="Times New Roman" pitchFamily="18" charset="0"/>
+                        </a:rPr>
+                        <a:t>T</a:t>
+                      </a:r>
+                      <a:r>
+                        <a:rPr lang="en-US" altLang="zh-CN" sz="2800" b="1" i="1" baseline="-25000" dirty="0" smtClean="0">
+                          <a:latin typeface="Times New Roman" pitchFamily="18" charset="0"/>
+                          <a:cs typeface="Times New Roman" pitchFamily="18" charset="0"/>
+                        </a:rPr>
+                        <a:t>i</a:t>
+                      </a:r>
+                      <a:endParaRPr lang="zh-CN" altLang="en-US" sz="2800" b="1" baseline="-25000" dirty="0"/>
+                    </a:p>
+                  </a:txBody>
+                  <a:tcPr marL="91439" marR="91439"/>
+                </a:tc>
+                <a:tc>
+                  <a:txBody>
+                    <a:bodyPr/>
+                    <a:lstStyle/>
+                    <a:p>
+                      <a:r>
+                        <a:rPr lang="en-US" altLang="zh-CN" sz="2800" b="0" dirty="0" smtClean="0"/>
+                        <a:t>A transaction</a:t>
+                      </a:r>
+                      <a:endParaRPr lang="zh-CN" altLang="en-US" sz="2800" b="0" dirty="0"/>
+                    </a:p>
+                  </a:txBody>
+                  <a:tcPr marL="91439" marR="91439"/>
+                </a:tc>
+              </a:tr>
+              <a:tr h="1015008">
+                <a:tc>
+                  <a:txBody>
+                    <a:bodyPr/>
+                    <a:lstStyle/>
+                    <a:p>
+                      <a:r>
+                        <a:rPr lang="en-US" altLang="zh-CN" sz="2800" b="1" i="1" dirty="0" err="1" smtClean="0">
+                          <a:latin typeface="Times New Roman" pitchFamily="18" charset="0"/>
+                          <a:cs typeface="Times New Roman" pitchFamily="18" charset="0"/>
+                        </a:rPr>
+                        <a:t>T</a:t>
+                      </a:r>
+                      <a:r>
+                        <a:rPr lang="en-US" altLang="zh-CN" sz="2800" b="1" i="1" baseline="-25000" dirty="0" err="1" smtClean="0">
+                          <a:latin typeface="Times New Roman" pitchFamily="18" charset="0"/>
+                          <a:cs typeface="Times New Roman" pitchFamily="18" charset="0"/>
+                        </a:rPr>
+                        <a:t>ij</a:t>
+                      </a:r>
+                      <a:endParaRPr lang="zh-CN" altLang="en-US" sz="2800" b="1" baseline="-25000" dirty="0"/>
+                    </a:p>
+                  </a:txBody>
+                  <a:tcPr marL="91439" marR="91439"/>
+                </a:tc>
+                <a:tc>
+                  <a:txBody>
+                    <a:bodyPr/>
+                    <a:lstStyle/>
+                    <a:p>
+                      <a:r>
+                        <a:rPr lang="en-US" altLang="zh-CN" sz="2800" b="0" dirty="0" smtClean="0"/>
+                        <a:t>a sub-transaction of </a:t>
+                      </a:r>
+                      <a:r>
+                        <a:rPr lang="en-US" altLang="zh-CN" sz="2800" b="1" i="1" dirty="0" smtClean="0">
+                          <a:latin typeface="Times New Roman" pitchFamily="18" charset="0"/>
+                          <a:cs typeface="Times New Roman" pitchFamily="18" charset="0"/>
+                        </a:rPr>
+                        <a:t>T</a:t>
+                      </a:r>
+                      <a:r>
+                        <a:rPr lang="en-US" altLang="zh-CN" sz="2800" b="1" i="1" baseline="-25000" dirty="0" smtClean="0">
+                          <a:latin typeface="Times New Roman" pitchFamily="18" charset="0"/>
+                          <a:cs typeface="Times New Roman" pitchFamily="18" charset="0"/>
+                        </a:rPr>
+                        <a:t>i</a:t>
+                      </a:r>
+                      <a:r>
+                        <a:rPr lang="en-US" altLang="zh-CN" sz="2800" b="1" dirty="0" smtClean="0"/>
+                        <a:t> </a:t>
+                      </a:r>
+                      <a:r>
+                        <a:rPr lang="en-US" altLang="zh-CN" sz="2800" b="0" dirty="0" smtClean="0"/>
+                        <a:t>executed at site </a:t>
+                      </a:r>
+                      <a:r>
+                        <a:rPr lang="en-US" altLang="zh-CN" sz="2800" b="1" i="1" dirty="0" smtClean="0">
+                          <a:latin typeface="Times New Roman" pitchFamily="18" charset="0"/>
+                          <a:cs typeface="Times New Roman" pitchFamily="18" charset="0"/>
+                        </a:rPr>
+                        <a:t>j</a:t>
+                      </a:r>
+                      <a:endParaRPr lang="zh-CN" altLang="en-US" sz="2800" b="1" dirty="0"/>
+                    </a:p>
+                  </a:txBody>
+                  <a:tcPr marL="91439" marR="91439"/>
+                </a:tc>
+              </a:tr>
+            </a:tbl>
+          </a:graphicData>
+        </a:graphic>
+      </p:graphicFrame>
+    </p:spTree>
+    <p:extLst>
+      <p:ext uri="{BB962C8B-B14F-4D97-AF65-F5344CB8AC3E}">
+        <p14:creationId xmlns:p14="http://schemas.microsoft.com/office/powerpoint/2010/main" val="541662732"/>
+      </p:ext>
+    </p:extLst>
+  </p:cSld>
+  <p:clrMapOvr>
+    <a:masterClrMapping/>
+  </p:clrMapOvr>
+  <p:timing>
+    <p:tnLst>
+      <p:par>
+        <p:cTn id="1" dur="indefinite" restart="never" nodeType="tmRoot"/>
+      </p:par>
+    </p:tnLst>
+  </p:timing>
+</p:sld>
+</file>
+
+<file path=ppt/slides/slide66.xml><?xml version="1.0" encoding="utf-8"?>
+<p:sld xmlns:a="http://schemas.openxmlformats.org/drawingml/2006/main" xmlns:r="http://schemas.openxmlformats.org/officeDocument/2006/relationships" xmlns:p="http://schemas.openxmlformats.org/presentationml/2006/main">
+  <p:cSld>
+    <p:spTree>
+      <p:nvGrpSpPr>
+        <p:cNvPr id="1" name=""/>
+        <p:cNvGrpSpPr/>
+        <p:nvPr/>
+      </p:nvGrpSpPr>
+      <p:grpSpPr>
+        <a:xfrm>
+          <a:off x="0" y="0"/>
+          <a:ext cx="0" cy="0"/>
+          <a:chOff x="0" y="0"/>
+          <a:chExt cx="0" cy="0"/>
+        </a:xfrm>
+      </p:grpSpPr>
+      <p:sp>
+        <p:nvSpPr>
+          <p:cNvPr id="2" name="Title 1"/>
+          <p:cNvSpPr>
+            <a:spLocks noGrp="1"/>
+          </p:cNvSpPr>
+          <p:nvPr>
+            <p:ph type="title"/>
+          </p:nvPr>
+        </p:nvSpPr>
+        <p:spPr/>
+        <p:txBody>
+          <a:bodyPr/>
+          <a:lstStyle/>
+          <a:p>
+            <a:pPr eaLnBrk="1" hangingPunct="1">
+              <a:defRPr/>
+            </a:pPr>
+            <a:r>
+              <a:rPr lang="en-US" altLang="zh-CN" dirty="0" smtClean="0"/>
+              <a:t>Local validation of</a:t>
+            </a:r>
+            <a:r>
+              <a:rPr lang="en-US" altLang="zh-CN" sz="4400" i="1" dirty="0" smtClean="0">
+                <a:latin typeface="Times New Roman" pitchFamily="18" charset="0"/>
+                <a:cs typeface="Times New Roman" pitchFamily="18" charset="0"/>
+              </a:rPr>
+              <a:t> </a:t>
+            </a:r>
+            <a:r>
+              <a:rPr lang="en-US" altLang="zh-CN" sz="4400" i="1" dirty="0" err="1" smtClean="0">
+                <a:latin typeface="Times New Roman" pitchFamily="18" charset="0"/>
+                <a:cs typeface="Times New Roman" pitchFamily="18" charset="0"/>
+              </a:rPr>
+              <a:t>T</a:t>
+            </a:r>
+            <a:r>
+              <a:rPr lang="en-US" altLang="zh-CN" sz="4400" i="1" baseline="-25000" dirty="0" err="1" smtClean="0">
+                <a:latin typeface="Times New Roman" pitchFamily="18" charset="0"/>
+                <a:cs typeface="Times New Roman" pitchFamily="18" charset="0"/>
+              </a:rPr>
+              <a:t>ij</a:t>
+            </a:r>
+            <a:r>
+              <a:rPr lang="en-US" altLang="zh-CN" dirty="0" smtClean="0"/>
+              <a:t> – Rule 1</a:t>
+            </a:r>
+            <a:endParaRPr lang="zh-CN" altLang="en-US" dirty="0"/>
+          </a:p>
+        </p:txBody>
+      </p:sp>
+      <p:sp>
+        <p:nvSpPr>
+          <p:cNvPr id="19458" name="Content Placeholder 2"/>
+          <p:cNvSpPr>
+            <a:spLocks noGrp="1"/>
+          </p:cNvSpPr>
+          <p:nvPr>
+            <p:ph idx="1"/>
+          </p:nvPr>
+        </p:nvSpPr>
+        <p:spPr/>
+        <p:txBody>
+          <a:bodyPr/>
+          <a:lstStyle/>
+          <a:p>
+            <a:pPr eaLnBrk="1" hangingPunct="1"/>
+            <a:r>
+              <a:rPr lang="en-US" altLang="zh-CN"/>
+              <a:t>If all </a:t>
+            </a:r>
+            <a:r>
+              <a:rPr lang="en-US" altLang="zh-CN" i="1">
+                <a:latin typeface="Times New Roman" charset="0"/>
+              </a:rPr>
+              <a:t>T</a:t>
+            </a:r>
+            <a:r>
+              <a:rPr lang="en-US" altLang="zh-CN" i="1" baseline="-25000">
+                <a:latin typeface="Times New Roman" charset="0"/>
+              </a:rPr>
+              <a:t>k</a:t>
+            </a:r>
+            <a:r>
+              <a:rPr lang="en-US" altLang="zh-CN"/>
+              <a:t> with </a:t>
+            </a:r>
+            <a:r>
+              <a:rPr lang="en-US" altLang="zh-CN" i="1">
+                <a:latin typeface="Times New Roman" charset="0"/>
+              </a:rPr>
+              <a:t>ts</a:t>
+            </a:r>
+            <a:r>
+              <a:rPr lang="en-US" altLang="zh-CN">
+                <a:latin typeface="Times New Roman" charset="0"/>
+              </a:rPr>
+              <a:t>(</a:t>
+            </a:r>
+            <a:r>
+              <a:rPr lang="en-US" altLang="zh-CN" i="1">
+                <a:latin typeface="Times New Roman" charset="0"/>
+              </a:rPr>
+              <a:t>T</a:t>
+            </a:r>
+            <a:r>
+              <a:rPr lang="en-US" altLang="zh-CN" i="1" baseline="-25000">
+                <a:latin typeface="Times New Roman" charset="0"/>
+              </a:rPr>
+              <a:t>k</a:t>
+            </a:r>
+            <a:r>
+              <a:rPr lang="en-US" altLang="zh-CN">
+                <a:latin typeface="Times New Roman" charset="0"/>
+              </a:rPr>
+              <a:t>) &lt; </a:t>
+            </a:r>
+            <a:r>
+              <a:rPr lang="en-US" altLang="zh-CN" i="1">
+                <a:latin typeface="Times New Roman" charset="0"/>
+              </a:rPr>
+              <a:t>ts</a:t>
+            </a:r>
+            <a:r>
+              <a:rPr lang="en-US" altLang="zh-CN">
+                <a:latin typeface="Times New Roman" charset="0"/>
+              </a:rPr>
+              <a:t>(</a:t>
+            </a:r>
+            <a:r>
+              <a:rPr lang="en-US" altLang="zh-CN" i="1">
+                <a:latin typeface="Times New Roman" charset="0"/>
+              </a:rPr>
+              <a:t>T</a:t>
+            </a:r>
+            <a:r>
+              <a:rPr lang="en-US" altLang="zh-CN" i="1" baseline="-25000">
+                <a:latin typeface="Times New Roman" charset="0"/>
+              </a:rPr>
+              <a:t>ij</a:t>
+            </a:r>
+            <a:r>
+              <a:rPr lang="en-US" altLang="zh-CN">
+                <a:latin typeface="Times New Roman" charset="0"/>
+              </a:rPr>
+              <a:t>) </a:t>
+            </a:r>
+            <a:r>
+              <a:rPr lang="en-US" altLang="zh-CN"/>
+              <a:t>have completed before </a:t>
+            </a:r>
+            <a:r>
+              <a:rPr lang="en-US" altLang="zh-CN" i="1">
+                <a:latin typeface="Times New Roman" charset="0"/>
+              </a:rPr>
+              <a:t>T</a:t>
+            </a:r>
+            <a:r>
+              <a:rPr lang="en-US" altLang="zh-CN" i="1" baseline="-25000">
+                <a:latin typeface="Times New Roman" charset="0"/>
+              </a:rPr>
+              <a:t>ij</a:t>
+            </a:r>
+            <a:r>
+              <a:rPr lang="en-US" altLang="zh-CN"/>
+              <a:t> has started, then the validation succeeds.</a:t>
+            </a:r>
+          </a:p>
+          <a:p>
+            <a:pPr eaLnBrk="1" hangingPunct="1"/>
+            <a:r>
+              <a:rPr lang="en-US" altLang="zh-CN"/>
+              <a:t>This is a serial order.</a:t>
+            </a:r>
+            <a:endParaRPr lang="zh-CN" altLang="en-US"/>
+          </a:p>
+        </p:txBody>
+      </p:sp>
+      <p:sp>
+        <p:nvSpPr>
+          <p:cNvPr id="4" name="Footer Placeholder 3"/>
+          <p:cNvSpPr>
+            <a:spLocks noGrp="1"/>
+          </p:cNvSpPr>
+          <p:nvPr>
+            <p:ph type="ftr" sz="quarter" idx="11"/>
+          </p:nvPr>
+        </p:nvSpPr>
+        <p:spPr/>
+        <p:txBody>
+          <a:bodyPr/>
+          <a:lstStyle/>
+          <a:p>
+            <a:pPr>
+              <a:defRPr/>
+            </a:pPr>
+            <a:r>
+              <a:rPr lang="en-US" altLang="zh-CN" smtClean="0"/>
+              <a:t>Distributed Database Systems</a:t>
+            </a:r>
+            <a:endParaRPr lang="zh-CN" altLang="en-US"/>
+          </a:p>
+        </p:txBody>
+      </p:sp>
+      <p:sp>
+        <p:nvSpPr>
+          <p:cNvPr id="19460" name="Slide Number Placeholder 4"/>
+          <p:cNvSpPr>
+            <a:spLocks noGrp="1"/>
+          </p:cNvSpPr>
+          <p:nvPr>
+            <p:ph type="sldNum" sz="quarter" idx="12"/>
+          </p:nvPr>
+        </p:nvSpPr>
+        <p:spPr bwMode="auto">
+          <a:noFill/>
+          <a:extLst>
+            <a:ext uri="{909E8E84-426E-40DD-AFC4-6F175D3DCCD1}">
+              <a14:hiddenFill xmlns:a14="http://schemas.microsoft.com/office/drawing/2010/main">
+                <a:solidFill>
+                  <a:srgbClr val="FFFFFF"/>
+                </a:solidFill>
+              </a14:hiddenFill>
+            </a:ext>
+            <a:ext uri="{91240B29-F687-4F45-9708-019B960494DF}">
+              <a14:hiddenLine xmlns:a14="http://schemas.microsoft.com/office/drawing/2010/main" w="9525">
+                <a:solidFill>
+                  <a:srgbClr val="000000"/>
+                </a:solidFill>
+                <a:miter lim="800000"/>
+                <a:headEnd/>
+                <a:tailEnd/>
+              </a14:hiddenLine>
+            </a:ext>
+          </a:extLst>
+        </p:spPr>
+        <p:txBody>
+          <a:bodyPr/>
+          <a:lstStyle>
+            <a:lvl1pPr>
+              <a:spcBef>
+                <a:spcPts val="600"/>
+              </a:spcBef>
+              <a:buClr>
+                <a:schemeClr val="accent1"/>
+              </a:buClr>
+              <a:buSzPct val="80000"/>
+              <a:buFont typeface="Wingdings 2" charset="2"/>
+              <a:buChar char=""/>
+              <a:defRPr sz="3200">
+                <a:solidFill>
+                  <a:schemeClr val="tx1"/>
+                </a:solidFill>
+                <a:latin typeface="Gill Sans MT" charset="0"/>
+                <a:ea typeface="华文中宋" charset="-122"/>
+              </a:defRPr>
+            </a:lvl1pPr>
+            <a:lvl2pPr marL="742950" indent="-285750">
+              <a:spcBef>
+                <a:spcPts val="550"/>
+              </a:spcBef>
+              <a:buClr>
+                <a:schemeClr val="accent1"/>
+              </a:buClr>
+              <a:buFont typeface="Verdana" charset="0"/>
+              <a:buChar char="◦"/>
+              <a:defRPr sz="2800">
+                <a:solidFill>
+                  <a:schemeClr val="tx1"/>
+                </a:solidFill>
+                <a:latin typeface="Gill Sans MT" charset="0"/>
+                <a:ea typeface="华文中宋" charset="-122"/>
+              </a:defRPr>
+            </a:lvl2pPr>
+            <a:lvl3pPr marL="1143000" indent="-228600">
+              <a:spcBef>
+                <a:spcPct val="20000"/>
+              </a:spcBef>
+              <a:buClr>
+                <a:schemeClr val="accent2"/>
+              </a:buClr>
+              <a:buFont typeface="Wingdings 2" charset="2"/>
+              <a:buChar char=""/>
+              <a:defRPr sz="2400">
+                <a:solidFill>
+                  <a:schemeClr val="tx1"/>
+                </a:solidFill>
+                <a:latin typeface="Gill Sans MT" charset="0"/>
+                <a:ea typeface="华文中宋" charset="-122"/>
+              </a:defRPr>
+            </a:lvl3pPr>
+            <a:lvl4pPr marL="1600200" indent="-228600">
+              <a:spcBef>
+                <a:spcPct val="20000"/>
+              </a:spcBef>
+              <a:buClr>
+                <a:srgbClr val="9BBB59"/>
+              </a:buClr>
+              <a:buFont typeface="Wingdings 2" charset="2"/>
+              <a:buChar char=""/>
+              <a:defRPr sz="2000">
+                <a:solidFill>
+                  <a:schemeClr val="tx1"/>
+                </a:solidFill>
+                <a:latin typeface="Gill Sans MT" charset="0"/>
+                <a:ea typeface="华文中宋" charset="-122"/>
+              </a:defRPr>
+            </a:lvl4pPr>
+            <a:lvl5pPr marL="2057400" indent="-228600">
+              <a:spcBef>
+                <a:spcPct val="20000"/>
+              </a:spcBef>
+              <a:buClr>
+                <a:srgbClr val="8064A2"/>
+              </a:buClr>
+              <a:buFont typeface="Wingdings 2" charset="2"/>
+              <a:buChar char=""/>
+              <a:defRPr sz="2000">
+                <a:solidFill>
+                  <a:schemeClr val="tx1"/>
+                </a:solidFill>
+                <a:latin typeface="Gill Sans MT" charset="0"/>
+                <a:ea typeface="华文中宋" charset="-122"/>
+              </a:defRPr>
+            </a:lvl5pPr>
+            <a:lvl6pPr marL="2514600" indent="-228600" eaLnBrk="0" fontAlgn="base" hangingPunct="0">
+              <a:spcBef>
+                <a:spcPct val="20000"/>
+              </a:spcBef>
+              <a:spcAft>
+                <a:spcPct val="0"/>
+              </a:spcAft>
+              <a:buClr>
+                <a:srgbClr val="8064A2"/>
+              </a:buClr>
+              <a:buFont typeface="Wingdings 2" charset="2"/>
+              <a:buChar char=""/>
+              <a:defRPr sz="2000">
+                <a:solidFill>
+                  <a:schemeClr val="tx1"/>
+                </a:solidFill>
+                <a:latin typeface="Gill Sans MT" charset="0"/>
+                <a:ea typeface="华文中宋" charset="-122"/>
+              </a:defRPr>
+            </a:lvl6pPr>
+            <a:lvl7pPr marL="2971800" indent="-228600" eaLnBrk="0" fontAlgn="base" hangingPunct="0">
+              <a:spcBef>
+                <a:spcPct val="20000"/>
+              </a:spcBef>
+              <a:spcAft>
+                <a:spcPct val="0"/>
+              </a:spcAft>
+              <a:buClr>
+                <a:srgbClr val="8064A2"/>
+              </a:buClr>
+              <a:buFont typeface="Wingdings 2" charset="2"/>
+              <a:buChar char=""/>
+              <a:defRPr sz="2000">
+                <a:solidFill>
+                  <a:schemeClr val="tx1"/>
+                </a:solidFill>
+                <a:latin typeface="Gill Sans MT" charset="0"/>
+                <a:ea typeface="华文中宋" charset="-122"/>
+              </a:defRPr>
+            </a:lvl7pPr>
+            <a:lvl8pPr marL="3429000" indent="-228600" eaLnBrk="0" fontAlgn="base" hangingPunct="0">
+              <a:spcBef>
+                <a:spcPct val="20000"/>
+              </a:spcBef>
+              <a:spcAft>
+                <a:spcPct val="0"/>
+              </a:spcAft>
+              <a:buClr>
+                <a:srgbClr val="8064A2"/>
+              </a:buClr>
+              <a:buFont typeface="Wingdings 2" charset="2"/>
+              <a:buChar char=""/>
+              <a:defRPr sz="2000">
+                <a:solidFill>
+                  <a:schemeClr val="tx1"/>
+                </a:solidFill>
+                <a:latin typeface="Gill Sans MT" charset="0"/>
+                <a:ea typeface="华文中宋" charset="-122"/>
+              </a:defRPr>
+            </a:lvl8pPr>
+            <a:lvl9pPr marL="3886200" indent="-228600" eaLnBrk="0" fontAlgn="base" hangingPunct="0">
+              <a:spcBef>
+                <a:spcPct val="20000"/>
+              </a:spcBef>
+              <a:spcAft>
+                <a:spcPct val="0"/>
+              </a:spcAft>
+              <a:buClr>
+                <a:srgbClr val="8064A2"/>
+              </a:buClr>
+              <a:buFont typeface="Wingdings 2" charset="2"/>
+              <a:buChar char=""/>
+              <a:defRPr sz="2000">
+                <a:solidFill>
+                  <a:schemeClr val="tx1"/>
+                </a:solidFill>
+                <a:latin typeface="Gill Sans MT" charset="0"/>
+                <a:ea typeface="华文中宋" charset="-122"/>
+              </a:defRPr>
+            </a:lvl9pPr>
+          </a:lstStyle>
+          <a:p>
+            <a:pPr>
+              <a:spcBef>
+                <a:spcPct val="0"/>
+              </a:spcBef>
+              <a:buClrTx/>
+              <a:buSzTx/>
+              <a:buFontTx/>
+              <a:buNone/>
+            </a:pPr>
+            <a:fld id="{B0E38698-F58F-E64F-AB8B-B1E3DD0BBB80}" type="slidenum">
+              <a:rPr lang="zh-CN" altLang="en-US" sz="1200">
+                <a:solidFill>
+                  <a:srgbClr val="B4B1A0"/>
+                </a:solidFill>
+              </a:rPr>
+              <a:pPr>
+                <a:spcBef>
+                  <a:spcPct val="0"/>
+                </a:spcBef>
+                <a:buClrTx/>
+                <a:buSzTx/>
+                <a:buFontTx/>
+                <a:buNone/>
+              </a:pPr>
+              <a:t>66</a:t>
+            </a:fld>
+            <a:endParaRPr lang="zh-CN" altLang="en-US" sz="1200">
+              <a:solidFill>
+                <a:srgbClr val="B4B1A0"/>
+              </a:solidFill>
+            </a:endParaRPr>
+          </a:p>
+        </p:txBody>
+      </p:sp>
+      <p:pic>
+        <p:nvPicPr>
+          <p:cNvPr id="19461" name="Picture 2"/>
+          <p:cNvPicPr>
+            <a:picLocks noChangeAspect="1" noChangeArrowheads="1"/>
+          </p:cNvPicPr>
+          <p:nvPr/>
+        </p:nvPicPr>
+        <p:blipFill>
+          <a:blip r:embed="rId2">
+            <a:extLst>
+              <a:ext uri="{28A0092B-C50C-407E-A947-70E740481C1C}">
+                <a14:useLocalDpi xmlns:a14="http://schemas.microsoft.com/office/drawing/2010/main" val="0"/>
+              </a:ext>
+            </a:extLst>
+          </a:blip>
+          <a:srcRect/>
+          <a:stretch>
+            <a:fillRect/>
+          </a:stretch>
+        </p:blipFill>
+        <p:spPr bwMode="auto">
+          <a:xfrm>
+            <a:off x="1857375" y="4362450"/>
+            <a:ext cx="5838825" cy="1352550"/>
+          </a:xfrm>
+          <a:prstGeom prst="rect">
+            <a:avLst/>
+          </a:prstGeom>
+          <a:noFill/>
+          <a:ln>
+            <a:noFill/>
+          </a:ln>
+          <a:extLst>
+            <a:ext uri="{909E8E84-426E-40DD-AFC4-6F175D3DCCD1}">
+              <a14:hiddenFill xmlns:a14="http://schemas.microsoft.com/office/drawing/2010/main">
+                <a:solidFill>
+                  <a:srgbClr val="FFFFFF"/>
+                </a:solidFill>
+              </a14:hiddenFill>
+            </a:ext>
+            <a:ext uri="{91240B29-F687-4F45-9708-019B960494DF}">
+              <a14:hiddenLine xmlns:a14="http://schemas.microsoft.com/office/drawing/2010/main" w="9525">
+                <a:solidFill>
+                  <a:srgbClr val="000000"/>
+                </a:solidFill>
+                <a:miter lim="800000"/>
+                <a:headEnd/>
+                <a:tailEnd/>
+              </a14:hiddenLine>
+            </a:ext>
+          </a:extLst>
+        </p:spPr>
+      </p:pic>
+    </p:spTree>
+    <p:extLst>
+      <p:ext uri="{BB962C8B-B14F-4D97-AF65-F5344CB8AC3E}">
+        <p14:creationId xmlns:p14="http://schemas.microsoft.com/office/powerpoint/2010/main" val="740087403"/>
+      </p:ext>
+    </p:extLst>
+  </p:cSld>
+  <p:clrMapOvr>
+    <a:masterClrMapping/>
+  </p:clrMapOvr>
+  <p:timing>
+    <p:tnLst>
+      <p:par>
+        <p:cTn id="1" dur="indefinite" restart="never" nodeType="tmRoot"/>
+      </p:par>
+    </p:tnLst>
+  </p:timing>
+</p:sld>
+</file>
+
+<file path=ppt/slides/slide67.xml><?xml version="1.0" encoding="utf-8"?>
+<p:sld xmlns:a="http://schemas.openxmlformats.org/drawingml/2006/main" xmlns:r="http://schemas.openxmlformats.org/officeDocument/2006/relationships" xmlns:p="http://schemas.openxmlformats.org/presentationml/2006/main">
+  <p:cSld>
+    <p:spTree>
+      <p:nvGrpSpPr>
+        <p:cNvPr id="1" name=""/>
+        <p:cNvGrpSpPr/>
+        <p:nvPr/>
+      </p:nvGrpSpPr>
+      <p:grpSpPr>
+        <a:xfrm>
+          <a:off x="0" y="0"/>
+          <a:ext cx="0" cy="0"/>
+          <a:chOff x="0" y="0"/>
+          <a:chExt cx="0" cy="0"/>
+        </a:xfrm>
+      </p:grpSpPr>
+      <p:sp>
+        <p:nvSpPr>
+          <p:cNvPr id="2" name="Title 1"/>
+          <p:cNvSpPr>
+            <a:spLocks noGrp="1"/>
+          </p:cNvSpPr>
+          <p:nvPr>
+            <p:ph type="title"/>
+          </p:nvPr>
+        </p:nvSpPr>
+        <p:spPr/>
+        <p:txBody>
+          <a:bodyPr/>
+          <a:lstStyle/>
+          <a:p>
+            <a:pPr eaLnBrk="1" hangingPunct="1">
+              <a:defRPr/>
+            </a:pPr>
+            <a:r>
+              <a:rPr lang="en-US" altLang="zh-CN" dirty="0" smtClean="0"/>
+              <a:t>Local validation of</a:t>
+            </a:r>
+            <a:r>
+              <a:rPr lang="en-US" altLang="zh-CN" sz="4400" i="1" dirty="0" smtClean="0">
+                <a:latin typeface="Times New Roman" pitchFamily="18" charset="0"/>
+                <a:cs typeface="Times New Roman" pitchFamily="18" charset="0"/>
+              </a:rPr>
+              <a:t> </a:t>
+            </a:r>
+            <a:r>
+              <a:rPr lang="en-US" altLang="zh-CN" sz="4400" i="1" dirty="0" err="1" smtClean="0">
+                <a:latin typeface="Times New Roman" pitchFamily="18" charset="0"/>
+                <a:cs typeface="Times New Roman" pitchFamily="18" charset="0"/>
+              </a:rPr>
+              <a:t>T</a:t>
+            </a:r>
+            <a:r>
+              <a:rPr lang="en-US" altLang="zh-CN" sz="4400" i="1" baseline="-25000" dirty="0" err="1" smtClean="0">
+                <a:latin typeface="Times New Roman" pitchFamily="18" charset="0"/>
+                <a:cs typeface="Times New Roman" pitchFamily="18" charset="0"/>
+              </a:rPr>
+              <a:t>ij</a:t>
+            </a:r>
+            <a:r>
+              <a:rPr lang="en-US" altLang="zh-CN" dirty="0" smtClean="0"/>
+              <a:t> – Rule 2</a:t>
+            </a:r>
+            <a:endParaRPr lang="zh-CN" altLang="en-US" dirty="0"/>
+          </a:p>
+        </p:txBody>
+      </p:sp>
+      <p:sp>
+        <p:nvSpPr>
+          <p:cNvPr id="20482" name="Content Placeholder 2"/>
+          <p:cNvSpPr>
+            <a:spLocks noGrp="1"/>
+          </p:cNvSpPr>
+          <p:nvPr>
+            <p:ph idx="1"/>
+          </p:nvPr>
+        </p:nvSpPr>
+        <p:spPr/>
+        <p:txBody>
+          <a:bodyPr/>
+          <a:lstStyle/>
+          <a:p>
+            <a:pPr eaLnBrk="1" hangingPunct="1"/>
+            <a:r>
+              <a:rPr lang="en-US" altLang="zh-CN"/>
+              <a:t>If there is any transaction </a:t>
+            </a:r>
+            <a:r>
+              <a:rPr lang="en-US" altLang="zh-CN" i="1">
+                <a:latin typeface="Times New Roman" charset="0"/>
+              </a:rPr>
+              <a:t>T</a:t>
+            </a:r>
+            <a:r>
+              <a:rPr lang="en-US" altLang="zh-CN" i="1" baseline="-25000">
+                <a:latin typeface="Times New Roman" charset="0"/>
+              </a:rPr>
+              <a:t>k</a:t>
+            </a:r>
+            <a:r>
+              <a:rPr lang="zh-CN" altLang="en-US" b="1" i="1" baseline="-25000">
+                <a:latin typeface="Times New Roman" charset="0"/>
+              </a:rPr>
+              <a:t> </a:t>
+            </a:r>
+            <a:r>
+              <a:rPr lang="en-US" altLang="zh-CN"/>
+              <a:t>, s.t.</a:t>
+            </a:r>
+          </a:p>
+          <a:p>
+            <a:pPr lvl="1" eaLnBrk="1" hangingPunct="1"/>
+            <a:r>
+              <a:rPr lang="en-US" altLang="zh-CN" i="1">
+                <a:latin typeface="Times New Roman" charset="0"/>
+              </a:rPr>
+              <a:t>ts</a:t>
+            </a:r>
+            <a:r>
+              <a:rPr lang="en-US" altLang="zh-CN">
+                <a:latin typeface="Times New Roman" charset="0"/>
+              </a:rPr>
+              <a:t>(</a:t>
+            </a:r>
+            <a:r>
+              <a:rPr lang="en-US" altLang="zh-CN" i="1">
+                <a:latin typeface="Times New Roman" charset="0"/>
+              </a:rPr>
+              <a:t>T</a:t>
+            </a:r>
+            <a:r>
+              <a:rPr lang="en-US" altLang="zh-CN" i="1" baseline="-25000">
+                <a:latin typeface="Times New Roman" charset="0"/>
+              </a:rPr>
+              <a:t>k</a:t>
+            </a:r>
+            <a:r>
+              <a:rPr lang="en-US" altLang="zh-CN">
+                <a:latin typeface="Times New Roman" charset="0"/>
+              </a:rPr>
+              <a:t>) &lt; </a:t>
+            </a:r>
+            <a:r>
+              <a:rPr lang="en-US" altLang="zh-CN" i="1">
+                <a:latin typeface="Times New Roman" charset="0"/>
+              </a:rPr>
+              <a:t>ts</a:t>
+            </a:r>
+            <a:r>
+              <a:rPr lang="en-US" altLang="zh-CN">
+                <a:latin typeface="Times New Roman" charset="0"/>
+              </a:rPr>
+              <a:t>(</a:t>
+            </a:r>
+            <a:r>
+              <a:rPr lang="en-US" altLang="zh-CN" i="1">
+                <a:latin typeface="Times New Roman" charset="0"/>
+              </a:rPr>
+              <a:t>T</a:t>
+            </a:r>
+            <a:r>
+              <a:rPr lang="en-US" altLang="zh-CN" i="1" baseline="-25000">
+                <a:latin typeface="Times New Roman" charset="0"/>
+              </a:rPr>
+              <a:t>ij</a:t>
+            </a:r>
+            <a:r>
+              <a:rPr lang="en-US" altLang="zh-CN">
+                <a:latin typeface="Times New Roman" charset="0"/>
+              </a:rPr>
+              <a:t>)</a:t>
+            </a:r>
+            <a:r>
+              <a:rPr lang="en-US" altLang="zh-CN"/>
+              <a:t>, and</a:t>
+            </a:r>
+            <a:endParaRPr lang="en-US" altLang="zh-CN">
+              <a:latin typeface="Times New Roman" charset="0"/>
+            </a:endParaRPr>
+          </a:p>
+          <a:p>
+            <a:pPr lvl="1" eaLnBrk="1" hangingPunct="1"/>
+            <a:r>
+              <a:rPr lang="en-US" altLang="zh-CN" i="1">
+                <a:latin typeface="Times New Roman" charset="0"/>
+              </a:rPr>
+              <a:t>T</a:t>
+            </a:r>
+            <a:r>
+              <a:rPr lang="en-US" altLang="zh-CN" i="1" baseline="-25000">
+                <a:latin typeface="Times New Roman" charset="0"/>
+              </a:rPr>
+              <a:t>k </a:t>
+            </a:r>
+            <a:r>
+              <a:rPr lang="en-US" altLang="zh-CN"/>
+              <a:t>is in </a:t>
+            </a:r>
+            <a:r>
+              <a:rPr lang="en-US" altLang="zh-CN">
+                <a:solidFill>
+                  <a:srgbClr val="FF0000"/>
+                </a:solidFill>
+              </a:rPr>
+              <a:t>write</a:t>
+            </a:r>
+            <a:r>
+              <a:rPr lang="en-US" altLang="zh-CN"/>
+              <a:t> phase, and</a:t>
+            </a:r>
+          </a:p>
+          <a:p>
+            <a:pPr lvl="1" eaLnBrk="1" hangingPunct="1"/>
+            <a:r>
+              <a:rPr lang="en-US" altLang="zh-CN" i="1">
+                <a:latin typeface="Times New Roman" charset="0"/>
+              </a:rPr>
+              <a:t>T</a:t>
+            </a:r>
+            <a:r>
+              <a:rPr lang="en-US" altLang="zh-CN" i="1" baseline="-25000">
+                <a:latin typeface="Times New Roman" charset="0"/>
+              </a:rPr>
+              <a:t>ij</a:t>
+            </a:r>
+            <a:r>
+              <a:rPr lang="en-US" altLang="zh-CN"/>
+              <a:t> is in </a:t>
+            </a:r>
+            <a:r>
+              <a:rPr lang="en-US" altLang="zh-CN">
+                <a:solidFill>
+                  <a:srgbClr val="FF0000"/>
+                </a:solidFill>
+              </a:rPr>
+              <a:t>read</a:t>
+            </a:r>
+            <a:r>
+              <a:rPr lang="en-US" altLang="zh-CN"/>
+              <a:t> phase, and</a:t>
+            </a:r>
+          </a:p>
+          <a:p>
+            <a:pPr lvl="1" eaLnBrk="1" hangingPunct="1"/>
+            <a:r>
+              <a:rPr lang="en-US" altLang="zh-CN">
+                <a:latin typeface="Times New Roman" charset="0"/>
+              </a:rPr>
+              <a:t>WS(</a:t>
+            </a:r>
+            <a:r>
+              <a:rPr lang="en-US" altLang="zh-CN" i="1">
+                <a:latin typeface="Times New Roman" charset="0"/>
+              </a:rPr>
+              <a:t>T</a:t>
+            </a:r>
+            <a:r>
+              <a:rPr lang="en-US" altLang="zh-CN" i="1" baseline="-25000">
+                <a:latin typeface="Times New Roman" charset="0"/>
+              </a:rPr>
+              <a:t>k</a:t>
+            </a:r>
+            <a:r>
+              <a:rPr lang="en-US" altLang="zh-CN">
+                <a:latin typeface="Times New Roman" charset="0"/>
+              </a:rPr>
+              <a:t>) </a:t>
+            </a:r>
+            <a:r>
+              <a:rPr lang="en-US" altLang="zh-CN">
+                <a:latin typeface="Times New Roman" charset="0"/>
+                <a:sym typeface="Symbol" charset="2"/>
+              </a:rPr>
+              <a:t> </a:t>
+            </a:r>
+            <a:r>
+              <a:rPr lang="en-US" altLang="zh-CN">
+                <a:latin typeface="Times New Roman" charset="0"/>
+              </a:rPr>
+              <a:t>RS(</a:t>
+            </a:r>
+            <a:r>
+              <a:rPr lang="en-US" altLang="zh-CN" i="1">
+                <a:latin typeface="Times New Roman" charset="0"/>
+              </a:rPr>
+              <a:t>T</a:t>
+            </a:r>
+            <a:r>
+              <a:rPr lang="en-US" altLang="zh-CN" i="1" baseline="-25000">
+                <a:latin typeface="Times New Roman" charset="0"/>
+              </a:rPr>
+              <a:t>ij</a:t>
+            </a:r>
+            <a:r>
+              <a:rPr lang="en-US" altLang="zh-CN">
+                <a:latin typeface="Times New Roman" charset="0"/>
+              </a:rPr>
+              <a:t>) = </a:t>
+            </a:r>
+            <a:r>
+              <a:rPr lang="en-US" altLang="zh-CN">
+                <a:latin typeface="Times New Roman" charset="0"/>
+                <a:sym typeface="Symbol" charset="2"/>
+              </a:rPr>
+              <a:t></a:t>
+            </a:r>
+          </a:p>
+          <a:p>
+            <a:pPr eaLnBrk="1" hangingPunct="1">
+              <a:buFont typeface="Wingdings 2" charset="2"/>
+              <a:buNone/>
+            </a:pPr>
+            <a:r>
+              <a:rPr lang="en-US" altLang="zh-CN">
+                <a:latin typeface="Times New Roman" charset="0"/>
+                <a:sym typeface="Symbol" charset="2"/>
+              </a:rPr>
+              <a:t>	</a:t>
+            </a:r>
+            <a:r>
+              <a:rPr lang="en-US" altLang="zh-CN"/>
+              <a:t>then the validation succeeds.</a:t>
+            </a:r>
+          </a:p>
+        </p:txBody>
+      </p:sp>
+      <p:sp>
+        <p:nvSpPr>
+          <p:cNvPr id="4" name="Footer Placeholder 3"/>
+          <p:cNvSpPr>
+            <a:spLocks noGrp="1"/>
+          </p:cNvSpPr>
+          <p:nvPr>
+            <p:ph type="ftr" sz="quarter" idx="11"/>
+          </p:nvPr>
+        </p:nvSpPr>
+        <p:spPr/>
+        <p:txBody>
+          <a:bodyPr/>
+          <a:lstStyle/>
+          <a:p>
+            <a:pPr>
+              <a:defRPr/>
+            </a:pPr>
+            <a:r>
+              <a:rPr lang="en-US" altLang="zh-CN" smtClean="0"/>
+              <a:t>Distributed Database Systems</a:t>
+            </a:r>
+            <a:endParaRPr lang="zh-CN" altLang="en-US"/>
+          </a:p>
+        </p:txBody>
+      </p:sp>
+      <p:sp>
+        <p:nvSpPr>
+          <p:cNvPr id="20484" name="Slide Number Placeholder 4"/>
+          <p:cNvSpPr>
+            <a:spLocks noGrp="1"/>
+          </p:cNvSpPr>
+          <p:nvPr>
+            <p:ph type="sldNum" sz="quarter" idx="12"/>
+          </p:nvPr>
+        </p:nvSpPr>
+        <p:spPr bwMode="auto">
+          <a:noFill/>
+          <a:extLst>
+            <a:ext uri="{909E8E84-426E-40DD-AFC4-6F175D3DCCD1}">
+              <a14:hiddenFill xmlns:a14="http://schemas.microsoft.com/office/drawing/2010/main">
+                <a:solidFill>
+                  <a:srgbClr val="FFFFFF"/>
+                </a:solidFill>
+              </a14:hiddenFill>
+            </a:ext>
+            <a:ext uri="{91240B29-F687-4F45-9708-019B960494DF}">
+              <a14:hiddenLine xmlns:a14="http://schemas.microsoft.com/office/drawing/2010/main" w="9525">
+                <a:solidFill>
+                  <a:srgbClr val="000000"/>
+                </a:solidFill>
+                <a:miter lim="800000"/>
+                <a:headEnd/>
+                <a:tailEnd/>
+              </a14:hiddenLine>
+            </a:ext>
+          </a:extLst>
+        </p:spPr>
+        <p:txBody>
+          <a:bodyPr/>
+          <a:lstStyle>
+            <a:lvl1pPr>
+              <a:spcBef>
+                <a:spcPts val="600"/>
+              </a:spcBef>
+              <a:buClr>
+                <a:schemeClr val="accent1"/>
+              </a:buClr>
+              <a:buSzPct val="80000"/>
+              <a:buFont typeface="Wingdings 2" charset="2"/>
+              <a:buChar char=""/>
+              <a:defRPr sz="3200">
+                <a:solidFill>
+                  <a:schemeClr val="tx1"/>
+                </a:solidFill>
+                <a:latin typeface="Gill Sans MT" charset="0"/>
+                <a:ea typeface="华文中宋" charset="-122"/>
+              </a:defRPr>
+            </a:lvl1pPr>
+            <a:lvl2pPr marL="742950" indent="-285750">
+              <a:spcBef>
+                <a:spcPts val="550"/>
+              </a:spcBef>
+              <a:buClr>
+                <a:schemeClr val="accent1"/>
+              </a:buClr>
+              <a:buFont typeface="Verdana" charset="0"/>
+              <a:buChar char="◦"/>
+              <a:defRPr sz="2800">
+                <a:solidFill>
+                  <a:schemeClr val="tx1"/>
+                </a:solidFill>
+                <a:latin typeface="Gill Sans MT" charset="0"/>
+                <a:ea typeface="华文中宋" charset="-122"/>
+              </a:defRPr>
+            </a:lvl2pPr>
+            <a:lvl3pPr marL="1143000" indent="-228600">
+              <a:spcBef>
+                <a:spcPct val="20000"/>
+              </a:spcBef>
+              <a:buClr>
+                <a:schemeClr val="accent2"/>
+              </a:buClr>
+              <a:buFont typeface="Wingdings 2" charset="2"/>
+              <a:buChar char=""/>
+              <a:defRPr sz="2400">
+                <a:solidFill>
+                  <a:schemeClr val="tx1"/>
+                </a:solidFill>
+                <a:latin typeface="Gill Sans MT" charset="0"/>
+                <a:ea typeface="华文中宋" charset="-122"/>
+              </a:defRPr>
+            </a:lvl3pPr>
+            <a:lvl4pPr marL="1600200" indent="-228600">
+              <a:spcBef>
+                <a:spcPct val="20000"/>
+              </a:spcBef>
+              <a:buClr>
+                <a:srgbClr val="9BBB59"/>
+              </a:buClr>
+              <a:buFont typeface="Wingdings 2" charset="2"/>
+              <a:buChar char=""/>
+              <a:defRPr sz="2000">
+                <a:solidFill>
+                  <a:schemeClr val="tx1"/>
+                </a:solidFill>
+                <a:latin typeface="Gill Sans MT" charset="0"/>
+                <a:ea typeface="华文中宋" charset="-122"/>
+              </a:defRPr>
+            </a:lvl4pPr>
+            <a:lvl5pPr marL="2057400" indent="-228600">
+              <a:spcBef>
+                <a:spcPct val="20000"/>
+              </a:spcBef>
+              <a:buClr>
+                <a:srgbClr val="8064A2"/>
+              </a:buClr>
+              <a:buFont typeface="Wingdings 2" charset="2"/>
+              <a:buChar char=""/>
+              <a:defRPr sz="2000">
+                <a:solidFill>
+                  <a:schemeClr val="tx1"/>
+                </a:solidFill>
+                <a:latin typeface="Gill Sans MT" charset="0"/>
+                <a:ea typeface="华文中宋" charset="-122"/>
+              </a:defRPr>
+            </a:lvl5pPr>
+            <a:lvl6pPr marL="2514600" indent="-228600" eaLnBrk="0" fontAlgn="base" hangingPunct="0">
+              <a:spcBef>
+                <a:spcPct val="20000"/>
+              </a:spcBef>
+              <a:spcAft>
+                <a:spcPct val="0"/>
+              </a:spcAft>
+              <a:buClr>
+                <a:srgbClr val="8064A2"/>
+              </a:buClr>
+              <a:buFont typeface="Wingdings 2" charset="2"/>
+              <a:buChar char=""/>
+              <a:defRPr sz="2000">
+                <a:solidFill>
+                  <a:schemeClr val="tx1"/>
+                </a:solidFill>
+                <a:latin typeface="Gill Sans MT" charset="0"/>
+                <a:ea typeface="华文中宋" charset="-122"/>
+              </a:defRPr>
+            </a:lvl6pPr>
+            <a:lvl7pPr marL="2971800" indent="-228600" eaLnBrk="0" fontAlgn="base" hangingPunct="0">
+              <a:spcBef>
+                <a:spcPct val="20000"/>
+              </a:spcBef>
+              <a:spcAft>
+                <a:spcPct val="0"/>
+              </a:spcAft>
+              <a:buClr>
+                <a:srgbClr val="8064A2"/>
+              </a:buClr>
+              <a:buFont typeface="Wingdings 2" charset="2"/>
+              <a:buChar char=""/>
+              <a:defRPr sz="2000">
+                <a:solidFill>
+                  <a:schemeClr val="tx1"/>
+                </a:solidFill>
+                <a:latin typeface="Gill Sans MT" charset="0"/>
+                <a:ea typeface="华文中宋" charset="-122"/>
+              </a:defRPr>
+            </a:lvl7pPr>
+            <a:lvl8pPr marL="3429000" indent="-228600" eaLnBrk="0" fontAlgn="base" hangingPunct="0">
+              <a:spcBef>
+                <a:spcPct val="20000"/>
+              </a:spcBef>
+              <a:spcAft>
+                <a:spcPct val="0"/>
+              </a:spcAft>
+              <a:buClr>
+                <a:srgbClr val="8064A2"/>
+              </a:buClr>
+              <a:buFont typeface="Wingdings 2" charset="2"/>
+              <a:buChar char=""/>
+              <a:defRPr sz="2000">
+                <a:solidFill>
+                  <a:schemeClr val="tx1"/>
+                </a:solidFill>
+                <a:latin typeface="Gill Sans MT" charset="0"/>
+                <a:ea typeface="华文中宋" charset="-122"/>
+              </a:defRPr>
+            </a:lvl8pPr>
+            <a:lvl9pPr marL="3886200" indent="-228600" eaLnBrk="0" fontAlgn="base" hangingPunct="0">
+              <a:spcBef>
+                <a:spcPct val="20000"/>
+              </a:spcBef>
+              <a:spcAft>
+                <a:spcPct val="0"/>
+              </a:spcAft>
+              <a:buClr>
+                <a:srgbClr val="8064A2"/>
+              </a:buClr>
+              <a:buFont typeface="Wingdings 2" charset="2"/>
+              <a:buChar char=""/>
+              <a:defRPr sz="2000">
+                <a:solidFill>
+                  <a:schemeClr val="tx1"/>
+                </a:solidFill>
+                <a:latin typeface="Gill Sans MT" charset="0"/>
+                <a:ea typeface="华文中宋" charset="-122"/>
+              </a:defRPr>
+            </a:lvl9pPr>
+          </a:lstStyle>
+          <a:p>
+            <a:pPr>
+              <a:spcBef>
+                <a:spcPct val="0"/>
+              </a:spcBef>
+              <a:buClrTx/>
+              <a:buSzTx/>
+              <a:buFontTx/>
+              <a:buNone/>
+            </a:pPr>
+            <a:fld id="{7CD27E38-8621-1641-AF22-772D362A539A}" type="slidenum">
+              <a:rPr lang="zh-CN" altLang="en-US" sz="1200">
+                <a:solidFill>
+                  <a:srgbClr val="B4B1A0"/>
+                </a:solidFill>
+              </a:rPr>
+              <a:pPr>
+                <a:spcBef>
+                  <a:spcPct val="0"/>
+                </a:spcBef>
+                <a:buClrTx/>
+                <a:buSzTx/>
+                <a:buFontTx/>
+                <a:buNone/>
+              </a:pPr>
+              <a:t>67</a:t>
+            </a:fld>
+            <a:endParaRPr lang="zh-CN" altLang="en-US" sz="1200">
+              <a:solidFill>
+                <a:srgbClr val="B4B1A0"/>
+              </a:solidFill>
+            </a:endParaRPr>
+          </a:p>
+        </p:txBody>
+      </p:sp>
+      <p:pic>
+        <p:nvPicPr>
+          <p:cNvPr id="20485" name="Picture 2"/>
+          <p:cNvPicPr>
+            <a:picLocks noChangeAspect="1" noChangeArrowheads="1"/>
+          </p:cNvPicPr>
+          <p:nvPr/>
+        </p:nvPicPr>
+        <p:blipFill>
+          <a:blip r:embed="rId2">
+            <a:extLst>
+              <a:ext uri="{28A0092B-C50C-407E-A947-70E740481C1C}">
+                <a14:useLocalDpi xmlns:a14="http://schemas.microsoft.com/office/drawing/2010/main" val="0"/>
+              </a:ext>
+            </a:extLst>
+          </a:blip>
+          <a:srcRect/>
+          <a:stretch>
+            <a:fillRect/>
+          </a:stretch>
+        </p:blipFill>
+        <p:spPr bwMode="auto">
+          <a:xfrm>
+            <a:off x="2071688" y="4857750"/>
+            <a:ext cx="5200650" cy="1295400"/>
+          </a:xfrm>
+          <a:prstGeom prst="rect">
+            <a:avLst/>
+          </a:prstGeom>
+          <a:noFill/>
+          <a:ln>
+            <a:noFill/>
+          </a:ln>
+          <a:extLst>
+            <a:ext uri="{909E8E84-426E-40DD-AFC4-6F175D3DCCD1}">
+              <a14:hiddenFill xmlns:a14="http://schemas.microsoft.com/office/drawing/2010/main">
+                <a:solidFill>
+                  <a:srgbClr val="FFFFFF"/>
+                </a:solidFill>
+              </a14:hiddenFill>
+            </a:ext>
+            <a:ext uri="{91240B29-F687-4F45-9708-019B960494DF}">
+              <a14:hiddenLine xmlns:a14="http://schemas.microsoft.com/office/drawing/2010/main" w="9525">
+                <a:solidFill>
+                  <a:srgbClr val="000000"/>
+                </a:solidFill>
+                <a:miter lim="800000"/>
+                <a:headEnd/>
+                <a:tailEnd/>
+              </a14:hiddenLine>
+            </a:ext>
+          </a:extLst>
+        </p:spPr>
+      </p:pic>
+    </p:spTree>
+    <p:extLst>
+      <p:ext uri="{BB962C8B-B14F-4D97-AF65-F5344CB8AC3E}">
+        <p14:creationId xmlns:p14="http://schemas.microsoft.com/office/powerpoint/2010/main" val="423698797"/>
+      </p:ext>
+    </p:extLst>
+  </p:cSld>
+  <p:clrMapOvr>
+    <a:masterClrMapping/>
+  </p:clrMapOvr>
+  <p:timing>
+    <p:tnLst>
+      <p:par>
+        <p:cTn id="1" dur="indefinite" restart="never" nodeType="tmRoot"/>
+      </p:par>
+    </p:tnLst>
+  </p:timing>
+</p:sld>
+</file>
+
+<file path=ppt/slides/slide68.xml><?xml version="1.0" encoding="utf-8"?>
+<p:sld xmlns:a="http://schemas.openxmlformats.org/drawingml/2006/main" xmlns:r="http://schemas.openxmlformats.org/officeDocument/2006/relationships" xmlns:p="http://schemas.openxmlformats.org/presentationml/2006/main">
+  <p:cSld>
+    <p:spTree>
+      <p:nvGrpSpPr>
+        <p:cNvPr id="1" name=""/>
+        <p:cNvGrpSpPr/>
+        <p:nvPr/>
+      </p:nvGrpSpPr>
+      <p:grpSpPr>
+        <a:xfrm>
+          <a:off x="0" y="0"/>
+          <a:ext cx="0" cy="0"/>
+          <a:chOff x="0" y="0"/>
+          <a:chExt cx="0" cy="0"/>
+        </a:xfrm>
+      </p:grpSpPr>
+      <p:sp>
+        <p:nvSpPr>
+          <p:cNvPr id="2" name="Title 1"/>
+          <p:cNvSpPr>
+            <a:spLocks noGrp="1"/>
+          </p:cNvSpPr>
+          <p:nvPr>
+            <p:ph type="title"/>
+          </p:nvPr>
+        </p:nvSpPr>
+        <p:spPr/>
+        <p:txBody>
+          <a:bodyPr/>
+          <a:lstStyle/>
+          <a:p>
+            <a:pPr eaLnBrk="1" hangingPunct="1">
+              <a:defRPr/>
+            </a:pPr>
+            <a:r>
+              <a:rPr lang="en-US" altLang="zh-CN" dirty="0" smtClean="0"/>
+              <a:t>Local validation of</a:t>
+            </a:r>
+            <a:r>
+              <a:rPr lang="en-US" altLang="zh-CN" sz="4400" i="1" dirty="0" smtClean="0">
+                <a:latin typeface="Times New Roman" pitchFamily="18" charset="0"/>
+                <a:cs typeface="Times New Roman" pitchFamily="18" charset="0"/>
+              </a:rPr>
+              <a:t> </a:t>
+            </a:r>
+            <a:r>
+              <a:rPr lang="en-US" altLang="zh-CN" sz="4400" i="1" dirty="0" err="1" smtClean="0">
+                <a:latin typeface="Times New Roman" pitchFamily="18" charset="0"/>
+                <a:cs typeface="Times New Roman" pitchFamily="18" charset="0"/>
+              </a:rPr>
+              <a:t>T</a:t>
+            </a:r>
+            <a:r>
+              <a:rPr lang="en-US" altLang="zh-CN" sz="4400" i="1" baseline="-25000" dirty="0" err="1" smtClean="0">
+                <a:latin typeface="Times New Roman" pitchFamily="18" charset="0"/>
+                <a:cs typeface="Times New Roman" pitchFamily="18" charset="0"/>
+              </a:rPr>
+              <a:t>ij</a:t>
+            </a:r>
+            <a:r>
+              <a:rPr lang="en-US" altLang="zh-CN" dirty="0" smtClean="0"/>
+              <a:t> – Rule 3</a:t>
+            </a:r>
+            <a:endParaRPr lang="zh-CN" altLang="en-US" dirty="0"/>
+          </a:p>
+        </p:txBody>
+      </p:sp>
+      <p:sp>
+        <p:nvSpPr>
+          <p:cNvPr id="21506" name="Content Placeholder 2"/>
+          <p:cNvSpPr>
+            <a:spLocks noGrp="1"/>
+          </p:cNvSpPr>
+          <p:nvPr>
+            <p:ph idx="1"/>
+          </p:nvPr>
+        </p:nvSpPr>
+        <p:spPr/>
+        <p:txBody>
+          <a:bodyPr/>
+          <a:lstStyle/>
+          <a:p>
+            <a:pPr eaLnBrk="1" hangingPunct="1"/>
+            <a:r>
+              <a:rPr lang="en-US" altLang="zh-CN" sz="2800"/>
+              <a:t>If there is any transaction </a:t>
+            </a:r>
+            <a:r>
+              <a:rPr lang="en-US" altLang="zh-CN" sz="2800" i="1">
+                <a:latin typeface="Times New Roman" charset="0"/>
+              </a:rPr>
+              <a:t>T</a:t>
+            </a:r>
+            <a:r>
+              <a:rPr lang="en-US" altLang="zh-CN" sz="2800" i="1" baseline="-25000">
+                <a:latin typeface="Times New Roman" charset="0"/>
+              </a:rPr>
+              <a:t>k</a:t>
+            </a:r>
+            <a:r>
+              <a:rPr lang="zh-CN" altLang="en-US" sz="2800" b="1" i="1" baseline="-25000">
+                <a:latin typeface="Times New Roman" charset="0"/>
+              </a:rPr>
+              <a:t> </a:t>
+            </a:r>
+            <a:r>
+              <a:rPr lang="en-US" altLang="zh-CN" sz="2800"/>
+              <a:t>, s.t.</a:t>
+            </a:r>
+          </a:p>
+          <a:p>
+            <a:pPr lvl="1" eaLnBrk="1" hangingPunct="1"/>
+            <a:r>
+              <a:rPr lang="en-US" altLang="zh-CN" sz="2400" i="1">
+                <a:latin typeface="Times New Roman" charset="0"/>
+              </a:rPr>
+              <a:t>ts</a:t>
+            </a:r>
+            <a:r>
+              <a:rPr lang="en-US" altLang="zh-CN" sz="2400">
+                <a:latin typeface="Times New Roman" charset="0"/>
+              </a:rPr>
+              <a:t>(</a:t>
+            </a:r>
+            <a:r>
+              <a:rPr lang="en-US" altLang="zh-CN" sz="2400" i="1">
+                <a:latin typeface="Times New Roman" charset="0"/>
+              </a:rPr>
+              <a:t>T</a:t>
+            </a:r>
+            <a:r>
+              <a:rPr lang="en-US" altLang="zh-CN" sz="2400" i="1" baseline="-25000">
+                <a:latin typeface="Times New Roman" charset="0"/>
+              </a:rPr>
+              <a:t>k</a:t>
+            </a:r>
+            <a:r>
+              <a:rPr lang="en-US" altLang="zh-CN" sz="2400">
+                <a:latin typeface="Times New Roman" charset="0"/>
+              </a:rPr>
+              <a:t>) &lt; </a:t>
+            </a:r>
+            <a:r>
+              <a:rPr lang="en-US" altLang="zh-CN" sz="2400" i="1">
+                <a:latin typeface="Times New Roman" charset="0"/>
+              </a:rPr>
+              <a:t>ts</a:t>
+            </a:r>
+            <a:r>
+              <a:rPr lang="en-US" altLang="zh-CN" sz="2400">
+                <a:latin typeface="Times New Roman" charset="0"/>
+              </a:rPr>
+              <a:t>(</a:t>
+            </a:r>
+            <a:r>
+              <a:rPr lang="en-US" altLang="zh-CN" sz="2400" i="1">
+                <a:latin typeface="Times New Roman" charset="0"/>
+              </a:rPr>
+              <a:t>T</a:t>
+            </a:r>
+            <a:r>
+              <a:rPr lang="en-US" altLang="zh-CN" sz="2400" i="1" baseline="-25000">
+                <a:latin typeface="Times New Roman" charset="0"/>
+              </a:rPr>
+              <a:t>ij</a:t>
+            </a:r>
+            <a:r>
+              <a:rPr lang="en-US" altLang="zh-CN" sz="2400">
+                <a:latin typeface="Times New Roman" charset="0"/>
+              </a:rPr>
+              <a:t>)</a:t>
+            </a:r>
+            <a:r>
+              <a:rPr lang="en-US" altLang="zh-CN" sz="2400"/>
+              <a:t>, and</a:t>
+            </a:r>
+            <a:endParaRPr lang="en-US" altLang="zh-CN" sz="2400">
+              <a:latin typeface="Times New Roman" charset="0"/>
+            </a:endParaRPr>
+          </a:p>
+          <a:p>
+            <a:pPr lvl="1" eaLnBrk="1" hangingPunct="1"/>
+            <a:r>
+              <a:rPr lang="en-US" altLang="zh-CN" sz="2400" i="1">
+                <a:latin typeface="Times New Roman" charset="0"/>
+              </a:rPr>
+              <a:t>T</a:t>
+            </a:r>
+            <a:r>
+              <a:rPr lang="en-US" altLang="zh-CN" sz="2400" i="1" baseline="-25000">
+                <a:latin typeface="Times New Roman" charset="0"/>
+              </a:rPr>
+              <a:t>k</a:t>
+            </a:r>
+            <a:r>
+              <a:rPr lang="en-US" altLang="zh-CN" sz="2400"/>
+              <a:t> completes the </a:t>
+            </a:r>
+            <a:r>
+              <a:rPr lang="en-US" altLang="zh-CN" sz="2400">
+                <a:solidFill>
+                  <a:srgbClr val="FF0000"/>
+                </a:solidFill>
+              </a:rPr>
+              <a:t>read</a:t>
+            </a:r>
+            <a:r>
+              <a:rPr lang="en-US" altLang="zh-CN" sz="2400"/>
+              <a:t> phase before </a:t>
+            </a:r>
+            <a:r>
+              <a:rPr lang="en-US" altLang="zh-CN" sz="2400" i="1">
+                <a:latin typeface="Times New Roman" charset="0"/>
+              </a:rPr>
+              <a:t>T</a:t>
+            </a:r>
+            <a:r>
+              <a:rPr lang="en-US" altLang="zh-CN" sz="2400" i="1" baseline="-25000">
+                <a:latin typeface="Times New Roman" charset="0"/>
+              </a:rPr>
+              <a:t>ij</a:t>
+            </a:r>
+            <a:r>
+              <a:rPr lang="en-US" altLang="zh-CN" sz="2400"/>
+              <a:t> completes the </a:t>
+            </a:r>
+            <a:r>
+              <a:rPr lang="en-US" altLang="zh-CN" sz="2400">
+                <a:solidFill>
+                  <a:srgbClr val="FF0000"/>
+                </a:solidFill>
+              </a:rPr>
+              <a:t>read</a:t>
+            </a:r>
+            <a:r>
+              <a:rPr lang="en-US" altLang="zh-CN" sz="2400"/>
+              <a:t> phase, and</a:t>
+            </a:r>
+          </a:p>
+          <a:p>
+            <a:pPr lvl="1" eaLnBrk="1" hangingPunct="1"/>
+            <a:r>
+              <a:rPr lang="en-US" altLang="zh-CN" sz="2400">
+                <a:latin typeface="Times New Roman" charset="0"/>
+              </a:rPr>
+              <a:t>WS(</a:t>
+            </a:r>
+            <a:r>
+              <a:rPr lang="en-US" altLang="zh-CN" sz="2400" i="1">
+                <a:latin typeface="Times New Roman" charset="0"/>
+              </a:rPr>
+              <a:t>T</a:t>
+            </a:r>
+            <a:r>
+              <a:rPr lang="en-US" altLang="zh-CN" sz="2400" i="1" baseline="-25000">
+                <a:latin typeface="Times New Roman" charset="0"/>
+              </a:rPr>
+              <a:t>k</a:t>
+            </a:r>
+            <a:r>
+              <a:rPr lang="en-US" altLang="zh-CN" sz="2400">
+                <a:latin typeface="Times New Roman" charset="0"/>
+              </a:rPr>
+              <a:t>) </a:t>
+            </a:r>
+            <a:r>
+              <a:rPr lang="en-US" altLang="zh-CN" sz="2400">
+                <a:latin typeface="Times New Roman" charset="0"/>
+                <a:sym typeface="Symbol" charset="2"/>
+              </a:rPr>
+              <a:t> </a:t>
+            </a:r>
+            <a:r>
+              <a:rPr lang="en-US" altLang="zh-CN" sz="2400">
+                <a:latin typeface="Times New Roman" charset="0"/>
+              </a:rPr>
+              <a:t>RS(</a:t>
+            </a:r>
+            <a:r>
+              <a:rPr lang="en-US" altLang="zh-CN" sz="2400" i="1">
+                <a:latin typeface="Times New Roman" charset="0"/>
+              </a:rPr>
+              <a:t>T</a:t>
+            </a:r>
+            <a:r>
+              <a:rPr lang="en-US" altLang="zh-CN" sz="2400" i="1" baseline="-25000">
+                <a:latin typeface="Times New Roman" charset="0"/>
+              </a:rPr>
+              <a:t>ij</a:t>
+            </a:r>
+            <a:r>
+              <a:rPr lang="en-US" altLang="zh-CN" sz="2400">
+                <a:latin typeface="Times New Roman" charset="0"/>
+              </a:rPr>
+              <a:t>) = </a:t>
+            </a:r>
+            <a:r>
+              <a:rPr lang="en-US" altLang="zh-CN" sz="2400">
+                <a:latin typeface="Times New Roman" charset="0"/>
+                <a:sym typeface="Symbol" charset="2"/>
+              </a:rPr>
+              <a:t></a:t>
+            </a:r>
+            <a:r>
+              <a:rPr lang="en-US" altLang="zh-CN" sz="2400"/>
+              <a:t> , and</a:t>
+            </a:r>
+          </a:p>
+          <a:p>
+            <a:pPr lvl="1" eaLnBrk="1" hangingPunct="1"/>
+            <a:r>
+              <a:rPr lang="en-US" altLang="zh-CN" sz="2400">
+                <a:latin typeface="Times New Roman" charset="0"/>
+              </a:rPr>
+              <a:t>RS(</a:t>
+            </a:r>
+            <a:r>
+              <a:rPr lang="en-US" altLang="zh-CN" sz="2400" i="1">
+                <a:latin typeface="Times New Roman" charset="0"/>
+              </a:rPr>
+              <a:t>T</a:t>
+            </a:r>
+            <a:r>
+              <a:rPr lang="en-US" altLang="zh-CN" sz="2400" i="1" baseline="-25000">
+                <a:latin typeface="Times New Roman" charset="0"/>
+              </a:rPr>
+              <a:t>k</a:t>
+            </a:r>
+            <a:r>
+              <a:rPr lang="en-US" altLang="zh-CN" sz="2400">
+                <a:latin typeface="Times New Roman" charset="0"/>
+              </a:rPr>
+              <a:t>) </a:t>
+            </a:r>
+            <a:r>
+              <a:rPr lang="en-US" altLang="zh-CN" sz="2400">
+                <a:latin typeface="Times New Roman" charset="0"/>
+                <a:sym typeface="Symbol" charset="2"/>
+              </a:rPr>
+              <a:t> W</a:t>
+            </a:r>
+            <a:r>
+              <a:rPr lang="en-US" altLang="zh-CN" sz="2400">
+                <a:latin typeface="Times New Roman" charset="0"/>
+              </a:rPr>
+              <a:t>S(</a:t>
+            </a:r>
+            <a:r>
+              <a:rPr lang="en-US" altLang="zh-CN" sz="2400" i="1">
+                <a:latin typeface="Times New Roman" charset="0"/>
+              </a:rPr>
+              <a:t>T</a:t>
+            </a:r>
+            <a:r>
+              <a:rPr lang="en-US" altLang="zh-CN" sz="2400" i="1" baseline="-25000">
+                <a:latin typeface="Times New Roman" charset="0"/>
+              </a:rPr>
+              <a:t>ij</a:t>
+            </a:r>
+            <a:r>
+              <a:rPr lang="en-US" altLang="zh-CN" sz="2400">
+                <a:latin typeface="Times New Roman" charset="0"/>
+              </a:rPr>
+              <a:t>) = </a:t>
+            </a:r>
+            <a:r>
+              <a:rPr lang="en-US" altLang="zh-CN" sz="2400">
+                <a:latin typeface="Times New Roman" charset="0"/>
+                <a:sym typeface="Symbol" charset="2"/>
+              </a:rPr>
+              <a:t></a:t>
+            </a:r>
+          </a:p>
+          <a:p>
+            <a:pPr eaLnBrk="1" hangingPunct="1">
+              <a:buFont typeface="Wingdings 2" charset="2"/>
+              <a:buNone/>
+            </a:pPr>
+            <a:r>
+              <a:rPr lang="en-US" altLang="zh-CN" sz="2800">
+                <a:latin typeface="Times New Roman" charset="0"/>
+                <a:sym typeface="Symbol" charset="2"/>
+              </a:rPr>
+              <a:t>	</a:t>
+            </a:r>
+            <a:r>
+              <a:rPr lang="en-US" altLang="zh-CN" sz="2800"/>
+              <a:t>then the validation succeeds.</a:t>
+            </a:r>
+          </a:p>
+        </p:txBody>
+      </p:sp>
+      <p:sp>
+        <p:nvSpPr>
+          <p:cNvPr id="4" name="Footer Placeholder 3"/>
+          <p:cNvSpPr>
+            <a:spLocks noGrp="1"/>
+          </p:cNvSpPr>
+          <p:nvPr>
+            <p:ph type="ftr" sz="quarter" idx="11"/>
+          </p:nvPr>
+        </p:nvSpPr>
+        <p:spPr/>
+        <p:txBody>
+          <a:bodyPr/>
+          <a:lstStyle/>
+          <a:p>
+            <a:pPr>
+              <a:defRPr/>
+            </a:pPr>
+            <a:r>
+              <a:rPr lang="en-US" altLang="zh-CN" smtClean="0"/>
+              <a:t>Distributed Database Systems</a:t>
+            </a:r>
+            <a:endParaRPr lang="zh-CN" altLang="en-US"/>
+          </a:p>
+        </p:txBody>
+      </p:sp>
+      <p:sp>
+        <p:nvSpPr>
+          <p:cNvPr id="21508" name="Slide Number Placeholder 4"/>
+          <p:cNvSpPr>
+            <a:spLocks noGrp="1"/>
+          </p:cNvSpPr>
+          <p:nvPr>
+            <p:ph type="sldNum" sz="quarter" idx="12"/>
+          </p:nvPr>
+        </p:nvSpPr>
+        <p:spPr bwMode="auto">
+          <a:noFill/>
+          <a:extLst>
+            <a:ext uri="{909E8E84-426E-40DD-AFC4-6F175D3DCCD1}">
+              <a14:hiddenFill xmlns:a14="http://schemas.microsoft.com/office/drawing/2010/main">
+                <a:solidFill>
+                  <a:srgbClr val="FFFFFF"/>
+                </a:solidFill>
+              </a14:hiddenFill>
+            </a:ext>
+            <a:ext uri="{91240B29-F687-4F45-9708-019B960494DF}">
+              <a14:hiddenLine xmlns:a14="http://schemas.microsoft.com/office/drawing/2010/main" w="9525">
+                <a:solidFill>
+                  <a:srgbClr val="000000"/>
+                </a:solidFill>
+                <a:miter lim="800000"/>
+                <a:headEnd/>
+                <a:tailEnd/>
+              </a14:hiddenLine>
+            </a:ext>
+          </a:extLst>
+        </p:spPr>
+        <p:txBody>
+          <a:bodyPr/>
+          <a:lstStyle>
+            <a:lvl1pPr>
+              <a:spcBef>
+                <a:spcPts val="600"/>
+              </a:spcBef>
+              <a:buClr>
+                <a:schemeClr val="accent1"/>
+              </a:buClr>
+              <a:buSzPct val="80000"/>
+              <a:buFont typeface="Wingdings 2" charset="2"/>
+              <a:buChar char=""/>
+              <a:defRPr sz="3200">
+                <a:solidFill>
+                  <a:schemeClr val="tx1"/>
+                </a:solidFill>
+                <a:latin typeface="Gill Sans MT" charset="0"/>
+                <a:ea typeface="华文中宋" charset="-122"/>
+              </a:defRPr>
+            </a:lvl1pPr>
+            <a:lvl2pPr marL="742950" indent="-285750">
+              <a:spcBef>
+                <a:spcPts val="550"/>
+              </a:spcBef>
+              <a:buClr>
+                <a:schemeClr val="accent1"/>
+              </a:buClr>
+              <a:buFont typeface="Verdana" charset="0"/>
+              <a:buChar char="◦"/>
+              <a:defRPr sz="2800">
+                <a:solidFill>
+                  <a:schemeClr val="tx1"/>
+                </a:solidFill>
+                <a:latin typeface="Gill Sans MT" charset="0"/>
+                <a:ea typeface="华文中宋" charset="-122"/>
+              </a:defRPr>
+            </a:lvl2pPr>
+            <a:lvl3pPr marL="1143000" indent="-228600">
+              <a:spcBef>
+                <a:spcPct val="20000"/>
+              </a:spcBef>
+              <a:buClr>
+                <a:schemeClr val="accent2"/>
+              </a:buClr>
+              <a:buFont typeface="Wingdings 2" charset="2"/>
+              <a:buChar char=""/>
+              <a:defRPr sz="2400">
+                <a:solidFill>
+                  <a:schemeClr val="tx1"/>
+                </a:solidFill>
+                <a:latin typeface="Gill Sans MT" charset="0"/>
+                <a:ea typeface="华文中宋" charset="-122"/>
+              </a:defRPr>
+            </a:lvl3pPr>
+            <a:lvl4pPr marL="1600200" indent="-228600">
+              <a:spcBef>
+                <a:spcPct val="20000"/>
+              </a:spcBef>
+              <a:buClr>
+                <a:srgbClr val="9BBB59"/>
+              </a:buClr>
+              <a:buFont typeface="Wingdings 2" charset="2"/>
+              <a:buChar char=""/>
+              <a:defRPr sz="2000">
+                <a:solidFill>
+                  <a:schemeClr val="tx1"/>
+                </a:solidFill>
+                <a:latin typeface="Gill Sans MT" charset="0"/>
+                <a:ea typeface="华文中宋" charset="-122"/>
+              </a:defRPr>
+            </a:lvl4pPr>
+            <a:lvl5pPr marL="2057400" indent="-228600">
+              <a:spcBef>
+                <a:spcPct val="20000"/>
+              </a:spcBef>
+              <a:buClr>
+                <a:srgbClr val="8064A2"/>
+              </a:buClr>
+              <a:buFont typeface="Wingdings 2" charset="2"/>
+              <a:buChar char=""/>
+              <a:defRPr sz="2000">
+                <a:solidFill>
+                  <a:schemeClr val="tx1"/>
+                </a:solidFill>
+                <a:latin typeface="Gill Sans MT" charset="0"/>
+                <a:ea typeface="华文中宋" charset="-122"/>
+              </a:defRPr>
+            </a:lvl5pPr>
+            <a:lvl6pPr marL="2514600" indent="-228600" eaLnBrk="0" fontAlgn="base" hangingPunct="0">
+              <a:spcBef>
+                <a:spcPct val="20000"/>
+              </a:spcBef>
+              <a:spcAft>
+                <a:spcPct val="0"/>
+              </a:spcAft>
+              <a:buClr>
+                <a:srgbClr val="8064A2"/>
+              </a:buClr>
+              <a:buFont typeface="Wingdings 2" charset="2"/>
+              <a:buChar char=""/>
+              <a:defRPr sz="2000">
+                <a:solidFill>
+                  <a:schemeClr val="tx1"/>
+                </a:solidFill>
+                <a:latin typeface="Gill Sans MT" charset="0"/>
+                <a:ea typeface="华文中宋" charset="-122"/>
+              </a:defRPr>
+            </a:lvl6pPr>
+            <a:lvl7pPr marL="2971800" indent="-228600" eaLnBrk="0" fontAlgn="base" hangingPunct="0">
+              <a:spcBef>
+                <a:spcPct val="20000"/>
+              </a:spcBef>
+              <a:spcAft>
+                <a:spcPct val="0"/>
+              </a:spcAft>
+              <a:buClr>
+                <a:srgbClr val="8064A2"/>
+              </a:buClr>
+              <a:buFont typeface="Wingdings 2" charset="2"/>
+              <a:buChar char=""/>
+              <a:defRPr sz="2000">
+                <a:solidFill>
+                  <a:schemeClr val="tx1"/>
+                </a:solidFill>
+                <a:latin typeface="Gill Sans MT" charset="0"/>
+                <a:ea typeface="华文中宋" charset="-122"/>
+              </a:defRPr>
+            </a:lvl7pPr>
+            <a:lvl8pPr marL="3429000" indent="-228600" eaLnBrk="0" fontAlgn="base" hangingPunct="0">
+              <a:spcBef>
+                <a:spcPct val="20000"/>
+              </a:spcBef>
+              <a:spcAft>
+                <a:spcPct val="0"/>
+              </a:spcAft>
+              <a:buClr>
+                <a:srgbClr val="8064A2"/>
+              </a:buClr>
+              <a:buFont typeface="Wingdings 2" charset="2"/>
+              <a:buChar char=""/>
+              <a:defRPr sz="2000">
+                <a:solidFill>
+                  <a:schemeClr val="tx1"/>
+                </a:solidFill>
+                <a:latin typeface="Gill Sans MT" charset="0"/>
+                <a:ea typeface="华文中宋" charset="-122"/>
+              </a:defRPr>
+            </a:lvl8pPr>
+            <a:lvl9pPr marL="3886200" indent="-228600" eaLnBrk="0" fontAlgn="base" hangingPunct="0">
+              <a:spcBef>
+                <a:spcPct val="20000"/>
+              </a:spcBef>
+              <a:spcAft>
+                <a:spcPct val="0"/>
+              </a:spcAft>
+              <a:buClr>
+                <a:srgbClr val="8064A2"/>
+              </a:buClr>
+              <a:buFont typeface="Wingdings 2" charset="2"/>
+              <a:buChar char=""/>
+              <a:defRPr sz="2000">
+                <a:solidFill>
+                  <a:schemeClr val="tx1"/>
+                </a:solidFill>
+                <a:latin typeface="Gill Sans MT" charset="0"/>
+                <a:ea typeface="华文中宋" charset="-122"/>
+              </a:defRPr>
+            </a:lvl9pPr>
+          </a:lstStyle>
+          <a:p>
+            <a:pPr>
+              <a:spcBef>
+                <a:spcPct val="0"/>
+              </a:spcBef>
+              <a:buClrTx/>
+              <a:buSzTx/>
+              <a:buFontTx/>
+              <a:buNone/>
+            </a:pPr>
+            <a:fld id="{DEEDC82A-DFAE-DF4A-BE7D-358764D06E60}" type="slidenum">
+              <a:rPr lang="zh-CN" altLang="en-US" sz="1200">
+                <a:solidFill>
+                  <a:srgbClr val="B4B1A0"/>
+                </a:solidFill>
+              </a:rPr>
+              <a:pPr>
+                <a:spcBef>
+                  <a:spcPct val="0"/>
+                </a:spcBef>
+                <a:buClrTx/>
+                <a:buSzTx/>
+                <a:buFontTx/>
+                <a:buNone/>
+              </a:pPr>
+              <a:t>68</a:t>
+            </a:fld>
+            <a:endParaRPr lang="zh-CN" altLang="en-US" sz="1200">
+              <a:solidFill>
+                <a:srgbClr val="B4B1A0"/>
+              </a:solidFill>
+            </a:endParaRPr>
+          </a:p>
+        </p:txBody>
+      </p:sp>
+      <p:pic>
+        <p:nvPicPr>
+          <p:cNvPr id="21509" name="Picture 2"/>
+          <p:cNvPicPr>
+            <a:picLocks noChangeAspect="1" noChangeArrowheads="1"/>
+          </p:cNvPicPr>
+          <p:nvPr/>
+        </p:nvPicPr>
+        <p:blipFill>
+          <a:blip r:embed="rId2">
+            <a:extLst>
+              <a:ext uri="{28A0092B-C50C-407E-A947-70E740481C1C}">
+                <a14:useLocalDpi xmlns:a14="http://schemas.microsoft.com/office/drawing/2010/main" val="0"/>
+              </a:ext>
+            </a:extLst>
+          </a:blip>
+          <a:srcRect/>
+          <a:stretch>
+            <a:fillRect/>
+          </a:stretch>
+        </p:blipFill>
+        <p:spPr bwMode="auto">
+          <a:xfrm>
+            <a:off x="3000375" y="4929188"/>
+            <a:ext cx="3190875" cy="1219200"/>
+          </a:xfrm>
+          <a:prstGeom prst="rect">
+            <a:avLst/>
+          </a:prstGeom>
+          <a:noFill/>
+          <a:ln>
+            <a:noFill/>
+          </a:ln>
+          <a:extLst>
+            <a:ext uri="{909E8E84-426E-40DD-AFC4-6F175D3DCCD1}">
+              <a14:hiddenFill xmlns:a14="http://schemas.microsoft.com/office/drawing/2010/main">
+                <a:solidFill>
+                  <a:srgbClr val="FFFFFF"/>
+                </a:solidFill>
+              </a14:hiddenFill>
+            </a:ext>
+            <a:ext uri="{91240B29-F687-4F45-9708-019B960494DF}">
+              <a14:hiddenLine xmlns:a14="http://schemas.microsoft.com/office/drawing/2010/main" w="9525">
+                <a:solidFill>
+                  <a:srgbClr val="000000"/>
+                </a:solidFill>
+                <a:miter lim="800000"/>
+                <a:headEnd/>
+                <a:tailEnd/>
+              </a14:hiddenLine>
+            </a:ext>
+          </a:extLst>
+        </p:spPr>
+      </p:pic>
+    </p:spTree>
+    <p:extLst>
+      <p:ext uri="{BB962C8B-B14F-4D97-AF65-F5344CB8AC3E}">
+        <p14:creationId xmlns:p14="http://schemas.microsoft.com/office/powerpoint/2010/main" val="1229540671"/>
+      </p:ext>
+    </p:extLst>
+  </p:cSld>
+  <p:clrMapOvr>
+    <a:masterClrMapping/>
+  </p:clrMapOvr>
+  <p:timing>
+    <p:tnLst>
+      <p:par>
+        <p:cTn id="1" dur="indefinite" restart="never" nodeType="tmRoot"/>
+      </p:par>
+    </p:tnLst>
+  </p:timing>
+</p:sld>
+</file>
+
+<file path=ppt/slides/slide69.xml><?xml version="1.0" encoding="utf-8"?>
+<p:sld xmlns:a="http://schemas.openxmlformats.org/drawingml/2006/main" xmlns:r="http://schemas.openxmlformats.org/officeDocument/2006/relationships" xmlns:p="http://schemas.openxmlformats.org/presentationml/2006/main">
+  <p:cSld>
+    <p:spTree>
+      <p:nvGrpSpPr>
+        <p:cNvPr id="1" name=""/>
+        <p:cNvGrpSpPr/>
+        <p:nvPr/>
+      </p:nvGrpSpPr>
+      <p:grpSpPr>
+        <a:xfrm>
+          <a:off x="0" y="0"/>
+          <a:ext cx="0" cy="0"/>
+          <a:chOff x="0" y="0"/>
+          <a:chExt cx="0" cy="0"/>
+        </a:xfrm>
+      </p:grpSpPr>
+      <p:sp>
+        <p:nvSpPr>
+          <p:cNvPr id="2" name="Title 1"/>
+          <p:cNvSpPr>
+            <a:spLocks noGrp="1"/>
+          </p:cNvSpPr>
+          <p:nvPr>
+            <p:ph type="title"/>
+          </p:nvPr>
+        </p:nvSpPr>
+        <p:spPr/>
+        <p:txBody>
+          <a:bodyPr/>
+          <a:lstStyle/>
+          <a:p>
+            <a:pPr eaLnBrk="1" hangingPunct="1">
+              <a:defRPr/>
+            </a:pPr>
+            <a:r>
+              <a:rPr lang="en-US" dirty="0" smtClean="0"/>
+              <a:t>Global validation</a:t>
+            </a:r>
+            <a:endParaRPr lang="zh-CN" altLang="en-US" dirty="0"/>
+          </a:p>
+        </p:txBody>
+      </p:sp>
+      <p:sp>
+        <p:nvSpPr>
+          <p:cNvPr id="22530" name="Content Placeholder 2"/>
+          <p:cNvSpPr>
+            <a:spLocks noGrp="1"/>
+          </p:cNvSpPr>
+          <p:nvPr>
+            <p:ph idx="1"/>
+          </p:nvPr>
+        </p:nvSpPr>
+        <p:spPr/>
+        <p:txBody>
+          <a:bodyPr/>
+          <a:lstStyle/>
+          <a:p>
+            <a:pPr eaLnBrk="1" hangingPunct="1"/>
+            <a:r>
+              <a:rPr lang="en-US" altLang="zh-CN"/>
+              <a:t>There is no known optimistic method for doing it!</a:t>
+            </a:r>
+          </a:p>
+          <a:p>
+            <a:pPr eaLnBrk="1" hangingPunct="1"/>
+            <a:r>
+              <a:rPr lang="en-US" altLang="zh-CN"/>
+              <a:t>One pessimistic method for doing it</a:t>
+            </a:r>
+            <a:endParaRPr lang="zh-CN" altLang="en-US"/>
+          </a:p>
+          <a:p>
+            <a:pPr lvl="1" eaLnBrk="1" hangingPunct="1"/>
+            <a:r>
+              <a:rPr lang="en-US" altLang="zh-CN"/>
+              <a:t>A transaction is globally validated if all the transactions that precede it in the serialization order (at that site) terminate i.e. commit/abort.</a:t>
+            </a:r>
+            <a:endParaRPr lang="zh-CN" altLang="en-US"/>
+          </a:p>
+        </p:txBody>
+      </p:sp>
+      <p:sp>
+        <p:nvSpPr>
+          <p:cNvPr id="4" name="Footer Placeholder 3"/>
+          <p:cNvSpPr>
+            <a:spLocks noGrp="1"/>
+          </p:cNvSpPr>
+          <p:nvPr>
+            <p:ph type="ftr" sz="quarter" idx="11"/>
+          </p:nvPr>
+        </p:nvSpPr>
+        <p:spPr/>
+        <p:txBody>
+          <a:bodyPr/>
+          <a:lstStyle/>
+          <a:p>
+            <a:pPr>
+              <a:defRPr/>
+            </a:pPr>
+            <a:r>
+              <a:rPr lang="en-US" altLang="zh-CN" smtClean="0"/>
+              <a:t>Distributed Database Systems</a:t>
+            </a:r>
+            <a:endParaRPr lang="zh-CN" altLang="en-US"/>
+          </a:p>
+        </p:txBody>
+      </p:sp>
+      <p:sp>
+        <p:nvSpPr>
+          <p:cNvPr id="22532" name="Slide Number Placeholder 4"/>
+          <p:cNvSpPr>
+            <a:spLocks noGrp="1"/>
+          </p:cNvSpPr>
+          <p:nvPr>
+            <p:ph type="sldNum" sz="quarter" idx="12"/>
+          </p:nvPr>
+        </p:nvSpPr>
+        <p:spPr bwMode="auto">
+          <a:noFill/>
+          <a:extLst>
+            <a:ext uri="{909E8E84-426E-40DD-AFC4-6F175D3DCCD1}">
+              <a14:hiddenFill xmlns:a14="http://schemas.microsoft.com/office/drawing/2010/main">
+                <a:solidFill>
+                  <a:srgbClr val="FFFFFF"/>
+                </a:solidFill>
+              </a14:hiddenFill>
+            </a:ext>
+            <a:ext uri="{91240B29-F687-4F45-9708-019B960494DF}">
+              <a14:hiddenLine xmlns:a14="http://schemas.microsoft.com/office/drawing/2010/main" w="9525">
+                <a:solidFill>
+                  <a:srgbClr val="000000"/>
+                </a:solidFill>
+                <a:miter lim="800000"/>
+                <a:headEnd/>
+                <a:tailEnd/>
+              </a14:hiddenLine>
+            </a:ext>
+          </a:extLst>
+        </p:spPr>
+        <p:txBody>
+          <a:bodyPr/>
+          <a:lstStyle>
+            <a:lvl1pPr>
+              <a:spcBef>
+                <a:spcPts val="600"/>
+              </a:spcBef>
+              <a:buClr>
+                <a:schemeClr val="accent1"/>
+              </a:buClr>
+              <a:buSzPct val="80000"/>
+              <a:buFont typeface="Wingdings 2" charset="2"/>
+              <a:buChar char=""/>
+              <a:defRPr sz="3200">
+                <a:solidFill>
+                  <a:schemeClr val="tx1"/>
+                </a:solidFill>
+                <a:latin typeface="Gill Sans MT" charset="0"/>
+                <a:ea typeface="华文中宋" charset="-122"/>
+              </a:defRPr>
+            </a:lvl1pPr>
+            <a:lvl2pPr marL="742950" indent="-285750">
+              <a:spcBef>
+                <a:spcPts val="550"/>
+              </a:spcBef>
+              <a:buClr>
+                <a:schemeClr val="accent1"/>
+              </a:buClr>
+              <a:buFont typeface="Verdana" charset="0"/>
+              <a:buChar char="◦"/>
+              <a:defRPr sz="2800">
+                <a:solidFill>
+                  <a:schemeClr val="tx1"/>
+                </a:solidFill>
+                <a:latin typeface="Gill Sans MT" charset="0"/>
+                <a:ea typeface="华文中宋" charset="-122"/>
+              </a:defRPr>
+            </a:lvl2pPr>
+            <a:lvl3pPr marL="1143000" indent="-228600">
+              <a:spcBef>
+                <a:spcPct val="20000"/>
+              </a:spcBef>
+              <a:buClr>
+                <a:schemeClr val="accent2"/>
+              </a:buClr>
+              <a:buFont typeface="Wingdings 2" charset="2"/>
+              <a:buChar char=""/>
+              <a:defRPr sz="2400">
+                <a:solidFill>
+                  <a:schemeClr val="tx1"/>
+                </a:solidFill>
+                <a:latin typeface="Gill Sans MT" charset="0"/>
+                <a:ea typeface="华文中宋" charset="-122"/>
+              </a:defRPr>
+            </a:lvl3pPr>
+            <a:lvl4pPr marL="1600200" indent="-228600">
+              <a:spcBef>
+                <a:spcPct val="20000"/>
+              </a:spcBef>
+              <a:buClr>
+                <a:srgbClr val="9BBB59"/>
+              </a:buClr>
+              <a:buFont typeface="Wingdings 2" charset="2"/>
+              <a:buChar char=""/>
+              <a:defRPr sz="2000">
+                <a:solidFill>
+                  <a:schemeClr val="tx1"/>
+                </a:solidFill>
+                <a:latin typeface="Gill Sans MT" charset="0"/>
+                <a:ea typeface="华文中宋" charset="-122"/>
+              </a:defRPr>
+            </a:lvl4pPr>
+            <a:lvl5pPr marL="2057400" indent="-228600">
+              <a:spcBef>
+                <a:spcPct val="20000"/>
+              </a:spcBef>
+              <a:buClr>
+                <a:srgbClr val="8064A2"/>
+              </a:buClr>
+              <a:buFont typeface="Wingdings 2" charset="2"/>
+              <a:buChar char=""/>
+              <a:defRPr sz="2000">
+                <a:solidFill>
+                  <a:schemeClr val="tx1"/>
+                </a:solidFill>
+                <a:latin typeface="Gill Sans MT" charset="0"/>
+                <a:ea typeface="华文中宋" charset="-122"/>
+              </a:defRPr>
+            </a:lvl5pPr>
+            <a:lvl6pPr marL="2514600" indent="-228600" eaLnBrk="0" fontAlgn="base" hangingPunct="0">
+              <a:spcBef>
+                <a:spcPct val="20000"/>
+              </a:spcBef>
+              <a:spcAft>
+                <a:spcPct val="0"/>
+              </a:spcAft>
+              <a:buClr>
+                <a:srgbClr val="8064A2"/>
+              </a:buClr>
+              <a:buFont typeface="Wingdings 2" charset="2"/>
+              <a:buChar char=""/>
+              <a:defRPr sz="2000">
+                <a:solidFill>
+                  <a:schemeClr val="tx1"/>
+                </a:solidFill>
+                <a:latin typeface="Gill Sans MT" charset="0"/>
+                <a:ea typeface="华文中宋" charset="-122"/>
+              </a:defRPr>
+            </a:lvl6pPr>
+            <a:lvl7pPr marL="2971800" indent="-228600" eaLnBrk="0" fontAlgn="base" hangingPunct="0">
+              <a:spcBef>
+                <a:spcPct val="20000"/>
+              </a:spcBef>
+              <a:spcAft>
+                <a:spcPct val="0"/>
+              </a:spcAft>
+              <a:buClr>
+                <a:srgbClr val="8064A2"/>
+              </a:buClr>
+              <a:buFont typeface="Wingdings 2" charset="2"/>
+              <a:buChar char=""/>
+              <a:defRPr sz="2000">
+                <a:solidFill>
+                  <a:schemeClr val="tx1"/>
+                </a:solidFill>
+                <a:latin typeface="Gill Sans MT" charset="0"/>
+                <a:ea typeface="华文中宋" charset="-122"/>
+              </a:defRPr>
+            </a:lvl7pPr>
+            <a:lvl8pPr marL="3429000" indent="-228600" eaLnBrk="0" fontAlgn="base" hangingPunct="0">
+              <a:spcBef>
+                <a:spcPct val="20000"/>
+              </a:spcBef>
+              <a:spcAft>
+                <a:spcPct val="0"/>
+              </a:spcAft>
+              <a:buClr>
+                <a:srgbClr val="8064A2"/>
+              </a:buClr>
+              <a:buFont typeface="Wingdings 2" charset="2"/>
+              <a:buChar char=""/>
+              <a:defRPr sz="2000">
+                <a:solidFill>
+                  <a:schemeClr val="tx1"/>
+                </a:solidFill>
+                <a:latin typeface="Gill Sans MT" charset="0"/>
+                <a:ea typeface="华文中宋" charset="-122"/>
+              </a:defRPr>
+            </a:lvl8pPr>
+            <a:lvl9pPr marL="3886200" indent="-228600" eaLnBrk="0" fontAlgn="base" hangingPunct="0">
+              <a:spcBef>
+                <a:spcPct val="20000"/>
+              </a:spcBef>
+              <a:spcAft>
+                <a:spcPct val="0"/>
+              </a:spcAft>
+              <a:buClr>
+                <a:srgbClr val="8064A2"/>
+              </a:buClr>
+              <a:buFont typeface="Wingdings 2" charset="2"/>
+              <a:buChar char=""/>
+              <a:defRPr sz="2000">
+                <a:solidFill>
+                  <a:schemeClr val="tx1"/>
+                </a:solidFill>
+                <a:latin typeface="Gill Sans MT" charset="0"/>
+                <a:ea typeface="华文中宋" charset="-122"/>
+              </a:defRPr>
+            </a:lvl9pPr>
+          </a:lstStyle>
+          <a:p>
+            <a:pPr>
+              <a:spcBef>
+                <a:spcPct val="0"/>
+              </a:spcBef>
+              <a:buClrTx/>
+              <a:buSzTx/>
+              <a:buFontTx/>
+              <a:buNone/>
+            </a:pPr>
+            <a:fld id="{EF1681BA-35AC-3841-B6F5-89A4774C52CD}" type="slidenum">
+              <a:rPr lang="zh-CN" altLang="en-US" sz="1200">
+                <a:solidFill>
+                  <a:srgbClr val="B4B1A0"/>
+                </a:solidFill>
+              </a:rPr>
+              <a:pPr>
+                <a:spcBef>
+                  <a:spcPct val="0"/>
+                </a:spcBef>
+                <a:buClrTx/>
+                <a:buSzTx/>
+                <a:buFontTx/>
+                <a:buNone/>
+              </a:pPr>
+              <a:t>69</a:t>
+            </a:fld>
+            <a:endParaRPr lang="zh-CN" altLang="en-US" sz="1200">
+              <a:solidFill>
+                <a:srgbClr val="B4B1A0"/>
+              </a:solidFill>
+            </a:endParaRPr>
+          </a:p>
+        </p:txBody>
+      </p:sp>
+    </p:spTree>
+    <p:extLst>
+      <p:ext uri="{BB962C8B-B14F-4D97-AF65-F5344CB8AC3E}">
+        <p14:creationId xmlns:p14="http://schemas.microsoft.com/office/powerpoint/2010/main" val="1888613584"/>
+      </p:ext>
+    </p:extLst>
   </p:cSld>
   <p:clrMapOvr>
     <a:masterClrMapping/>
@@ -35686,6 +38725,406 @@
         </p:style>
       </p:cxnSp>
     </p:spTree>
+  </p:cSld>
+  <p:clrMapOvr>
+    <a:masterClrMapping/>
+  </p:clrMapOvr>
+  <p:timing>
+    <p:tnLst>
+      <p:par>
+        <p:cTn id="1" dur="indefinite" restart="never" nodeType="tmRoot"/>
+      </p:par>
+    </p:tnLst>
+  </p:timing>
+</p:sld>
+</file>
+
+<file path=ppt/slides/slide70.xml><?xml version="1.0" encoding="utf-8"?>
+<p:sld xmlns:a="http://schemas.openxmlformats.org/drawingml/2006/main" xmlns:r="http://schemas.openxmlformats.org/officeDocument/2006/relationships" xmlns:p="http://schemas.openxmlformats.org/presentationml/2006/main">
+  <p:cSld>
+    <p:spTree>
+      <p:nvGrpSpPr>
+        <p:cNvPr id="1" name=""/>
+        <p:cNvGrpSpPr/>
+        <p:nvPr/>
+      </p:nvGrpSpPr>
+      <p:grpSpPr>
+        <a:xfrm>
+          <a:off x="0" y="0"/>
+          <a:ext cx="0" cy="0"/>
+          <a:chOff x="0" y="0"/>
+          <a:chExt cx="0" cy="0"/>
+        </a:xfrm>
+      </p:grpSpPr>
+      <p:sp>
+        <p:nvSpPr>
+          <p:cNvPr id="2" name="Title 1"/>
+          <p:cNvSpPr>
+            <a:spLocks noGrp="1"/>
+          </p:cNvSpPr>
+          <p:nvPr>
+            <p:ph type="title"/>
+          </p:nvPr>
+        </p:nvSpPr>
+        <p:spPr/>
+        <p:txBody>
+          <a:bodyPr/>
+          <a:lstStyle/>
+          <a:p>
+            <a:pPr eaLnBrk="1" hangingPunct="1">
+              <a:defRPr/>
+            </a:pPr>
+            <a:r>
+              <a:rPr lang="en-US" altLang="zh-CN" dirty="0" smtClean="0"/>
+              <a:t>Conclusion</a:t>
+            </a:r>
+            <a:endParaRPr lang="zh-CN" altLang="en-US" dirty="0"/>
+          </a:p>
+        </p:txBody>
+      </p:sp>
+      <p:sp>
+        <p:nvSpPr>
+          <p:cNvPr id="23554" name="Content Placeholder 2"/>
+          <p:cNvSpPr>
+            <a:spLocks noGrp="1"/>
+          </p:cNvSpPr>
+          <p:nvPr>
+            <p:ph idx="1"/>
+          </p:nvPr>
+        </p:nvSpPr>
+        <p:spPr/>
+        <p:txBody>
+          <a:bodyPr/>
+          <a:lstStyle/>
+          <a:p>
+            <a:pPr eaLnBrk="1" hangingPunct="1"/>
+            <a:r>
+              <a:rPr lang="en-US" altLang="zh-CN"/>
+              <a:t>Advantages of optimistic algorithm</a:t>
+            </a:r>
+          </a:p>
+          <a:p>
+            <a:pPr lvl="1" eaLnBrk="1" hangingPunct="1"/>
+            <a:r>
+              <a:rPr lang="en-US" altLang="zh-CN">
+                <a:solidFill>
+                  <a:srgbClr val="FF0000"/>
+                </a:solidFill>
+              </a:rPr>
+              <a:t>higher concurrency</a:t>
+            </a:r>
+            <a:r>
+              <a:rPr lang="en-US" altLang="zh-CN"/>
+              <a:t>.</a:t>
+            </a:r>
+            <a:endParaRPr lang="zh-CN" altLang="en-US"/>
+          </a:p>
+          <a:p>
+            <a:pPr eaLnBrk="1" hangingPunct="1"/>
+            <a:r>
+              <a:rPr lang="en-US" altLang="zh-CN"/>
+              <a:t>Disadvantages</a:t>
+            </a:r>
+          </a:p>
+          <a:p>
+            <a:pPr lvl="1" eaLnBrk="1" hangingPunct="1"/>
+            <a:r>
+              <a:rPr lang="en-US" altLang="zh-CN">
+                <a:solidFill>
+                  <a:srgbClr val="FF0000"/>
+                </a:solidFill>
+              </a:rPr>
+              <a:t>higher storage cost</a:t>
+            </a:r>
+            <a:r>
+              <a:rPr lang="en-US" altLang="zh-CN"/>
+              <a:t> for ordering of transactions.</a:t>
+            </a:r>
+            <a:endParaRPr lang="zh-CN" altLang="en-US"/>
+          </a:p>
+          <a:p>
+            <a:pPr eaLnBrk="1" hangingPunct="1"/>
+            <a:r>
+              <a:rPr lang="en-US" altLang="zh-CN"/>
+              <a:t>No implementation at the time of writing the textbook.</a:t>
+            </a:r>
+            <a:endParaRPr lang="zh-CN" altLang="en-US"/>
+          </a:p>
+          <a:p>
+            <a:pPr eaLnBrk="1" hangingPunct="1"/>
+            <a:endParaRPr lang="zh-CN" altLang="en-US"/>
+          </a:p>
+        </p:txBody>
+      </p:sp>
+      <p:sp>
+        <p:nvSpPr>
+          <p:cNvPr id="4" name="Footer Placeholder 3"/>
+          <p:cNvSpPr>
+            <a:spLocks noGrp="1"/>
+          </p:cNvSpPr>
+          <p:nvPr>
+            <p:ph type="ftr" sz="quarter" idx="11"/>
+          </p:nvPr>
+        </p:nvSpPr>
+        <p:spPr/>
+        <p:txBody>
+          <a:bodyPr/>
+          <a:lstStyle/>
+          <a:p>
+            <a:pPr>
+              <a:defRPr/>
+            </a:pPr>
+            <a:r>
+              <a:rPr lang="en-US" altLang="zh-CN" smtClean="0"/>
+              <a:t>Distributed Database Systems</a:t>
+            </a:r>
+            <a:endParaRPr lang="zh-CN" altLang="en-US"/>
+          </a:p>
+        </p:txBody>
+      </p:sp>
+      <p:sp>
+        <p:nvSpPr>
+          <p:cNvPr id="23556" name="Slide Number Placeholder 4"/>
+          <p:cNvSpPr>
+            <a:spLocks noGrp="1"/>
+          </p:cNvSpPr>
+          <p:nvPr>
+            <p:ph type="sldNum" sz="quarter" idx="12"/>
+          </p:nvPr>
+        </p:nvSpPr>
+        <p:spPr bwMode="auto">
+          <a:noFill/>
+          <a:extLst>
+            <a:ext uri="{909E8E84-426E-40DD-AFC4-6F175D3DCCD1}">
+              <a14:hiddenFill xmlns:a14="http://schemas.microsoft.com/office/drawing/2010/main">
+                <a:solidFill>
+                  <a:srgbClr val="FFFFFF"/>
+                </a:solidFill>
+              </a14:hiddenFill>
+            </a:ext>
+            <a:ext uri="{91240B29-F687-4F45-9708-019B960494DF}">
+              <a14:hiddenLine xmlns:a14="http://schemas.microsoft.com/office/drawing/2010/main" w="9525">
+                <a:solidFill>
+                  <a:srgbClr val="000000"/>
+                </a:solidFill>
+                <a:miter lim="800000"/>
+                <a:headEnd/>
+                <a:tailEnd/>
+              </a14:hiddenLine>
+            </a:ext>
+          </a:extLst>
+        </p:spPr>
+        <p:txBody>
+          <a:bodyPr/>
+          <a:lstStyle>
+            <a:lvl1pPr>
+              <a:spcBef>
+                <a:spcPts val="600"/>
+              </a:spcBef>
+              <a:buClr>
+                <a:schemeClr val="accent1"/>
+              </a:buClr>
+              <a:buSzPct val="80000"/>
+              <a:buFont typeface="Wingdings 2" charset="2"/>
+              <a:buChar char=""/>
+              <a:defRPr sz="3200">
+                <a:solidFill>
+                  <a:schemeClr val="tx1"/>
+                </a:solidFill>
+                <a:latin typeface="Gill Sans MT" charset="0"/>
+                <a:ea typeface="华文中宋" charset="-122"/>
+              </a:defRPr>
+            </a:lvl1pPr>
+            <a:lvl2pPr marL="742950" indent="-285750">
+              <a:spcBef>
+                <a:spcPts val="550"/>
+              </a:spcBef>
+              <a:buClr>
+                <a:schemeClr val="accent1"/>
+              </a:buClr>
+              <a:buFont typeface="Verdana" charset="0"/>
+              <a:buChar char="◦"/>
+              <a:defRPr sz="2800">
+                <a:solidFill>
+                  <a:schemeClr val="tx1"/>
+                </a:solidFill>
+                <a:latin typeface="Gill Sans MT" charset="0"/>
+                <a:ea typeface="华文中宋" charset="-122"/>
+              </a:defRPr>
+            </a:lvl2pPr>
+            <a:lvl3pPr marL="1143000" indent="-228600">
+              <a:spcBef>
+                <a:spcPct val="20000"/>
+              </a:spcBef>
+              <a:buClr>
+                <a:schemeClr val="accent2"/>
+              </a:buClr>
+              <a:buFont typeface="Wingdings 2" charset="2"/>
+              <a:buChar char=""/>
+              <a:defRPr sz="2400">
+                <a:solidFill>
+                  <a:schemeClr val="tx1"/>
+                </a:solidFill>
+                <a:latin typeface="Gill Sans MT" charset="0"/>
+                <a:ea typeface="华文中宋" charset="-122"/>
+              </a:defRPr>
+            </a:lvl3pPr>
+            <a:lvl4pPr marL="1600200" indent="-228600">
+              <a:spcBef>
+                <a:spcPct val="20000"/>
+              </a:spcBef>
+              <a:buClr>
+                <a:srgbClr val="9BBB59"/>
+              </a:buClr>
+              <a:buFont typeface="Wingdings 2" charset="2"/>
+              <a:buChar char=""/>
+              <a:defRPr sz="2000">
+                <a:solidFill>
+                  <a:schemeClr val="tx1"/>
+                </a:solidFill>
+                <a:latin typeface="Gill Sans MT" charset="0"/>
+                <a:ea typeface="华文中宋" charset="-122"/>
+              </a:defRPr>
+            </a:lvl4pPr>
+            <a:lvl5pPr marL="2057400" indent="-228600">
+              <a:spcBef>
+                <a:spcPct val="20000"/>
+              </a:spcBef>
+              <a:buClr>
+                <a:srgbClr val="8064A2"/>
+              </a:buClr>
+              <a:buFont typeface="Wingdings 2" charset="2"/>
+              <a:buChar char=""/>
+              <a:defRPr sz="2000">
+                <a:solidFill>
+                  <a:schemeClr val="tx1"/>
+                </a:solidFill>
+                <a:latin typeface="Gill Sans MT" charset="0"/>
+                <a:ea typeface="华文中宋" charset="-122"/>
+              </a:defRPr>
+            </a:lvl5pPr>
+            <a:lvl6pPr marL="2514600" indent="-228600" eaLnBrk="0" fontAlgn="base" hangingPunct="0">
+              <a:spcBef>
+                <a:spcPct val="20000"/>
+              </a:spcBef>
+              <a:spcAft>
+                <a:spcPct val="0"/>
+              </a:spcAft>
+              <a:buClr>
+                <a:srgbClr val="8064A2"/>
+              </a:buClr>
+              <a:buFont typeface="Wingdings 2" charset="2"/>
+              <a:buChar char=""/>
+              <a:defRPr sz="2000">
+                <a:solidFill>
+                  <a:schemeClr val="tx1"/>
+                </a:solidFill>
+                <a:latin typeface="Gill Sans MT" charset="0"/>
+                <a:ea typeface="华文中宋" charset="-122"/>
+              </a:defRPr>
+            </a:lvl6pPr>
+            <a:lvl7pPr marL="2971800" indent="-228600" eaLnBrk="0" fontAlgn="base" hangingPunct="0">
+              <a:spcBef>
+                <a:spcPct val="20000"/>
+              </a:spcBef>
+              <a:spcAft>
+                <a:spcPct val="0"/>
+              </a:spcAft>
+              <a:buClr>
+                <a:srgbClr val="8064A2"/>
+              </a:buClr>
+              <a:buFont typeface="Wingdings 2" charset="2"/>
+              <a:buChar char=""/>
+              <a:defRPr sz="2000">
+                <a:solidFill>
+                  <a:schemeClr val="tx1"/>
+                </a:solidFill>
+                <a:latin typeface="Gill Sans MT" charset="0"/>
+                <a:ea typeface="华文中宋" charset="-122"/>
+              </a:defRPr>
+            </a:lvl7pPr>
+            <a:lvl8pPr marL="3429000" indent="-228600" eaLnBrk="0" fontAlgn="base" hangingPunct="0">
+              <a:spcBef>
+                <a:spcPct val="20000"/>
+              </a:spcBef>
+              <a:spcAft>
+                <a:spcPct val="0"/>
+              </a:spcAft>
+              <a:buClr>
+                <a:srgbClr val="8064A2"/>
+              </a:buClr>
+              <a:buFont typeface="Wingdings 2" charset="2"/>
+              <a:buChar char=""/>
+              <a:defRPr sz="2000">
+                <a:solidFill>
+                  <a:schemeClr val="tx1"/>
+                </a:solidFill>
+                <a:latin typeface="Gill Sans MT" charset="0"/>
+                <a:ea typeface="华文中宋" charset="-122"/>
+              </a:defRPr>
+            </a:lvl8pPr>
+            <a:lvl9pPr marL="3886200" indent="-228600" eaLnBrk="0" fontAlgn="base" hangingPunct="0">
+              <a:spcBef>
+                <a:spcPct val="20000"/>
+              </a:spcBef>
+              <a:spcAft>
+                <a:spcPct val="0"/>
+              </a:spcAft>
+              <a:buClr>
+                <a:srgbClr val="8064A2"/>
+              </a:buClr>
+              <a:buFont typeface="Wingdings 2" charset="2"/>
+              <a:buChar char=""/>
+              <a:defRPr sz="2000">
+                <a:solidFill>
+                  <a:schemeClr val="tx1"/>
+                </a:solidFill>
+                <a:latin typeface="Gill Sans MT" charset="0"/>
+                <a:ea typeface="华文中宋" charset="-122"/>
+              </a:defRPr>
+            </a:lvl9pPr>
+          </a:lstStyle>
+          <a:p>
+            <a:pPr>
+              <a:spcBef>
+                <a:spcPct val="0"/>
+              </a:spcBef>
+              <a:buClrTx/>
+              <a:buSzTx/>
+              <a:buFontTx/>
+              <a:buNone/>
+            </a:pPr>
+            <a:fld id="{1D6ECCCE-679C-D446-B864-FD9C72087C5E}" type="slidenum">
+              <a:rPr lang="zh-CN" altLang="en-US" sz="1200">
+                <a:solidFill>
+                  <a:srgbClr val="B4B1A0"/>
+                </a:solidFill>
+              </a:rPr>
+              <a:pPr>
+                <a:spcBef>
+                  <a:spcPct val="0"/>
+                </a:spcBef>
+                <a:buClrTx/>
+                <a:buSzTx/>
+                <a:buFontTx/>
+                <a:buNone/>
+              </a:pPr>
+              <a:t>70</a:t>
+            </a:fld>
+            <a:endParaRPr lang="zh-CN" altLang="en-US" sz="1200">
+              <a:solidFill>
+                <a:srgbClr val="B4B1A0"/>
+              </a:solidFill>
+            </a:endParaRPr>
+          </a:p>
+        </p:txBody>
+      </p:sp>
+    </p:spTree>
+    <p:extLst>
+      <p:ext uri="{BB962C8B-B14F-4D97-AF65-F5344CB8AC3E}">
+        <p14:creationId xmlns:p14="http://schemas.microsoft.com/office/powerpoint/2010/main" val="1376147277"/>
+      </p:ext>
+    </p:extLst>
   </p:cSld>
   <p:clrMapOvr>
     <a:masterClrMapping/>
